--- a/other/CppAlgs/AVLtree.pptx
+++ b/other/CppAlgs/AVLtree.pptx
@@ -19,14 +19,13 @@
     <p:sldId id="280" r:id="rId13"/>
     <p:sldId id="273" r:id="rId14"/>
     <p:sldId id="269" r:id="rId15"/>
-    <p:sldId id="270" r:id="rId16"/>
-    <p:sldId id="271" r:id="rId17"/>
-    <p:sldId id="272" r:id="rId18"/>
-    <p:sldId id="274" r:id="rId19"/>
-    <p:sldId id="275" r:id="rId20"/>
-    <p:sldId id="276" r:id="rId21"/>
-    <p:sldId id="277" r:id="rId22"/>
-    <p:sldId id="278" r:id="rId23"/>
+    <p:sldId id="271" r:id="rId16"/>
+    <p:sldId id="272" r:id="rId17"/>
+    <p:sldId id="274" r:id="rId18"/>
+    <p:sldId id="275" r:id="rId19"/>
+    <p:sldId id="277" r:id="rId20"/>
+    <p:sldId id="278" r:id="rId21"/>
+    <p:sldId id="281" r:id="rId22"/>
   </p:sldIdLst>
   <p:sldSz cx="12192000" cy="6858000"/>
   <p:notesSz cx="6858000" cy="9144000"/>
@@ -125,6 +124,11 @@
       </a:defRPr>
     </a:lvl9pPr>
   </p:defaultTextStyle>
+  <p:extLst>
+    <p:ext uri="{EFAFB233-063F-42B5-8137-9DF3F51BA10A}">
+      <p15:sldGuideLst xmlns:p15="http://schemas.microsoft.com/office/powerpoint/2012/main"/>
+    </p:ext>
+  </p:extLst>
 </p:presentation>
 </file>
 
@@ -275,7 +279,7 @@
           <a:p>
             <a:fld id="{CEFF4E0F-5F24-4417-B126-DBD9D85095C2}" type="datetimeFigureOut">
               <a:rPr lang="zh-CN" altLang="en-US" smtClean="0"/>
-              <a:t>2019/11/6</a:t>
+              <a:t>2019/11/7</a:t>
             </a:fld>
             <a:endParaRPr lang="zh-CN" altLang="en-US"/>
           </a:p>
@@ -473,7 +477,7 @@
           <a:p>
             <a:fld id="{CEFF4E0F-5F24-4417-B126-DBD9D85095C2}" type="datetimeFigureOut">
               <a:rPr lang="zh-CN" altLang="en-US" smtClean="0"/>
-              <a:t>2019/11/6</a:t>
+              <a:t>2019/11/7</a:t>
             </a:fld>
             <a:endParaRPr lang="zh-CN" altLang="en-US"/>
           </a:p>
@@ -681,7 +685,7 @@
           <a:p>
             <a:fld id="{CEFF4E0F-5F24-4417-B126-DBD9D85095C2}" type="datetimeFigureOut">
               <a:rPr lang="zh-CN" altLang="en-US" smtClean="0"/>
-              <a:t>2019/11/6</a:t>
+              <a:t>2019/11/7</a:t>
             </a:fld>
             <a:endParaRPr lang="zh-CN" altLang="en-US"/>
           </a:p>
@@ -879,7 +883,7 @@
           <a:p>
             <a:fld id="{CEFF4E0F-5F24-4417-B126-DBD9D85095C2}" type="datetimeFigureOut">
               <a:rPr lang="zh-CN" altLang="en-US" smtClean="0"/>
-              <a:t>2019/11/6</a:t>
+              <a:t>2019/11/7</a:t>
             </a:fld>
             <a:endParaRPr lang="zh-CN" altLang="en-US"/>
           </a:p>
@@ -1154,7 +1158,7 @@
           <a:p>
             <a:fld id="{CEFF4E0F-5F24-4417-B126-DBD9D85095C2}" type="datetimeFigureOut">
               <a:rPr lang="zh-CN" altLang="en-US" smtClean="0"/>
-              <a:t>2019/11/6</a:t>
+              <a:t>2019/11/7</a:t>
             </a:fld>
             <a:endParaRPr lang="zh-CN" altLang="en-US"/>
           </a:p>
@@ -1419,7 +1423,7 @@
           <a:p>
             <a:fld id="{CEFF4E0F-5F24-4417-B126-DBD9D85095C2}" type="datetimeFigureOut">
               <a:rPr lang="zh-CN" altLang="en-US" smtClean="0"/>
-              <a:t>2019/11/6</a:t>
+              <a:t>2019/11/7</a:t>
             </a:fld>
             <a:endParaRPr lang="zh-CN" altLang="en-US"/>
           </a:p>
@@ -1831,7 +1835,7 @@
           <a:p>
             <a:fld id="{CEFF4E0F-5F24-4417-B126-DBD9D85095C2}" type="datetimeFigureOut">
               <a:rPr lang="zh-CN" altLang="en-US" smtClean="0"/>
-              <a:t>2019/11/6</a:t>
+              <a:t>2019/11/7</a:t>
             </a:fld>
             <a:endParaRPr lang="zh-CN" altLang="en-US"/>
           </a:p>
@@ -1972,7 +1976,7 @@
           <a:p>
             <a:fld id="{CEFF4E0F-5F24-4417-B126-DBD9D85095C2}" type="datetimeFigureOut">
               <a:rPr lang="zh-CN" altLang="en-US" smtClean="0"/>
-              <a:t>2019/11/6</a:t>
+              <a:t>2019/11/7</a:t>
             </a:fld>
             <a:endParaRPr lang="zh-CN" altLang="en-US"/>
           </a:p>
@@ -2085,7 +2089,7 @@
           <a:p>
             <a:fld id="{CEFF4E0F-5F24-4417-B126-DBD9D85095C2}" type="datetimeFigureOut">
               <a:rPr lang="zh-CN" altLang="en-US" smtClean="0"/>
-              <a:t>2019/11/6</a:t>
+              <a:t>2019/11/7</a:t>
             </a:fld>
             <a:endParaRPr lang="zh-CN" altLang="en-US"/>
           </a:p>
@@ -2396,7 +2400,7 @@
           <a:p>
             <a:fld id="{CEFF4E0F-5F24-4417-B126-DBD9D85095C2}" type="datetimeFigureOut">
               <a:rPr lang="zh-CN" altLang="en-US" smtClean="0"/>
-              <a:t>2019/11/6</a:t>
+              <a:t>2019/11/7</a:t>
             </a:fld>
             <a:endParaRPr lang="zh-CN" altLang="en-US"/>
           </a:p>
@@ -2684,7 +2688,7 @@
           <a:p>
             <a:fld id="{CEFF4E0F-5F24-4417-B126-DBD9D85095C2}" type="datetimeFigureOut">
               <a:rPr lang="zh-CN" altLang="en-US" smtClean="0"/>
-              <a:t>2019/11/6</a:t>
+              <a:t>2019/11/7</a:t>
             </a:fld>
             <a:endParaRPr lang="zh-CN" altLang="en-US"/>
           </a:p>
@@ -2925,7 +2929,7 @@
           <a:p>
             <a:fld id="{CEFF4E0F-5F24-4417-B126-DBD9D85095C2}" type="datetimeFigureOut">
               <a:rPr lang="zh-CN" altLang="en-US" smtClean="0"/>
-              <a:t>2019/11/6</a:t>
+              <a:t>2019/11/7</a:t>
             </a:fld>
             <a:endParaRPr lang="zh-CN" altLang="en-US"/>
           </a:p>
@@ -3342,6 +3346,48 @@
           <a:chExt cx="0" cy="0"/>
         </a:xfrm>
       </p:grpSpPr>
+      <p:sp>
+        <p:nvSpPr>
+          <p:cNvPr id="2" name="文本框 1">
+            <a:extLst>
+              <a:ext uri="{FF2B5EF4-FFF2-40B4-BE49-F238E27FC236}">
+                <a16:creationId xmlns:a16="http://schemas.microsoft.com/office/drawing/2014/main" id="{A0D9224B-8349-4B7A-B7DC-F7AFA86DB96D}"/>
+              </a:ext>
+            </a:extLst>
+          </p:cNvPr>
+          <p:cNvSpPr txBox="1"/>
+          <p:nvPr/>
+        </p:nvSpPr>
+        <p:spPr>
+          <a:xfrm>
+            <a:off x="1113182" y="2093843"/>
+            <a:ext cx="4426226" cy="584775"/>
+          </a:xfrm>
+          <a:prstGeom prst="rect">
+            <a:avLst/>
+          </a:prstGeom>
+          <a:noFill/>
+        </p:spPr>
+        <p:txBody>
+          <a:bodyPr wrap="square" rtlCol="0">
+            <a:spAutoFit/>
+          </a:bodyPr>
+          <a:lstStyle/>
+          <a:p>
+            <a:r>
+              <a:rPr lang="en-US" altLang="zh-CN" sz="3200" dirty="0">
+                <a:latin typeface="黑体" panose="02010609060101010101" pitchFamily="49" charset="-122"/>
+                <a:ea typeface="黑体" panose="02010609060101010101" pitchFamily="49" charset="-122"/>
+              </a:rPr>
+              <a:t>Insert node</a:t>
+            </a:r>
+            <a:endParaRPr lang="zh-CN" altLang="en-US" sz="3200" dirty="0">
+              <a:latin typeface="黑体" panose="02010609060101010101" pitchFamily="49" charset="-122"/>
+              <a:ea typeface="黑体" panose="02010609060101010101" pitchFamily="49" charset="-122"/>
+            </a:endParaRPr>
+          </a:p>
+        </p:txBody>
+      </p:sp>
     </p:spTree>
     <p:extLst>
       <p:ext uri="{BB962C8B-B14F-4D97-AF65-F5344CB8AC3E}">
@@ -4552,7 +4598,7 @@
                 <a:latin typeface="黑体" panose="02010609060101010101" pitchFamily="49" charset="-122"/>
                 <a:ea typeface="黑体" panose="02010609060101010101" pitchFamily="49" charset="-122"/>
               </a:rPr>
-              <a:t>(Node* par, Node* son)</a:t>
+              <a:t>(Node* par, Node* pre)</a:t>
             </a:r>
           </a:p>
           <a:p>
@@ -5270,7 +5316,7 @@
                 <a:latin typeface="黑体" panose="02010609060101010101" pitchFamily="49" charset="-122"/>
                 <a:ea typeface="黑体" panose="02010609060101010101" pitchFamily="49" charset="-122"/>
               </a:rPr>
-              <a:t>(Node* par, Node* son)</a:t>
+              <a:t>(Node* par, Node* pre)</a:t>
             </a:r>
           </a:p>
           <a:p>
@@ -6415,7 +6461,7 @@
                 <a:latin typeface="黑体" panose="02010609060101010101" pitchFamily="49" charset="-122"/>
                 <a:ea typeface="黑体" panose="02010609060101010101" pitchFamily="49" charset="-122"/>
               </a:rPr>
-              <a:t>(Node* par, Node* son)</a:t>
+              <a:t>(Node* par, Node* pre)</a:t>
             </a:r>
           </a:p>
           <a:p>
@@ -6456,8 +6502,8 @@
         </p:nvSpPr>
         <p:spPr>
           <a:xfrm>
-            <a:off x="6239965" y="1969553"/>
-            <a:ext cx="4774504" cy="4524315"/>
+            <a:off x="6272918" y="1844351"/>
+            <a:ext cx="4774504" cy="5078313"/>
           </a:xfrm>
           <a:prstGeom prst="rect">
             <a:avLst/>
@@ -6483,6 +6529,52 @@
                 <a:ea typeface="黑体" panose="02010609060101010101" pitchFamily="49" charset="-122"/>
               </a:rPr>
               <a:t>:</a:t>
+            </a:r>
+          </a:p>
+          <a:p>
+            <a:r>
+              <a:rPr lang="en-US" altLang="zh-CN" dirty="0">
+                <a:latin typeface="黑体" panose="02010609060101010101" pitchFamily="49" charset="-122"/>
+                <a:ea typeface="黑体" panose="02010609060101010101" pitchFamily="49" charset="-122"/>
+              </a:rPr>
+              <a:t>this-&gt;</a:t>
+            </a:r>
+            <a:r>
+              <a:rPr lang="en-US" altLang="zh-CN" dirty="0" err="1">
+                <a:latin typeface="黑体" panose="02010609060101010101" pitchFamily="49" charset="-122"/>
+                <a:ea typeface="黑体" panose="02010609060101010101" pitchFamily="49" charset="-122"/>
+              </a:rPr>
+              <a:t>updateHeight</a:t>
+            </a:r>
+            <a:r>
+              <a:rPr lang="en-US" altLang="zh-CN" dirty="0">
+                <a:latin typeface="黑体" panose="02010609060101010101" pitchFamily="49" charset="-122"/>
+                <a:ea typeface="黑体" panose="02010609060101010101" pitchFamily="49" charset="-122"/>
+              </a:rPr>
+              <a:t>(par);</a:t>
+            </a:r>
+          </a:p>
+          <a:p>
+            <a:r>
+              <a:rPr lang="en-US" altLang="zh-CN" dirty="0">
+                <a:latin typeface="黑体" panose="02010609060101010101" pitchFamily="49" charset="-122"/>
+                <a:ea typeface="黑体" panose="02010609060101010101" pitchFamily="49" charset="-122"/>
+              </a:rPr>
+              <a:t>this-&gt;</a:t>
+            </a:r>
+            <a:r>
+              <a:rPr lang="en-US" altLang="zh-CN" dirty="0" err="1">
+                <a:latin typeface="黑体" panose="02010609060101010101" pitchFamily="49" charset="-122"/>
+                <a:ea typeface="黑体" panose="02010609060101010101" pitchFamily="49" charset="-122"/>
+              </a:rPr>
+              <a:t>updateHeight</a:t>
+            </a:r>
+            <a:r>
+              <a:rPr lang="en-US" altLang="zh-CN" dirty="0">
+                <a:latin typeface="黑体" panose="02010609060101010101" pitchFamily="49" charset="-122"/>
+                <a:ea typeface="黑体" panose="02010609060101010101" pitchFamily="49" charset="-122"/>
+              </a:rPr>
+              <a:t>(pre);</a:t>
             </a:r>
           </a:p>
           <a:p>
@@ -6827,7 +6919,7 @@
                 <a:latin typeface="黑体" panose="02010609060101010101" pitchFamily="49" charset="-122"/>
                 <a:ea typeface="黑体" panose="02010609060101010101" pitchFamily="49" charset="-122"/>
               </a:rPr>
-              <a:t>(Node* par, Node* son)</a:t>
+              <a:t>(Node* par, Node* pre)</a:t>
             </a:r>
           </a:p>
           <a:p>
@@ -7805,7 +7897,7 @@
         <p:spPr>
           <a:xfrm>
             <a:off x="5178081" y="1988718"/>
-            <a:ext cx="4774504" cy="1477328"/>
+            <a:ext cx="4774504" cy="369332"/>
           </a:xfrm>
           <a:prstGeom prst="rect">
             <a:avLst/>
@@ -7819,150 +7911,594 @@
           <a:lstStyle/>
           <a:p>
             <a:r>
+              <a:rPr lang="en-US" altLang="zh-CN" dirty="0" err="1">
+                <a:latin typeface="黑体" panose="02010609060101010101" pitchFamily="49" charset="-122"/>
+                <a:ea typeface="黑体" panose="02010609060101010101" pitchFamily="49" charset="-122"/>
+              </a:rPr>
+              <a:t>leftRotate</a:t>
+            </a:r>
+            <a:r>
               <a:rPr lang="en-US" altLang="zh-CN" dirty="0">
                 <a:latin typeface="黑体" panose="02010609060101010101" pitchFamily="49" charset="-122"/>
                 <a:ea typeface="黑体" panose="02010609060101010101" pitchFamily="49" charset="-122"/>
               </a:rPr>
-              <a:t>pretreat: </a:t>
-            </a:r>
-          </a:p>
-          <a:p>
-            <a:r>
-              <a:rPr lang="en-US" altLang="zh-CN" dirty="0">
-                <a:latin typeface="黑体" panose="02010609060101010101" pitchFamily="49" charset="-122"/>
-                <a:ea typeface="黑体" panose="02010609060101010101" pitchFamily="49" charset="-122"/>
-              </a:rPr>
-              <a:t>  Node* </a:t>
-            </a:r>
-            <a:r>
-              <a:rPr lang="en-US" altLang="zh-CN" dirty="0" err="1">
-                <a:latin typeface="黑体" panose="02010609060101010101" pitchFamily="49" charset="-122"/>
-                <a:ea typeface="黑体" panose="02010609060101010101" pitchFamily="49" charset="-122"/>
-              </a:rPr>
-              <a:t>gra</a:t>
-            </a:r>
-            <a:r>
-              <a:rPr lang="en-US" altLang="zh-CN" dirty="0">
-                <a:latin typeface="黑体" panose="02010609060101010101" pitchFamily="49" charset="-122"/>
-                <a:ea typeface="黑体" panose="02010609060101010101" pitchFamily="49" charset="-122"/>
-              </a:rPr>
-              <a:t> = par-&gt;parent;</a:t>
-            </a:r>
-          </a:p>
-          <a:p>
-            <a:r>
-              <a:rPr lang="zh-CN" altLang="en-US" dirty="0">
-                <a:latin typeface="黑体" panose="02010609060101010101" pitchFamily="49" charset="-122"/>
-                <a:ea typeface="黑体" panose="02010609060101010101" pitchFamily="49" charset="-122"/>
-              </a:rPr>
-              <a:t>  </a:t>
-            </a:r>
-            <a:r>
-              <a:rPr lang="en-US" altLang="zh-CN" dirty="0">
-                <a:latin typeface="黑体" panose="02010609060101010101" pitchFamily="49" charset="-122"/>
-                <a:ea typeface="黑体" panose="02010609060101010101" pitchFamily="49" charset="-122"/>
-              </a:rPr>
-              <a:t>bool </a:t>
-            </a:r>
-            <a:r>
-              <a:rPr lang="en-US" altLang="zh-CN" dirty="0" err="1">
-                <a:latin typeface="黑体" panose="02010609060101010101" pitchFamily="49" charset="-122"/>
-                <a:ea typeface="黑体" panose="02010609060101010101" pitchFamily="49" charset="-122"/>
-              </a:rPr>
-              <a:t>GraOccur</a:t>
-            </a:r>
-            <a:r>
-              <a:rPr lang="en-US" altLang="zh-CN" dirty="0">
-                <a:latin typeface="黑体" panose="02010609060101010101" pitchFamily="49" charset="-122"/>
-                <a:ea typeface="黑体" panose="02010609060101010101" pitchFamily="49" charset="-122"/>
-              </a:rPr>
-              <a:t> = (</a:t>
-            </a:r>
-            <a:r>
-              <a:rPr lang="en-US" altLang="zh-CN" dirty="0" err="1">
-                <a:latin typeface="黑体" panose="02010609060101010101" pitchFamily="49" charset="-122"/>
-                <a:ea typeface="黑体" panose="02010609060101010101" pitchFamily="49" charset="-122"/>
-              </a:rPr>
-              <a:t>gra</a:t>
-            </a:r>
-            <a:r>
-              <a:rPr lang="en-US" altLang="zh-CN" dirty="0">
-                <a:latin typeface="黑体" panose="02010609060101010101" pitchFamily="49" charset="-122"/>
-                <a:ea typeface="黑体" panose="02010609060101010101" pitchFamily="49" charset="-122"/>
-              </a:rPr>
-              <a:t>) ? true: false;</a:t>
-            </a:r>
-          </a:p>
-          <a:p>
-            <a:r>
-              <a:rPr lang="zh-CN" altLang="en-US" dirty="0">
-                <a:latin typeface="黑体" panose="02010609060101010101" pitchFamily="49" charset="-122"/>
-                <a:ea typeface="黑体" panose="02010609060101010101" pitchFamily="49" charset="-122"/>
-              </a:rPr>
-              <a:t>  </a:t>
-            </a:r>
-            <a:r>
-              <a:rPr lang="en-US" altLang="zh-CN" dirty="0">
-                <a:latin typeface="黑体" panose="02010609060101010101" pitchFamily="49" charset="-122"/>
-                <a:ea typeface="黑体" panose="02010609060101010101" pitchFamily="49" charset="-122"/>
-              </a:rPr>
-              <a:t>bool </a:t>
-            </a:r>
-            <a:r>
-              <a:rPr lang="en-US" altLang="zh-CN" dirty="0" err="1">
-                <a:latin typeface="黑体" panose="02010609060101010101" pitchFamily="49" charset="-122"/>
-                <a:ea typeface="黑体" panose="02010609060101010101" pitchFamily="49" charset="-122"/>
-              </a:rPr>
-              <a:t>GraLeft</a:t>
-            </a:r>
-            <a:r>
-              <a:rPr lang="en-US" altLang="zh-CN" dirty="0">
-                <a:latin typeface="黑体" panose="02010609060101010101" pitchFamily="49" charset="-122"/>
-                <a:ea typeface="黑体" panose="02010609060101010101" pitchFamily="49" charset="-122"/>
-              </a:rPr>
-              <a:t> = (</a:t>
-            </a:r>
-            <a:r>
-              <a:rPr lang="en-US" altLang="zh-CN" dirty="0" err="1">
-                <a:latin typeface="黑体" panose="02010609060101010101" pitchFamily="49" charset="-122"/>
-                <a:ea typeface="黑体" panose="02010609060101010101" pitchFamily="49" charset="-122"/>
-              </a:rPr>
-              <a:t>gra</a:t>
-            </a:r>
-            <a:r>
-              <a:rPr lang="en-US" altLang="zh-CN" dirty="0">
-                <a:latin typeface="黑体" panose="02010609060101010101" pitchFamily="49" charset="-122"/>
-                <a:ea typeface="黑体" panose="02010609060101010101" pitchFamily="49" charset="-122"/>
-              </a:rPr>
-              <a:t> &amp;&amp; </a:t>
-            </a:r>
-            <a:r>
-              <a:rPr lang="en-US" altLang="zh-CN" dirty="0" err="1">
-                <a:latin typeface="黑体" panose="02010609060101010101" pitchFamily="49" charset="-122"/>
-                <a:ea typeface="黑体" panose="02010609060101010101" pitchFamily="49" charset="-122"/>
-              </a:rPr>
-              <a:t>gre</a:t>
-            </a:r>
-            <a:r>
-              <a:rPr lang="en-US" altLang="zh-CN" dirty="0">
-                <a:latin typeface="黑体" panose="02010609060101010101" pitchFamily="49" charset="-122"/>
-                <a:ea typeface="黑体" panose="02010609060101010101" pitchFamily="49" charset="-122"/>
-              </a:rPr>
-              <a:t>-&gt;left == par) ? true : false;</a:t>
-            </a:r>
-            <a:endParaRPr lang="zh-CN" altLang="en-US" dirty="0">
-              <a:latin typeface="黑体" panose="02010609060101010101" pitchFamily="49" charset="-122"/>
-              <a:ea typeface="黑体" panose="02010609060101010101" pitchFamily="49" charset="-122"/>
-            </a:endParaRPr>
+              <a:t>(pre-&gt;right, pre);</a:t>
+            </a:r>
           </a:p>
         </p:txBody>
       </p:sp>
       <p:sp>
         <p:nvSpPr>
-          <p:cNvPr id="18" name="文本框 17">
+          <p:cNvPr id="41" name="箭头: 右 40">
             <a:extLst>
               <a:ext uri="{FF2B5EF4-FFF2-40B4-BE49-F238E27FC236}">
-                <a16:creationId xmlns:a16="http://schemas.microsoft.com/office/drawing/2014/main" id="{BD864DB0-A65A-456B-B240-3751C142D356}"/>
+                <a16:creationId xmlns:a16="http://schemas.microsoft.com/office/drawing/2014/main" id="{8A72C991-3C4C-4845-9FA6-D11C9E8CBB51}"/>
+              </a:ext>
+            </a:extLst>
+          </p:cNvPr>
+          <p:cNvSpPr/>
+          <p:nvPr/>
+        </p:nvSpPr>
+        <p:spPr>
+          <a:xfrm>
+            <a:off x="5162280" y="4234853"/>
+            <a:ext cx="872400" cy="406778"/>
+          </a:xfrm>
+          <a:prstGeom prst="rightArrow">
+            <a:avLst/>
+          </a:prstGeom>
+        </p:spPr>
+        <p:style>
+          <a:lnRef idx="2">
+            <a:schemeClr val="accent1">
+              <a:shade val="50000"/>
+            </a:schemeClr>
+          </a:lnRef>
+          <a:fillRef idx="1">
+            <a:schemeClr val="accent1"/>
+          </a:fillRef>
+          <a:effectRef idx="0">
+            <a:schemeClr val="accent1"/>
+          </a:effectRef>
+          <a:fontRef idx="minor">
+            <a:schemeClr val="lt1"/>
+          </a:fontRef>
+        </p:style>
+        <p:txBody>
+          <a:bodyPr rtlCol="0" anchor="ctr"/>
+          <a:lstStyle/>
+          <a:p>
+            <a:pPr algn="ctr"/>
+            <a:endParaRPr lang="zh-CN" altLang="en-US"/>
+          </a:p>
+        </p:txBody>
+      </p:sp>
+      <p:grpSp>
+        <p:nvGrpSpPr>
+          <p:cNvPr id="32" name="组合 31">
+            <a:extLst>
+              <a:ext uri="{FF2B5EF4-FFF2-40B4-BE49-F238E27FC236}">
+                <a16:creationId xmlns:a16="http://schemas.microsoft.com/office/drawing/2014/main" id="{5695751B-6B2B-4163-966D-9DDF8467A235}"/>
+              </a:ext>
+            </a:extLst>
+          </p:cNvPr>
+          <p:cNvGrpSpPr/>
+          <p:nvPr/>
+        </p:nvGrpSpPr>
+        <p:grpSpPr>
+          <a:xfrm>
+            <a:off x="2239415" y="3077249"/>
+            <a:ext cx="2744874" cy="3125884"/>
+            <a:chOff x="4611862" y="2084191"/>
+            <a:chExt cx="2744874" cy="3125884"/>
+          </a:xfrm>
+        </p:grpSpPr>
+        <p:sp>
+          <p:nvSpPr>
+            <p:cNvPr id="51" name="椭圆 50">
+              <a:extLst>
+                <a:ext uri="{FF2B5EF4-FFF2-40B4-BE49-F238E27FC236}">
+                  <a16:creationId xmlns:a16="http://schemas.microsoft.com/office/drawing/2014/main" id="{91A4DB2D-C713-48D6-9920-B3DA3E3EEE56}"/>
+                </a:ext>
+              </a:extLst>
+            </p:cNvPr>
+            <p:cNvSpPr/>
+            <p:nvPr/>
+          </p:nvSpPr>
+          <p:spPr>
+            <a:xfrm flipH="1">
+              <a:off x="5961862" y="2084191"/>
+              <a:ext cx="540000" cy="540000"/>
+            </a:xfrm>
+            <a:prstGeom prst="ellipse">
+              <a:avLst/>
+            </a:prstGeom>
+          </p:spPr>
+          <p:style>
+            <a:lnRef idx="2">
+              <a:schemeClr val="accent2">
+                <a:shade val="50000"/>
+              </a:schemeClr>
+            </a:lnRef>
+            <a:fillRef idx="1">
+              <a:schemeClr val="accent2"/>
+            </a:fillRef>
+            <a:effectRef idx="0">
+              <a:schemeClr val="accent2"/>
+            </a:effectRef>
+            <a:fontRef idx="minor">
+              <a:schemeClr val="lt1"/>
+            </a:fontRef>
+          </p:style>
+          <p:txBody>
+            <a:bodyPr rtlCol="0" anchor="ctr"/>
+            <a:lstStyle/>
+            <a:p>
+              <a:pPr algn="ctr"/>
+              <a:r>
+                <a:rPr lang="en-US" altLang="zh-CN" dirty="0"/>
+                <a:t>5</a:t>
+              </a:r>
+              <a:endParaRPr lang="zh-CN" altLang="en-US" dirty="0"/>
+            </a:p>
+          </p:txBody>
+        </p:sp>
+        <p:sp>
+          <p:nvSpPr>
+            <p:cNvPr id="52" name="椭圆 51">
+              <a:extLst>
+                <a:ext uri="{FF2B5EF4-FFF2-40B4-BE49-F238E27FC236}">
+                  <a16:creationId xmlns:a16="http://schemas.microsoft.com/office/drawing/2014/main" id="{392E9E9A-557B-487C-88DC-BBD42B803DBF}"/>
+                </a:ext>
+              </a:extLst>
+            </p:cNvPr>
+            <p:cNvSpPr/>
+            <p:nvPr/>
+          </p:nvSpPr>
+          <p:spPr>
+            <a:xfrm flipH="1">
+              <a:off x="6816736" y="2934681"/>
+              <a:ext cx="540000" cy="540000"/>
+            </a:xfrm>
+            <a:prstGeom prst="ellipse">
+              <a:avLst/>
+            </a:prstGeom>
+          </p:spPr>
+          <p:style>
+            <a:lnRef idx="2">
+              <a:schemeClr val="accent1">
+                <a:shade val="50000"/>
+              </a:schemeClr>
+            </a:lnRef>
+            <a:fillRef idx="1">
+              <a:schemeClr val="accent1"/>
+            </a:fillRef>
+            <a:effectRef idx="0">
+              <a:schemeClr val="accent1"/>
+            </a:effectRef>
+            <a:fontRef idx="minor">
+              <a:schemeClr val="lt1"/>
+            </a:fontRef>
+          </p:style>
+          <p:txBody>
+            <a:bodyPr rtlCol="0" anchor="ctr"/>
+            <a:lstStyle/>
+            <a:p>
+              <a:pPr algn="ctr"/>
+              <a:r>
+                <a:rPr lang="en-US" altLang="zh-CN" dirty="0"/>
+                <a:t>6</a:t>
+              </a:r>
+              <a:endParaRPr lang="zh-CN" altLang="en-US" dirty="0"/>
+            </a:p>
+          </p:txBody>
+        </p:sp>
+        <p:sp>
+          <p:nvSpPr>
+            <p:cNvPr id="53" name="椭圆 52">
+              <a:extLst>
+                <a:ext uri="{FF2B5EF4-FFF2-40B4-BE49-F238E27FC236}">
+                  <a16:creationId xmlns:a16="http://schemas.microsoft.com/office/drawing/2014/main" id="{CB86A24D-650E-4088-9FBE-C67993A0DCFD}"/>
+                </a:ext>
+              </a:extLst>
+            </p:cNvPr>
+            <p:cNvSpPr/>
+            <p:nvPr/>
+          </p:nvSpPr>
+          <p:spPr>
+            <a:xfrm flipH="1">
+              <a:off x="5151862" y="2934681"/>
+              <a:ext cx="540000" cy="540000"/>
+            </a:xfrm>
+            <a:prstGeom prst="ellipse">
+              <a:avLst/>
+            </a:prstGeom>
+          </p:spPr>
+          <p:style>
+            <a:lnRef idx="2">
+              <a:schemeClr val="accent6">
+                <a:shade val="50000"/>
+              </a:schemeClr>
+            </a:lnRef>
+            <a:fillRef idx="1">
+              <a:schemeClr val="accent6"/>
+            </a:fillRef>
+            <a:effectRef idx="0">
+              <a:schemeClr val="accent6"/>
+            </a:effectRef>
+            <a:fontRef idx="minor">
+              <a:schemeClr val="lt1"/>
+            </a:fontRef>
+          </p:style>
+          <p:txBody>
+            <a:bodyPr rtlCol="0" anchor="ctr"/>
+            <a:lstStyle/>
+            <a:p>
+              <a:pPr algn="ctr"/>
+              <a:r>
+                <a:rPr lang="en-US" altLang="zh-CN" dirty="0"/>
+                <a:t>2</a:t>
+              </a:r>
+              <a:endParaRPr lang="zh-CN" altLang="en-US" dirty="0"/>
+            </a:p>
+          </p:txBody>
+        </p:sp>
+        <p:sp>
+          <p:nvSpPr>
+            <p:cNvPr id="54" name="椭圆 53">
+              <a:extLst>
+                <a:ext uri="{FF2B5EF4-FFF2-40B4-BE49-F238E27FC236}">
+                  <a16:creationId xmlns:a16="http://schemas.microsoft.com/office/drawing/2014/main" id="{1AF37773-75CA-472A-91BD-062C2CB6EC0D}"/>
+                </a:ext>
+              </a:extLst>
+            </p:cNvPr>
+            <p:cNvSpPr/>
+            <p:nvPr/>
+          </p:nvSpPr>
+          <p:spPr>
+            <a:xfrm flipH="1">
+              <a:off x="4611862" y="3787631"/>
+              <a:ext cx="540000" cy="540000"/>
+            </a:xfrm>
+            <a:prstGeom prst="ellipse">
+              <a:avLst/>
+            </a:prstGeom>
+          </p:spPr>
+          <p:style>
+            <a:lnRef idx="2">
+              <a:schemeClr val="accent1">
+                <a:shade val="50000"/>
+              </a:schemeClr>
+            </a:lnRef>
+            <a:fillRef idx="1">
+              <a:schemeClr val="accent1"/>
+            </a:fillRef>
+            <a:effectRef idx="0">
+              <a:schemeClr val="accent1"/>
+            </a:effectRef>
+            <a:fontRef idx="minor">
+              <a:schemeClr val="lt1"/>
+            </a:fontRef>
+          </p:style>
+          <p:txBody>
+            <a:bodyPr rtlCol="0" anchor="ctr"/>
+            <a:lstStyle/>
+            <a:p>
+              <a:pPr algn="ctr"/>
+              <a:r>
+                <a:rPr lang="en-US" altLang="zh-CN" dirty="0"/>
+                <a:t>1</a:t>
+              </a:r>
+              <a:endParaRPr lang="zh-CN" altLang="en-US" dirty="0"/>
+            </a:p>
+          </p:txBody>
+        </p:sp>
+        <p:sp>
+          <p:nvSpPr>
+            <p:cNvPr id="55" name="椭圆 54">
+              <a:extLst>
+                <a:ext uri="{FF2B5EF4-FFF2-40B4-BE49-F238E27FC236}">
+                  <a16:creationId xmlns:a16="http://schemas.microsoft.com/office/drawing/2014/main" id="{85E3E982-BCCC-4AAE-B6F7-68F08F399E05}"/>
+                </a:ext>
+              </a:extLst>
+            </p:cNvPr>
+            <p:cNvSpPr/>
+            <p:nvPr/>
+          </p:nvSpPr>
+          <p:spPr>
+            <a:xfrm flipH="1">
+              <a:off x="5691862" y="3802378"/>
+              <a:ext cx="540000" cy="540000"/>
+            </a:xfrm>
+            <a:prstGeom prst="ellipse">
+              <a:avLst/>
+            </a:prstGeom>
+          </p:spPr>
+          <p:style>
+            <a:lnRef idx="2">
+              <a:schemeClr val="accent1">
+                <a:shade val="50000"/>
+              </a:schemeClr>
+            </a:lnRef>
+            <a:fillRef idx="1">
+              <a:schemeClr val="accent1"/>
+            </a:fillRef>
+            <a:effectRef idx="0">
+              <a:schemeClr val="accent1"/>
+            </a:effectRef>
+            <a:fontRef idx="minor">
+              <a:schemeClr val="lt1"/>
+            </a:fontRef>
+          </p:style>
+          <p:txBody>
+            <a:bodyPr rtlCol="0" anchor="ctr"/>
+            <a:lstStyle/>
+            <a:p>
+              <a:pPr algn="ctr"/>
+              <a:r>
+                <a:rPr lang="en-US" altLang="zh-CN" dirty="0"/>
+                <a:t>3</a:t>
+              </a:r>
+              <a:endParaRPr lang="zh-CN" altLang="en-US" dirty="0"/>
+            </a:p>
+          </p:txBody>
+        </p:sp>
+        <p:sp>
+          <p:nvSpPr>
+            <p:cNvPr id="56" name="椭圆 55">
+              <a:extLst>
+                <a:ext uri="{FF2B5EF4-FFF2-40B4-BE49-F238E27FC236}">
+                  <a16:creationId xmlns:a16="http://schemas.microsoft.com/office/drawing/2014/main" id="{C356F7D9-463C-4C4A-A3D7-97ECECEC6E11}"/>
+                </a:ext>
+              </a:extLst>
+            </p:cNvPr>
+            <p:cNvSpPr/>
+            <p:nvPr/>
+          </p:nvSpPr>
+          <p:spPr>
+            <a:xfrm flipH="1">
+              <a:off x="6152781" y="4670075"/>
+              <a:ext cx="540000" cy="540000"/>
+            </a:xfrm>
+            <a:prstGeom prst="ellipse">
+              <a:avLst/>
+            </a:prstGeom>
+          </p:spPr>
+          <p:style>
+            <a:lnRef idx="2">
+              <a:schemeClr val="accent4">
+                <a:shade val="50000"/>
+              </a:schemeClr>
+            </a:lnRef>
+            <a:fillRef idx="1">
+              <a:schemeClr val="accent4"/>
+            </a:fillRef>
+            <a:effectRef idx="0">
+              <a:schemeClr val="accent4"/>
+            </a:effectRef>
+            <a:fontRef idx="minor">
+              <a:schemeClr val="lt1"/>
+            </a:fontRef>
+          </p:style>
+          <p:txBody>
+            <a:bodyPr rtlCol="0" anchor="ctr"/>
+            <a:lstStyle/>
+            <a:p>
+              <a:pPr algn="ctr"/>
+              <a:r>
+                <a:rPr lang="en-US" altLang="zh-CN" dirty="0"/>
+                <a:t>4</a:t>
+              </a:r>
+              <a:endParaRPr lang="zh-CN" altLang="en-US" dirty="0"/>
+            </a:p>
+          </p:txBody>
+        </p:sp>
+        <p:cxnSp>
+          <p:nvCxnSpPr>
+            <p:cNvPr id="57" name="直接连接符 56">
+              <a:extLst>
+                <a:ext uri="{FF2B5EF4-FFF2-40B4-BE49-F238E27FC236}">
+                  <a16:creationId xmlns:a16="http://schemas.microsoft.com/office/drawing/2014/main" id="{48827930-15B7-4FCC-B76D-5525C7310475}"/>
+                </a:ext>
+              </a:extLst>
+            </p:cNvPr>
+            <p:cNvCxnSpPr>
+              <a:stCxn id="51" idx="3"/>
+              <a:endCxn id="52" idx="7"/>
+            </p:cNvCxnSpPr>
+            <p:nvPr/>
+          </p:nvCxnSpPr>
+          <p:spPr>
+            <a:xfrm>
+              <a:off x="6422781" y="2545110"/>
+              <a:ext cx="473036" cy="468652"/>
+            </a:xfrm>
+            <a:prstGeom prst="line">
+              <a:avLst/>
+            </a:prstGeom>
+          </p:spPr>
+          <p:style>
+            <a:lnRef idx="3">
+              <a:schemeClr val="accent1"/>
+            </a:lnRef>
+            <a:fillRef idx="0">
+              <a:schemeClr val="accent1"/>
+            </a:fillRef>
+            <a:effectRef idx="2">
+              <a:schemeClr val="accent1"/>
+            </a:effectRef>
+            <a:fontRef idx="minor">
+              <a:schemeClr val="tx1"/>
+            </a:fontRef>
+          </p:style>
+        </p:cxnSp>
+        <p:cxnSp>
+          <p:nvCxnSpPr>
+            <p:cNvPr id="58" name="直接连接符 57">
+              <a:extLst>
+                <a:ext uri="{FF2B5EF4-FFF2-40B4-BE49-F238E27FC236}">
+                  <a16:creationId xmlns:a16="http://schemas.microsoft.com/office/drawing/2014/main" id="{826F1180-EB65-48F8-8CD7-609BCCCBF33C}"/>
+                </a:ext>
+              </a:extLst>
+            </p:cNvPr>
+            <p:cNvCxnSpPr>
+              <a:cxnSpLocks/>
+              <a:stCxn id="51" idx="5"/>
+              <a:endCxn id="53" idx="1"/>
+            </p:cNvCxnSpPr>
+            <p:nvPr/>
+          </p:nvCxnSpPr>
+          <p:spPr>
+            <a:xfrm flipH="1">
+              <a:off x="5612781" y="2545110"/>
+              <a:ext cx="428162" cy="468652"/>
+            </a:xfrm>
+            <a:prstGeom prst="line">
+              <a:avLst/>
+            </a:prstGeom>
+          </p:spPr>
+          <p:style>
+            <a:lnRef idx="3">
+              <a:schemeClr val="accent1"/>
+            </a:lnRef>
+            <a:fillRef idx="0">
+              <a:schemeClr val="accent1"/>
+            </a:fillRef>
+            <a:effectRef idx="2">
+              <a:schemeClr val="accent1"/>
+            </a:effectRef>
+            <a:fontRef idx="minor">
+              <a:schemeClr val="tx1"/>
+            </a:fontRef>
+          </p:style>
+        </p:cxnSp>
+        <p:cxnSp>
+          <p:nvCxnSpPr>
+            <p:cNvPr id="59" name="直接连接符 58">
+              <a:extLst>
+                <a:ext uri="{FF2B5EF4-FFF2-40B4-BE49-F238E27FC236}">
+                  <a16:creationId xmlns:a16="http://schemas.microsoft.com/office/drawing/2014/main" id="{3CA442CC-CB98-46F3-847D-35D17A7F49D7}"/>
+                </a:ext>
+              </a:extLst>
+            </p:cNvPr>
+            <p:cNvCxnSpPr>
+              <a:cxnSpLocks/>
+              <a:stCxn id="53" idx="3"/>
+              <a:endCxn id="55" idx="0"/>
+            </p:cNvCxnSpPr>
+            <p:nvPr/>
+          </p:nvCxnSpPr>
+          <p:spPr>
+            <a:xfrm>
+              <a:off x="5612781" y="3395600"/>
+              <a:ext cx="349081" cy="406778"/>
+            </a:xfrm>
+            <a:prstGeom prst="line">
+              <a:avLst/>
+            </a:prstGeom>
+          </p:spPr>
+          <p:style>
+            <a:lnRef idx="3">
+              <a:schemeClr val="accent1"/>
+            </a:lnRef>
+            <a:fillRef idx="0">
+              <a:schemeClr val="accent1"/>
+            </a:fillRef>
+            <a:effectRef idx="2">
+              <a:schemeClr val="accent1"/>
+            </a:effectRef>
+            <a:fontRef idx="minor">
+              <a:schemeClr val="tx1"/>
+            </a:fontRef>
+          </p:style>
+        </p:cxnSp>
+        <p:cxnSp>
+          <p:nvCxnSpPr>
+            <p:cNvPr id="60" name="直接连接符 59">
+              <a:extLst>
+                <a:ext uri="{FF2B5EF4-FFF2-40B4-BE49-F238E27FC236}">
+                  <a16:creationId xmlns:a16="http://schemas.microsoft.com/office/drawing/2014/main" id="{8757910E-5252-41A3-B4B2-AA7568F166E2}"/>
+                </a:ext>
+              </a:extLst>
+            </p:cNvPr>
+            <p:cNvCxnSpPr>
+              <a:cxnSpLocks/>
+              <a:stCxn id="53" idx="5"/>
+              <a:endCxn id="54" idx="0"/>
+            </p:cNvCxnSpPr>
+            <p:nvPr/>
+          </p:nvCxnSpPr>
+          <p:spPr>
+            <a:xfrm flipH="1">
+              <a:off x="4881862" y="3395600"/>
+              <a:ext cx="349081" cy="392031"/>
+            </a:xfrm>
+            <a:prstGeom prst="line">
+              <a:avLst/>
+            </a:prstGeom>
+          </p:spPr>
+          <p:style>
+            <a:lnRef idx="3">
+              <a:schemeClr val="accent1"/>
+            </a:lnRef>
+            <a:fillRef idx="0">
+              <a:schemeClr val="accent1"/>
+            </a:fillRef>
+            <a:effectRef idx="2">
+              <a:schemeClr val="accent1"/>
+            </a:effectRef>
+            <a:fontRef idx="minor">
+              <a:schemeClr val="tx1"/>
+            </a:fontRef>
+          </p:style>
+        </p:cxnSp>
+        <p:cxnSp>
+          <p:nvCxnSpPr>
+            <p:cNvPr id="61" name="直接连接符 60">
+              <a:extLst>
+                <a:ext uri="{FF2B5EF4-FFF2-40B4-BE49-F238E27FC236}">
+                  <a16:creationId xmlns:a16="http://schemas.microsoft.com/office/drawing/2014/main" id="{01D6F742-56C7-4610-AB5C-06D16238859F}"/>
+                </a:ext>
+              </a:extLst>
+            </p:cNvPr>
+            <p:cNvCxnSpPr>
+              <a:cxnSpLocks/>
+              <a:stCxn id="55" idx="3"/>
+              <a:endCxn id="56" idx="0"/>
+            </p:cNvCxnSpPr>
+            <p:nvPr/>
+          </p:nvCxnSpPr>
+          <p:spPr>
+            <a:xfrm>
+              <a:off x="6152781" y="4263297"/>
+              <a:ext cx="270000" cy="406778"/>
+            </a:xfrm>
+            <a:prstGeom prst="line">
+              <a:avLst/>
+            </a:prstGeom>
+          </p:spPr>
+          <p:style>
+            <a:lnRef idx="3">
+              <a:schemeClr val="accent1"/>
+            </a:lnRef>
+            <a:fillRef idx="0">
+              <a:schemeClr val="accent1"/>
+            </a:fillRef>
+            <a:effectRef idx="2">
+              <a:schemeClr val="accent1"/>
+            </a:effectRef>
+            <a:fontRef idx="minor">
+              <a:schemeClr val="tx1"/>
+            </a:fontRef>
+          </p:style>
+        </p:cxnSp>
+      </p:grpSp>
+      <p:sp>
+        <p:nvSpPr>
+          <p:cNvPr id="62" name="文本框 61">
+            <a:extLst>
+              <a:ext uri="{FF2B5EF4-FFF2-40B4-BE49-F238E27FC236}">
+                <a16:creationId xmlns:a16="http://schemas.microsoft.com/office/drawing/2014/main" id="{6071D187-4DDE-462A-ACC6-3EDF14C26142}"/>
               </a:ext>
             </a:extLst>
           </p:cNvPr>
@@ -8004,7 +8540,7 @@
                 <a:latin typeface="黑体" panose="02010609060101010101" pitchFamily="49" charset="-122"/>
                 <a:ea typeface="黑体" panose="02010609060101010101" pitchFamily="49" charset="-122"/>
               </a:rPr>
-              <a:t>(Node* par, Node* son)</a:t>
+              <a:t>(Node* par, Node* pre)</a:t>
             </a:r>
           </a:p>
           <a:p>
@@ -8033,10 +8569,10 @@
       </p:sp>
       <p:grpSp>
         <p:nvGrpSpPr>
-          <p:cNvPr id="20" name="组合 19">
+          <p:cNvPr id="15" name="组合 14">
             <a:extLst>
               <a:ext uri="{FF2B5EF4-FFF2-40B4-BE49-F238E27FC236}">
-                <a16:creationId xmlns:a16="http://schemas.microsoft.com/office/drawing/2014/main" id="{26B017BD-CFF5-4DF1-A94D-9C9A4307D4EB}"/>
+                <a16:creationId xmlns:a16="http://schemas.microsoft.com/office/drawing/2014/main" id="{ECB557B7-AAA7-486D-B810-D498BA9C8EC4}"/>
               </a:ext>
             </a:extLst>
           </p:cNvPr>
@@ -8045,18 +8581,18 @@
         </p:nvGrpSpPr>
         <p:grpSpPr>
           <a:xfrm>
-            <a:off x="2239415" y="3077249"/>
-            <a:ext cx="2744874" cy="3125884"/>
-            <a:chOff x="4611862" y="2084191"/>
-            <a:chExt cx="2744874" cy="3125884"/>
+            <a:off x="6218202" y="3078689"/>
+            <a:ext cx="3216822" cy="3124444"/>
+            <a:chOff x="6218202" y="3078689"/>
+            <a:chExt cx="3216822" cy="3124444"/>
           </a:xfrm>
         </p:grpSpPr>
         <p:sp>
           <p:nvSpPr>
-            <p:cNvPr id="21" name="椭圆 20">
-              <a:extLst>
-                <a:ext uri="{FF2B5EF4-FFF2-40B4-BE49-F238E27FC236}">
-                  <a16:creationId xmlns:a16="http://schemas.microsoft.com/office/drawing/2014/main" id="{26704F65-9EBA-4911-BD0F-FCD0D7DA30B2}"/>
+            <p:cNvPr id="64" name="椭圆 63">
+              <a:extLst>
+                <a:ext uri="{FF2B5EF4-FFF2-40B4-BE49-F238E27FC236}">
+                  <a16:creationId xmlns:a16="http://schemas.microsoft.com/office/drawing/2014/main" id="{DFA926E2-F78A-4666-9556-21C99C093BC6}"/>
                 </a:ext>
               </a:extLst>
             </p:cNvPr>
@@ -8065,7 +8601,7 @@
           </p:nvSpPr>
           <p:spPr>
             <a:xfrm flipH="1">
-              <a:off x="5961862" y="2084191"/>
+              <a:off x="8040150" y="3078689"/>
               <a:ext cx="540000" cy="540000"/>
             </a:xfrm>
             <a:prstGeom prst="ellipse">
@@ -8103,10 +8639,10 @@
         </p:sp>
         <p:sp>
           <p:nvSpPr>
-            <p:cNvPr id="24" name="椭圆 23">
-              <a:extLst>
-                <a:ext uri="{FF2B5EF4-FFF2-40B4-BE49-F238E27FC236}">
-                  <a16:creationId xmlns:a16="http://schemas.microsoft.com/office/drawing/2014/main" id="{20503DCD-BEA7-4527-B6D1-982588EC7BFF}"/>
+            <p:cNvPr id="65" name="椭圆 64">
+              <a:extLst>
+                <a:ext uri="{FF2B5EF4-FFF2-40B4-BE49-F238E27FC236}">
+                  <a16:creationId xmlns:a16="http://schemas.microsoft.com/office/drawing/2014/main" id="{80FE647D-E955-4871-90A9-42FC4918A40C}"/>
                 </a:ext>
               </a:extLst>
             </p:cNvPr>
@@ -8115,7 +8651,7 @@
           </p:nvSpPr>
           <p:spPr>
             <a:xfrm flipH="1">
-              <a:off x="6816736" y="2934681"/>
+              <a:off x="8895024" y="3929179"/>
               <a:ext cx="540000" cy="540000"/>
             </a:xfrm>
             <a:prstGeom prst="ellipse">
@@ -8153,10 +8689,10 @@
         </p:sp>
         <p:sp>
           <p:nvSpPr>
-            <p:cNvPr id="28" name="椭圆 27">
-              <a:extLst>
-                <a:ext uri="{FF2B5EF4-FFF2-40B4-BE49-F238E27FC236}">
-                  <a16:creationId xmlns:a16="http://schemas.microsoft.com/office/drawing/2014/main" id="{E54025AB-09FF-4F0A-83C2-91CC2A87025C}"/>
+            <p:cNvPr id="66" name="椭圆 65">
+              <a:extLst>
+                <a:ext uri="{FF2B5EF4-FFF2-40B4-BE49-F238E27FC236}">
+                  <a16:creationId xmlns:a16="http://schemas.microsoft.com/office/drawing/2014/main" id="{AE91A97D-782F-48C4-BE1D-E3289ACEFE08}"/>
                 </a:ext>
               </a:extLst>
             </p:cNvPr>
@@ -8165,7 +8701,7 @@
           </p:nvSpPr>
           <p:spPr>
             <a:xfrm flipH="1">
-              <a:off x="5151862" y="2934681"/>
+              <a:off x="6769231" y="4782089"/>
               <a:ext cx="540000" cy="540000"/>
             </a:xfrm>
             <a:prstGeom prst="ellipse">
@@ -8203,10 +8739,10 @@
         </p:sp>
         <p:sp>
           <p:nvSpPr>
-            <p:cNvPr id="32" name="椭圆 31">
-              <a:extLst>
-                <a:ext uri="{FF2B5EF4-FFF2-40B4-BE49-F238E27FC236}">
-                  <a16:creationId xmlns:a16="http://schemas.microsoft.com/office/drawing/2014/main" id="{37EDD5D4-17D2-42F8-882A-CCA0030AC992}"/>
+            <p:cNvPr id="67" name="椭圆 66">
+              <a:extLst>
+                <a:ext uri="{FF2B5EF4-FFF2-40B4-BE49-F238E27FC236}">
+                  <a16:creationId xmlns:a16="http://schemas.microsoft.com/office/drawing/2014/main" id="{AE11E1F7-275A-4D3C-9E57-2207CA2ACAC0}"/>
                 </a:ext>
               </a:extLst>
             </p:cNvPr>
@@ -8215,7 +8751,7 @@
           </p:nvSpPr>
           <p:spPr>
             <a:xfrm flipH="1">
-              <a:off x="4611862" y="3787631"/>
+              <a:off x="6218202" y="5663133"/>
               <a:ext cx="540000" cy="540000"/>
             </a:xfrm>
             <a:prstGeom prst="ellipse">
@@ -8253,10 +8789,10 @@
         </p:sp>
         <p:sp>
           <p:nvSpPr>
-            <p:cNvPr id="34" name="椭圆 33">
-              <a:extLst>
-                <a:ext uri="{FF2B5EF4-FFF2-40B4-BE49-F238E27FC236}">
-                  <a16:creationId xmlns:a16="http://schemas.microsoft.com/office/drawing/2014/main" id="{225FD377-5A5E-4BB8-AEFD-32B3AC43F4EA}"/>
+            <p:cNvPr id="68" name="椭圆 67">
+              <a:extLst>
+                <a:ext uri="{FF2B5EF4-FFF2-40B4-BE49-F238E27FC236}">
+                  <a16:creationId xmlns:a16="http://schemas.microsoft.com/office/drawing/2014/main" id="{CB0600C9-70F2-4EEE-AF97-C9DBE9D28207}"/>
                 </a:ext>
               </a:extLst>
             </p:cNvPr>
@@ -8265,7 +8801,7 @@
           </p:nvSpPr>
           <p:spPr>
             <a:xfrm flipH="1">
-              <a:off x="5691862" y="3802378"/>
+              <a:off x="7309231" y="3927739"/>
               <a:ext cx="540000" cy="540000"/>
             </a:xfrm>
             <a:prstGeom prst="ellipse">
@@ -8303,10 +8839,10 @@
         </p:sp>
         <p:sp>
           <p:nvSpPr>
-            <p:cNvPr id="35" name="椭圆 34">
-              <a:extLst>
-                <a:ext uri="{FF2B5EF4-FFF2-40B4-BE49-F238E27FC236}">
-                  <a16:creationId xmlns:a16="http://schemas.microsoft.com/office/drawing/2014/main" id="{1F6A069B-A263-4DE6-B839-F4508A228A7C}"/>
+            <p:cNvPr id="69" name="椭圆 68">
+              <a:extLst>
+                <a:ext uri="{FF2B5EF4-FFF2-40B4-BE49-F238E27FC236}">
+                  <a16:creationId xmlns:a16="http://schemas.microsoft.com/office/drawing/2014/main" id="{3C775C5C-8A41-4EF7-B528-B788570ABAD7}"/>
                 </a:ext>
               </a:extLst>
             </p:cNvPr>
@@ -8315,7 +8851,7 @@
           </p:nvSpPr>
           <p:spPr>
             <a:xfrm flipH="1">
-              <a:off x="6152781" y="4670075"/>
+              <a:off x="7770150" y="4780689"/>
               <a:ext cx="540000" cy="540000"/>
             </a:xfrm>
             <a:prstGeom prst="ellipse">
@@ -8353,22 +8889,22 @@
         </p:sp>
         <p:cxnSp>
           <p:nvCxnSpPr>
-            <p:cNvPr id="36" name="直接连接符 35">
-              <a:extLst>
-                <a:ext uri="{FF2B5EF4-FFF2-40B4-BE49-F238E27FC236}">
-                  <a16:creationId xmlns:a16="http://schemas.microsoft.com/office/drawing/2014/main" id="{56C753F3-1654-4928-9449-23CCE49FBC6D}"/>
+            <p:cNvPr id="70" name="直接连接符 69">
+              <a:extLst>
+                <a:ext uri="{FF2B5EF4-FFF2-40B4-BE49-F238E27FC236}">
+                  <a16:creationId xmlns:a16="http://schemas.microsoft.com/office/drawing/2014/main" id="{C09E1EBD-79BE-47D2-91CA-BEEB9263B5F5}"/>
                 </a:ext>
               </a:extLst>
             </p:cNvPr>
             <p:cNvCxnSpPr>
-              <a:stCxn id="21" idx="3"/>
-              <a:endCxn id="24" idx="7"/>
+              <a:stCxn id="64" idx="3"/>
+              <a:endCxn id="65" idx="7"/>
             </p:cNvCxnSpPr>
             <p:nvPr/>
           </p:nvCxnSpPr>
           <p:spPr>
             <a:xfrm>
-              <a:off x="6422781" y="2545110"/>
+              <a:off x="8501069" y="3539608"/>
               <a:ext cx="473036" cy="468652"/>
             </a:xfrm>
             <a:prstGeom prst="line">
@@ -8392,24 +8928,24 @@
         </p:cxnSp>
         <p:cxnSp>
           <p:nvCxnSpPr>
-            <p:cNvPr id="37" name="直接连接符 36">
-              <a:extLst>
-                <a:ext uri="{FF2B5EF4-FFF2-40B4-BE49-F238E27FC236}">
-                  <a16:creationId xmlns:a16="http://schemas.microsoft.com/office/drawing/2014/main" id="{E3AAAAA0-EDA1-4841-8F22-C5949F0F10CC}"/>
+            <p:cNvPr id="71" name="直接连接符 70">
+              <a:extLst>
+                <a:ext uri="{FF2B5EF4-FFF2-40B4-BE49-F238E27FC236}">
+                  <a16:creationId xmlns:a16="http://schemas.microsoft.com/office/drawing/2014/main" id="{03AFF21E-F453-4621-8980-19529BD0597C}"/>
                 </a:ext>
               </a:extLst>
             </p:cNvPr>
             <p:cNvCxnSpPr>
               <a:cxnSpLocks/>
-              <a:stCxn id="21" idx="5"/>
-              <a:endCxn id="28" idx="1"/>
+              <a:stCxn id="64" idx="5"/>
+              <a:endCxn id="68" idx="0"/>
             </p:cNvCxnSpPr>
             <p:nvPr/>
           </p:nvCxnSpPr>
           <p:spPr>
             <a:xfrm flipH="1">
-              <a:off x="5612781" y="2545110"/>
-              <a:ext cx="428162" cy="468652"/>
+              <a:off x="7579231" y="3539608"/>
+              <a:ext cx="540000" cy="388131"/>
             </a:xfrm>
             <a:prstGeom prst="line">
               <a:avLst/>
@@ -8432,24 +8968,24 @@
         </p:cxnSp>
         <p:cxnSp>
           <p:nvCxnSpPr>
-            <p:cNvPr id="38" name="直接连接符 37">
-              <a:extLst>
-                <a:ext uri="{FF2B5EF4-FFF2-40B4-BE49-F238E27FC236}">
-                  <a16:creationId xmlns:a16="http://schemas.microsoft.com/office/drawing/2014/main" id="{6D5832C3-C948-4F02-9D04-9E91F4C13379}"/>
+            <p:cNvPr id="72" name="直接连接符 71">
+              <a:extLst>
+                <a:ext uri="{FF2B5EF4-FFF2-40B4-BE49-F238E27FC236}">
+                  <a16:creationId xmlns:a16="http://schemas.microsoft.com/office/drawing/2014/main" id="{99F9E117-A32C-491A-A7EA-DDA2ABFB36A1}"/>
                 </a:ext>
               </a:extLst>
             </p:cNvPr>
             <p:cNvCxnSpPr>
               <a:cxnSpLocks/>
-              <a:stCxn id="28" idx="3"/>
-              <a:endCxn id="34" idx="0"/>
+              <a:stCxn id="66" idx="0"/>
+              <a:endCxn id="68" idx="0"/>
             </p:cNvCxnSpPr>
             <p:nvPr/>
           </p:nvCxnSpPr>
           <p:spPr>
-            <a:xfrm>
-              <a:off x="5612781" y="3395600"/>
-              <a:ext cx="349081" cy="406778"/>
+            <a:xfrm flipV="1">
+              <a:off x="7039231" y="3927739"/>
+              <a:ext cx="540000" cy="854350"/>
             </a:xfrm>
             <a:prstGeom prst="line">
               <a:avLst/>
@@ -8472,24 +9008,24 @@
         </p:cxnSp>
         <p:cxnSp>
           <p:nvCxnSpPr>
-            <p:cNvPr id="39" name="直接连接符 38">
-              <a:extLst>
-                <a:ext uri="{FF2B5EF4-FFF2-40B4-BE49-F238E27FC236}">
-                  <a16:creationId xmlns:a16="http://schemas.microsoft.com/office/drawing/2014/main" id="{BB40DF3D-5095-4466-85FA-3FC37F7E9666}"/>
+            <p:cNvPr id="73" name="直接连接符 72">
+              <a:extLst>
+                <a:ext uri="{FF2B5EF4-FFF2-40B4-BE49-F238E27FC236}">
+                  <a16:creationId xmlns:a16="http://schemas.microsoft.com/office/drawing/2014/main" id="{15E7EB2D-22F1-4402-90E5-3EF8B502D6A5}"/>
                 </a:ext>
               </a:extLst>
             </p:cNvPr>
             <p:cNvCxnSpPr>
               <a:cxnSpLocks/>
-              <a:stCxn id="28" idx="5"/>
-              <a:endCxn id="32" idx="0"/>
+              <a:stCxn id="66" idx="5"/>
+              <a:endCxn id="67" idx="0"/>
             </p:cNvCxnSpPr>
             <p:nvPr/>
           </p:nvCxnSpPr>
           <p:spPr>
             <a:xfrm flipH="1">
-              <a:off x="4881862" y="3395600"/>
-              <a:ext cx="349081" cy="392031"/>
+              <a:off x="6488202" y="5243008"/>
+              <a:ext cx="360110" cy="420125"/>
             </a:xfrm>
             <a:prstGeom prst="line">
               <a:avLst/>
@@ -8512,24 +9048,24 @@
         </p:cxnSp>
         <p:cxnSp>
           <p:nvCxnSpPr>
-            <p:cNvPr id="40" name="直接连接符 39">
-              <a:extLst>
-                <a:ext uri="{FF2B5EF4-FFF2-40B4-BE49-F238E27FC236}">
-                  <a16:creationId xmlns:a16="http://schemas.microsoft.com/office/drawing/2014/main" id="{D50141EB-ADFA-4041-B4E1-85C6B5CC94F5}"/>
+            <p:cNvPr id="74" name="直接连接符 73">
+              <a:extLst>
+                <a:ext uri="{FF2B5EF4-FFF2-40B4-BE49-F238E27FC236}">
+                  <a16:creationId xmlns:a16="http://schemas.microsoft.com/office/drawing/2014/main" id="{439922C0-4E12-40B4-BD9B-7B8990C96075}"/>
                 </a:ext>
               </a:extLst>
             </p:cNvPr>
             <p:cNvCxnSpPr>
               <a:cxnSpLocks/>
-              <a:stCxn id="34" idx="3"/>
-              <a:endCxn id="35" idx="0"/>
+              <a:stCxn id="68" idx="3"/>
+              <a:endCxn id="69" idx="0"/>
             </p:cNvCxnSpPr>
             <p:nvPr/>
           </p:nvCxnSpPr>
           <p:spPr>
             <a:xfrm>
-              <a:off x="6152781" y="4263297"/>
-              <a:ext cx="270000" cy="406778"/>
+              <a:off x="7770150" y="4388658"/>
+              <a:ext cx="270000" cy="392031"/>
             </a:xfrm>
             <a:prstGeom prst="line">
               <a:avLst/>
@@ -8554,7 +9090,7 @@
     </p:spTree>
     <p:extLst>
       <p:ext uri="{BB962C8B-B14F-4D97-AF65-F5344CB8AC3E}">
-        <p14:creationId xmlns:p14="http://schemas.microsoft.com/office/powerpoint/2010/main" val="3600323575"/>
+        <p14:creationId xmlns:p14="http://schemas.microsoft.com/office/powerpoint/2010/main" val="1801737363"/>
       </p:ext>
     </p:extLst>
   </p:cSld>
@@ -8614,14 +9150,14 @@
                 <a:latin typeface="黑体" panose="02010609060101010101" pitchFamily="49" charset="-122"/>
                 <a:ea typeface="黑体" panose="02010609060101010101" pitchFamily="49" charset="-122"/>
               </a:rPr>
-              <a:t>leftRotate</a:t>
+              <a:t>rightRotate</a:t>
             </a:r>
             <a:r>
               <a:rPr lang="en-US" altLang="zh-CN" dirty="0">
                 <a:latin typeface="黑体" panose="02010609060101010101" pitchFamily="49" charset="-122"/>
                 <a:ea typeface="黑体" panose="02010609060101010101" pitchFamily="49" charset="-122"/>
               </a:rPr>
-              <a:t>(pre-&gt;right, pre);</a:t>
+              <a:t>(pre-&gt;parent, par);</a:t>
             </a:r>
           </a:p>
         </p:txBody>
@@ -8672,532 +9208,12 @@
           </a:p>
         </p:txBody>
       </p:sp>
-      <p:grpSp>
-        <p:nvGrpSpPr>
-          <p:cNvPr id="32" name="组合 31">
+      <p:sp>
+        <p:nvSpPr>
+          <p:cNvPr id="37" name="文本框 36">
             <a:extLst>
               <a:ext uri="{FF2B5EF4-FFF2-40B4-BE49-F238E27FC236}">
-                <a16:creationId xmlns:a16="http://schemas.microsoft.com/office/drawing/2014/main" id="{5695751B-6B2B-4163-966D-9DDF8467A235}"/>
-              </a:ext>
-            </a:extLst>
-          </p:cNvPr>
-          <p:cNvGrpSpPr/>
-          <p:nvPr/>
-        </p:nvGrpSpPr>
-        <p:grpSpPr>
-          <a:xfrm>
-            <a:off x="2239415" y="3077249"/>
-            <a:ext cx="2744874" cy="3125884"/>
-            <a:chOff x="4611862" y="2084191"/>
-            <a:chExt cx="2744874" cy="3125884"/>
-          </a:xfrm>
-        </p:grpSpPr>
-        <p:sp>
-          <p:nvSpPr>
-            <p:cNvPr id="51" name="椭圆 50">
-              <a:extLst>
-                <a:ext uri="{FF2B5EF4-FFF2-40B4-BE49-F238E27FC236}">
-                  <a16:creationId xmlns:a16="http://schemas.microsoft.com/office/drawing/2014/main" id="{91A4DB2D-C713-48D6-9920-B3DA3E3EEE56}"/>
-                </a:ext>
-              </a:extLst>
-            </p:cNvPr>
-            <p:cNvSpPr/>
-            <p:nvPr/>
-          </p:nvSpPr>
-          <p:spPr>
-            <a:xfrm flipH="1">
-              <a:off x="5961862" y="2084191"/>
-              <a:ext cx="540000" cy="540000"/>
-            </a:xfrm>
-            <a:prstGeom prst="ellipse">
-              <a:avLst/>
-            </a:prstGeom>
-          </p:spPr>
-          <p:style>
-            <a:lnRef idx="2">
-              <a:schemeClr val="accent2">
-                <a:shade val="50000"/>
-              </a:schemeClr>
-            </a:lnRef>
-            <a:fillRef idx="1">
-              <a:schemeClr val="accent2"/>
-            </a:fillRef>
-            <a:effectRef idx="0">
-              <a:schemeClr val="accent2"/>
-            </a:effectRef>
-            <a:fontRef idx="minor">
-              <a:schemeClr val="lt1"/>
-            </a:fontRef>
-          </p:style>
-          <p:txBody>
-            <a:bodyPr rtlCol="0" anchor="ctr"/>
-            <a:lstStyle/>
-            <a:p>
-              <a:pPr algn="ctr"/>
-              <a:r>
-                <a:rPr lang="en-US" altLang="zh-CN" dirty="0"/>
-                <a:t>5</a:t>
-              </a:r>
-              <a:endParaRPr lang="zh-CN" altLang="en-US" dirty="0"/>
-            </a:p>
-          </p:txBody>
-        </p:sp>
-        <p:sp>
-          <p:nvSpPr>
-            <p:cNvPr id="52" name="椭圆 51">
-              <a:extLst>
-                <a:ext uri="{FF2B5EF4-FFF2-40B4-BE49-F238E27FC236}">
-                  <a16:creationId xmlns:a16="http://schemas.microsoft.com/office/drawing/2014/main" id="{392E9E9A-557B-487C-88DC-BBD42B803DBF}"/>
-                </a:ext>
-              </a:extLst>
-            </p:cNvPr>
-            <p:cNvSpPr/>
-            <p:nvPr/>
-          </p:nvSpPr>
-          <p:spPr>
-            <a:xfrm flipH="1">
-              <a:off x="6816736" y="2934681"/>
-              <a:ext cx="540000" cy="540000"/>
-            </a:xfrm>
-            <a:prstGeom prst="ellipse">
-              <a:avLst/>
-            </a:prstGeom>
-          </p:spPr>
-          <p:style>
-            <a:lnRef idx="2">
-              <a:schemeClr val="accent1">
-                <a:shade val="50000"/>
-              </a:schemeClr>
-            </a:lnRef>
-            <a:fillRef idx="1">
-              <a:schemeClr val="accent1"/>
-            </a:fillRef>
-            <a:effectRef idx="0">
-              <a:schemeClr val="accent1"/>
-            </a:effectRef>
-            <a:fontRef idx="minor">
-              <a:schemeClr val="lt1"/>
-            </a:fontRef>
-          </p:style>
-          <p:txBody>
-            <a:bodyPr rtlCol="0" anchor="ctr"/>
-            <a:lstStyle/>
-            <a:p>
-              <a:pPr algn="ctr"/>
-              <a:r>
-                <a:rPr lang="en-US" altLang="zh-CN" dirty="0"/>
-                <a:t>6</a:t>
-              </a:r>
-              <a:endParaRPr lang="zh-CN" altLang="en-US" dirty="0"/>
-            </a:p>
-          </p:txBody>
-        </p:sp>
-        <p:sp>
-          <p:nvSpPr>
-            <p:cNvPr id="53" name="椭圆 52">
-              <a:extLst>
-                <a:ext uri="{FF2B5EF4-FFF2-40B4-BE49-F238E27FC236}">
-                  <a16:creationId xmlns:a16="http://schemas.microsoft.com/office/drawing/2014/main" id="{CB86A24D-650E-4088-9FBE-C67993A0DCFD}"/>
-                </a:ext>
-              </a:extLst>
-            </p:cNvPr>
-            <p:cNvSpPr/>
-            <p:nvPr/>
-          </p:nvSpPr>
-          <p:spPr>
-            <a:xfrm flipH="1">
-              <a:off x="5151862" y="2934681"/>
-              <a:ext cx="540000" cy="540000"/>
-            </a:xfrm>
-            <a:prstGeom prst="ellipse">
-              <a:avLst/>
-            </a:prstGeom>
-          </p:spPr>
-          <p:style>
-            <a:lnRef idx="2">
-              <a:schemeClr val="accent6">
-                <a:shade val="50000"/>
-              </a:schemeClr>
-            </a:lnRef>
-            <a:fillRef idx="1">
-              <a:schemeClr val="accent6"/>
-            </a:fillRef>
-            <a:effectRef idx="0">
-              <a:schemeClr val="accent6"/>
-            </a:effectRef>
-            <a:fontRef idx="minor">
-              <a:schemeClr val="lt1"/>
-            </a:fontRef>
-          </p:style>
-          <p:txBody>
-            <a:bodyPr rtlCol="0" anchor="ctr"/>
-            <a:lstStyle/>
-            <a:p>
-              <a:pPr algn="ctr"/>
-              <a:r>
-                <a:rPr lang="en-US" altLang="zh-CN" dirty="0"/>
-                <a:t>2</a:t>
-              </a:r>
-              <a:endParaRPr lang="zh-CN" altLang="en-US" dirty="0"/>
-            </a:p>
-          </p:txBody>
-        </p:sp>
-        <p:sp>
-          <p:nvSpPr>
-            <p:cNvPr id="54" name="椭圆 53">
-              <a:extLst>
-                <a:ext uri="{FF2B5EF4-FFF2-40B4-BE49-F238E27FC236}">
-                  <a16:creationId xmlns:a16="http://schemas.microsoft.com/office/drawing/2014/main" id="{1AF37773-75CA-472A-91BD-062C2CB6EC0D}"/>
-                </a:ext>
-              </a:extLst>
-            </p:cNvPr>
-            <p:cNvSpPr/>
-            <p:nvPr/>
-          </p:nvSpPr>
-          <p:spPr>
-            <a:xfrm flipH="1">
-              <a:off x="4611862" y="3787631"/>
-              <a:ext cx="540000" cy="540000"/>
-            </a:xfrm>
-            <a:prstGeom prst="ellipse">
-              <a:avLst/>
-            </a:prstGeom>
-          </p:spPr>
-          <p:style>
-            <a:lnRef idx="2">
-              <a:schemeClr val="accent1">
-                <a:shade val="50000"/>
-              </a:schemeClr>
-            </a:lnRef>
-            <a:fillRef idx="1">
-              <a:schemeClr val="accent1"/>
-            </a:fillRef>
-            <a:effectRef idx="0">
-              <a:schemeClr val="accent1"/>
-            </a:effectRef>
-            <a:fontRef idx="minor">
-              <a:schemeClr val="lt1"/>
-            </a:fontRef>
-          </p:style>
-          <p:txBody>
-            <a:bodyPr rtlCol="0" anchor="ctr"/>
-            <a:lstStyle/>
-            <a:p>
-              <a:pPr algn="ctr"/>
-              <a:r>
-                <a:rPr lang="en-US" altLang="zh-CN" dirty="0"/>
-                <a:t>1</a:t>
-              </a:r>
-              <a:endParaRPr lang="zh-CN" altLang="en-US" dirty="0"/>
-            </a:p>
-          </p:txBody>
-        </p:sp>
-        <p:sp>
-          <p:nvSpPr>
-            <p:cNvPr id="55" name="椭圆 54">
-              <a:extLst>
-                <a:ext uri="{FF2B5EF4-FFF2-40B4-BE49-F238E27FC236}">
-                  <a16:creationId xmlns:a16="http://schemas.microsoft.com/office/drawing/2014/main" id="{85E3E982-BCCC-4AAE-B6F7-68F08F399E05}"/>
-                </a:ext>
-              </a:extLst>
-            </p:cNvPr>
-            <p:cNvSpPr/>
-            <p:nvPr/>
-          </p:nvSpPr>
-          <p:spPr>
-            <a:xfrm flipH="1">
-              <a:off x="5691862" y="3802378"/>
-              <a:ext cx="540000" cy="540000"/>
-            </a:xfrm>
-            <a:prstGeom prst="ellipse">
-              <a:avLst/>
-            </a:prstGeom>
-          </p:spPr>
-          <p:style>
-            <a:lnRef idx="2">
-              <a:schemeClr val="accent1">
-                <a:shade val="50000"/>
-              </a:schemeClr>
-            </a:lnRef>
-            <a:fillRef idx="1">
-              <a:schemeClr val="accent1"/>
-            </a:fillRef>
-            <a:effectRef idx="0">
-              <a:schemeClr val="accent1"/>
-            </a:effectRef>
-            <a:fontRef idx="minor">
-              <a:schemeClr val="lt1"/>
-            </a:fontRef>
-          </p:style>
-          <p:txBody>
-            <a:bodyPr rtlCol="0" anchor="ctr"/>
-            <a:lstStyle/>
-            <a:p>
-              <a:pPr algn="ctr"/>
-              <a:r>
-                <a:rPr lang="en-US" altLang="zh-CN" dirty="0"/>
-                <a:t>3</a:t>
-              </a:r>
-              <a:endParaRPr lang="zh-CN" altLang="en-US" dirty="0"/>
-            </a:p>
-          </p:txBody>
-        </p:sp>
-        <p:sp>
-          <p:nvSpPr>
-            <p:cNvPr id="56" name="椭圆 55">
-              <a:extLst>
-                <a:ext uri="{FF2B5EF4-FFF2-40B4-BE49-F238E27FC236}">
-                  <a16:creationId xmlns:a16="http://schemas.microsoft.com/office/drawing/2014/main" id="{C356F7D9-463C-4C4A-A3D7-97ECECEC6E11}"/>
-                </a:ext>
-              </a:extLst>
-            </p:cNvPr>
-            <p:cNvSpPr/>
-            <p:nvPr/>
-          </p:nvSpPr>
-          <p:spPr>
-            <a:xfrm flipH="1">
-              <a:off x="6152781" y="4670075"/>
-              <a:ext cx="540000" cy="540000"/>
-            </a:xfrm>
-            <a:prstGeom prst="ellipse">
-              <a:avLst/>
-            </a:prstGeom>
-          </p:spPr>
-          <p:style>
-            <a:lnRef idx="2">
-              <a:schemeClr val="accent4">
-                <a:shade val="50000"/>
-              </a:schemeClr>
-            </a:lnRef>
-            <a:fillRef idx="1">
-              <a:schemeClr val="accent4"/>
-            </a:fillRef>
-            <a:effectRef idx="0">
-              <a:schemeClr val="accent4"/>
-            </a:effectRef>
-            <a:fontRef idx="minor">
-              <a:schemeClr val="lt1"/>
-            </a:fontRef>
-          </p:style>
-          <p:txBody>
-            <a:bodyPr rtlCol="0" anchor="ctr"/>
-            <a:lstStyle/>
-            <a:p>
-              <a:pPr algn="ctr"/>
-              <a:r>
-                <a:rPr lang="en-US" altLang="zh-CN" dirty="0"/>
-                <a:t>4</a:t>
-              </a:r>
-              <a:endParaRPr lang="zh-CN" altLang="en-US" dirty="0"/>
-            </a:p>
-          </p:txBody>
-        </p:sp>
-        <p:cxnSp>
-          <p:nvCxnSpPr>
-            <p:cNvPr id="57" name="直接连接符 56">
-              <a:extLst>
-                <a:ext uri="{FF2B5EF4-FFF2-40B4-BE49-F238E27FC236}">
-                  <a16:creationId xmlns:a16="http://schemas.microsoft.com/office/drawing/2014/main" id="{48827930-15B7-4FCC-B76D-5525C7310475}"/>
-                </a:ext>
-              </a:extLst>
-            </p:cNvPr>
-            <p:cNvCxnSpPr>
-              <a:stCxn id="51" idx="3"/>
-              <a:endCxn id="52" idx="7"/>
-            </p:cNvCxnSpPr>
-            <p:nvPr/>
-          </p:nvCxnSpPr>
-          <p:spPr>
-            <a:xfrm>
-              <a:off x="6422781" y="2545110"/>
-              <a:ext cx="473036" cy="468652"/>
-            </a:xfrm>
-            <a:prstGeom prst="line">
-              <a:avLst/>
-            </a:prstGeom>
-          </p:spPr>
-          <p:style>
-            <a:lnRef idx="3">
-              <a:schemeClr val="accent1"/>
-            </a:lnRef>
-            <a:fillRef idx="0">
-              <a:schemeClr val="accent1"/>
-            </a:fillRef>
-            <a:effectRef idx="2">
-              <a:schemeClr val="accent1"/>
-            </a:effectRef>
-            <a:fontRef idx="minor">
-              <a:schemeClr val="tx1"/>
-            </a:fontRef>
-          </p:style>
-        </p:cxnSp>
-        <p:cxnSp>
-          <p:nvCxnSpPr>
-            <p:cNvPr id="58" name="直接连接符 57">
-              <a:extLst>
-                <a:ext uri="{FF2B5EF4-FFF2-40B4-BE49-F238E27FC236}">
-                  <a16:creationId xmlns:a16="http://schemas.microsoft.com/office/drawing/2014/main" id="{826F1180-EB65-48F8-8CD7-609BCCCBF33C}"/>
-                </a:ext>
-              </a:extLst>
-            </p:cNvPr>
-            <p:cNvCxnSpPr>
-              <a:cxnSpLocks/>
-              <a:stCxn id="51" idx="5"/>
-              <a:endCxn id="53" idx="1"/>
-            </p:cNvCxnSpPr>
-            <p:nvPr/>
-          </p:nvCxnSpPr>
-          <p:spPr>
-            <a:xfrm flipH="1">
-              <a:off x="5612781" y="2545110"/>
-              <a:ext cx="428162" cy="468652"/>
-            </a:xfrm>
-            <a:prstGeom prst="line">
-              <a:avLst/>
-            </a:prstGeom>
-          </p:spPr>
-          <p:style>
-            <a:lnRef idx="3">
-              <a:schemeClr val="accent1"/>
-            </a:lnRef>
-            <a:fillRef idx="0">
-              <a:schemeClr val="accent1"/>
-            </a:fillRef>
-            <a:effectRef idx="2">
-              <a:schemeClr val="accent1"/>
-            </a:effectRef>
-            <a:fontRef idx="minor">
-              <a:schemeClr val="tx1"/>
-            </a:fontRef>
-          </p:style>
-        </p:cxnSp>
-        <p:cxnSp>
-          <p:nvCxnSpPr>
-            <p:cNvPr id="59" name="直接连接符 58">
-              <a:extLst>
-                <a:ext uri="{FF2B5EF4-FFF2-40B4-BE49-F238E27FC236}">
-                  <a16:creationId xmlns:a16="http://schemas.microsoft.com/office/drawing/2014/main" id="{3CA442CC-CB98-46F3-847D-35D17A7F49D7}"/>
-                </a:ext>
-              </a:extLst>
-            </p:cNvPr>
-            <p:cNvCxnSpPr>
-              <a:cxnSpLocks/>
-              <a:stCxn id="53" idx="3"/>
-              <a:endCxn id="55" idx="0"/>
-            </p:cNvCxnSpPr>
-            <p:nvPr/>
-          </p:nvCxnSpPr>
-          <p:spPr>
-            <a:xfrm>
-              <a:off x="5612781" y="3395600"/>
-              <a:ext cx="349081" cy="406778"/>
-            </a:xfrm>
-            <a:prstGeom prst="line">
-              <a:avLst/>
-            </a:prstGeom>
-          </p:spPr>
-          <p:style>
-            <a:lnRef idx="3">
-              <a:schemeClr val="accent1"/>
-            </a:lnRef>
-            <a:fillRef idx="0">
-              <a:schemeClr val="accent1"/>
-            </a:fillRef>
-            <a:effectRef idx="2">
-              <a:schemeClr val="accent1"/>
-            </a:effectRef>
-            <a:fontRef idx="minor">
-              <a:schemeClr val="tx1"/>
-            </a:fontRef>
-          </p:style>
-        </p:cxnSp>
-        <p:cxnSp>
-          <p:nvCxnSpPr>
-            <p:cNvPr id="60" name="直接连接符 59">
-              <a:extLst>
-                <a:ext uri="{FF2B5EF4-FFF2-40B4-BE49-F238E27FC236}">
-                  <a16:creationId xmlns:a16="http://schemas.microsoft.com/office/drawing/2014/main" id="{8757910E-5252-41A3-B4B2-AA7568F166E2}"/>
-                </a:ext>
-              </a:extLst>
-            </p:cNvPr>
-            <p:cNvCxnSpPr>
-              <a:cxnSpLocks/>
-              <a:stCxn id="53" idx="5"/>
-              <a:endCxn id="54" idx="0"/>
-            </p:cNvCxnSpPr>
-            <p:nvPr/>
-          </p:nvCxnSpPr>
-          <p:spPr>
-            <a:xfrm flipH="1">
-              <a:off x="4881862" y="3395600"/>
-              <a:ext cx="349081" cy="392031"/>
-            </a:xfrm>
-            <a:prstGeom prst="line">
-              <a:avLst/>
-            </a:prstGeom>
-          </p:spPr>
-          <p:style>
-            <a:lnRef idx="3">
-              <a:schemeClr val="accent1"/>
-            </a:lnRef>
-            <a:fillRef idx="0">
-              <a:schemeClr val="accent1"/>
-            </a:fillRef>
-            <a:effectRef idx="2">
-              <a:schemeClr val="accent1"/>
-            </a:effectRef>
-            <a:fontRef idx="minor">
-              <a:schemeClr val="tx1"/>
-            </a:fontRef>
-          </p:style>
-        </p:cxnSp>
-        <p:cxnSp>
-          <p:nvCxnSpPr>
-            <p:cNvPr id="61" name="直接连接符 60">
-              <a:extLst>
-                <a:ext uri="{FF2B5EF4-FFF2-40B4-BE49-F238E27FC236}">
-                  <a16:creationId xmlns:a16="http://schemas.microsoft.com/office/drawing/2014/main" id="{01D6F742-56C7-4610-AB5C-06D16238859F}"/>
-                </a:ext>
-              </a:extLst>
-            </p:cNvPr>
-            <p:cNvCxnSpPr>
-              <a:cxnSpLocks/>
-              <a:stCxn id="55" idx="3"/>
-              <a:endCxn id="56" idx="0"/>
-            </p:cNvCxnSpPr>
-            <p:nvPr/>
-          </p:nvCxnSpPr>
-          <p:spPr>
-            <a:xfrm>
-              <a:off x="6152781" y="4263297"/>
-              <a:ext cx="270000" cy="406778"/>
-            </a:xfrm>
-            <a:prstGeom prst="line">
-              <a:avLst/>
-            </a:prstGeom>
-          </p:spPr>
-          <p:style>
-            <a:lnRef idx="3">
-              <a:schemeClr val="accent1"/>
-            </a:lnRef>
-            <a:fillRef idx="0">
-              <a:schemeClr val="accent1"/>
-            </a:fillRef>
-            <a:effectRef idx="2">
-              <a:schemeClr val="accent1"/>
-            </a:effectRef>
-            <a:fontRef idx="minor">
-              <a:schemeClr val="tx1"/>
-            </a:fontRef>
-          </p:style>
-        </p:cxnSp>
-      </p:grpSp>
-      <p:sp>
-        <p:nvSpPr>
-          <p:cNvPr id="62" name="文本框 61">
-            <a:extLst>
-              <a:ext uri="{FF2B5EF4-FFF2-40B4-BE49-F238E27FC236}">
-                <a16:creationId xmlns:a16="http://schemas.microsoft.com/office/drawing/2014/main" id="{6071D187-4DDE-462A-ACC6-3EDF14C26142}"/>
+                <a16:creationId xmlns:a16="http://schemas.microsoft.com/office/drawing/2014/main" id="{5A630AB5-3557-43FB-8A1C-F048F378A28E}"/>
               </a:ext>
             </a:extLst>
           </p:cNvPr>
@@ -9239,7 +9255,7 @@
                 <a:latin typeface="黑体" panose="02010609060101010101" pitchFamily="49" charset="-122"/>
                 <a:ea typeface="黑体" panose="02010609060101010101" pitchFamily="49" charset="-122"/>
               </a:rPr>
-              <a:t>(Node* par, Node* son)</a:t>
+              <a:t>(Node* par, Node* pre)</a:t>
             </a:r>
           </a:p>
           <a:p>
@@ -9268,10 +9284,10 @@
       </p:sp>
       <p:grpSp>
         <p:nvGrpSpPr>
-          <p:cNvPr id="15" name="组合 14">
+          <p:cNvPr id="38" name="组合 37">
             <a:extLst>
               <a:ext uri="{FF2B5EF4-FFF2-40B4-BE49-F238E27FC236}">
-                <a16:creationId xmlns:a16="http://schemas.microsoft.com/office/drawing/2014/main" id="{ECB557B7-AAA7-486D-B810-D498BA9C8EC4}"/>
+                <a16:creationId xmlns:a16="http://schemas.microsoft.com/office/drawing/2014/main" id="{BF184CE2-05B3-4813-BD7C-98915B0BC42D}"/>
               </a:ext>
             </a:extLst>
           </p:cNvPr>
@@ -9280,7 +9296,7 @@
         </p:nvGrpSpPr>
         <p:grpSpPr>
           <a:xfrm>
-            <a:off x="6218202" y="3078689"/>
+            <a:off x="1551010" y="3000328"/>
             <a:ext cx="3216822" cy="3124444"/>
             <a:chOff x="6218202" y="3078689"/>
             <a:chExt cx="3216822" cy="3124444"/>
@@ -9288,10 +9304,10 @@
         </p:grpSpPr>
         <p:sp>
           <p:nvSpPr>
-            <p:cNvPr id="64" name="椭圆 63">
-              <a:extLst>
-                <a:ext uri="{FF2B5EF4-FFF2-40B4-BE49-F238E27FC236}">
-                  <a16:creationId xmlns:a16="http://schemas.microsoft.com/office/drawing/2014/main" id="{DFA926E2-F78A-4666-9556-21C99C093BC6}"/>
+            <p:cNvPr id="39" name="椭圆 38">
+              <a:extLst>
+                <a:ext uri="{FF2B5EF4-FFF2-40B4-BE49-F238E27FC236}">
+                  <a16:creationId xmlns:a16="http://schemas.microsoft.com/office/drawing/2014/main" id="{6C97F802-91CF-4BD3-9C15-F0F14073C528}"/>
                 </a:ext>
               </a:extLst>
             </p:cNvPr>
@@ -9338,10 +9354,10 @@
         </p:sp>
         <p:sp>
           <p:nvSpPr>
-            <p:cNvPr id="65" name="椭圆 64">
-              <a:extLst>
-                <a:ext uri="{FF2B5EF4-FFF2-40B4-BE49-F238E27FC236}">
-                  <a16:creationId xmlns:a16="http://schemas.microsoft.com/office/drawing/2014/main" id="{80FE647D-E955-4871-90A9-42FC4918A40C}"/>
+            <p:cNvPr id="40" name="椭圆 39">
+              <a:extLst>
+                <a:ext uri="{FF2B5EF4-FFF2-40B4-BE49-F238E27FC236}">
+                  <a16:creationId xmlns:a16="http://schemas.microsoft.com/office/drawing/2014/main" id="{F1E4EFA5-4527-4DB5-BA52-B88687E40503}"/>
                 </a:ext>
               </a:extLst>
             </p:cNvPr>
@@ -9388,10 +9404,10 @@
         </p:sp>
         <p:sp>
           <p:nvSpPr>
-            <p:cNvPr id="66" name="椭圆 65">
-              <a:extLst>
-                <a:ext uri="{FF2B5EF4-FFF2-40B4-BE49-F238E27FC236}">
-                  <a16:creationId xmlns:a16="http://schemas.microsoft.com/office/drawing/2014/main" id="{AE91A97D-782F-48C4-BE1D-E3289ACEFE08}"/>
+            <p:cNvPr id="42" name="椭圆 41">
+              <a:extLst>
+                <a:ext uri="{FF2B5EF4-FFF2-40B4-BE49-F238E27FC236}">
+                  <a16:creationId xmlns:a16="http://schemas.microsoft.com/office/drawing/2014/main" id="{84DD558B-85F4-45CA-A175-F58BC026CA2D}"/>
                 </a:ext>
               </a:extLst>
             </p:cNvPr>
@@ -9438,10 +9454,10 @@
         </p:sp>
         <p:sp>
           <p:nvSpPr>
-            <p:cNvPr id="67" name="椭圆 66">
-              <a:extLst>
-                <a:ext uri="{FF2B5EF4-FFF2-40B4-BE49-F238E27FC236}">
-                  <a16:creationId xmlns:a16="http://schemas.microsoft.com/office/drawing/2014/main" id="{AE11E1F7-275A-4D3C-9E57-2207CA2ACAC0}"/>
+            <p:cNvPr id="43" name="椭圆 42">
+              <a:extLst>
+                <a:ext uri="{FF2B5EF4-FFF2-40B4-BE49-F238E27FC236}">
+                  <a16:creationId xmlns:a16="http://schemas.microsoft.com/office/drawing/2014/main" id="{B69B0587-A774-4A64-A54F-0F870D0C57CD}"/>
                 </a:ext>
               </a:extLst>
             </p:cNvPr>
@@ -9488,10 +9504,10 @@
         </p:sp>
         <p:sp>
           <p:nvSpPr>
-            <p:cNvPr id="68" name="椭圆 67">
-              <a:extLst>
-                <a:ext uri="{FF2B5EF4-FFF2-40B4-BE49-F238E27FC236}">
-                  <a16:creationId xmlns:a16="http://schemas.microsoft.com/office/drawing/2014/main" id="{CB0600C9-70F2-4EEE-AF97-C9DBE9D28207}"/>
+            <p:cNvPr id="44" name="椭圆 43">
+              <a:extLst>
+                <a:ext uri="{FF2B5EF4-FFF2-40B4-BE49-F238E27FC236}">
+                  <a16:creationId xmlns:a16="http://schemas.microsoft.com/office/drawing/2014/main" id="{C965B53B-933A-427A-B4BD-C5FB22A968F2}"/>
                 </a:ext>
               </a:extLst>
             </p:cNvPr>
@@ -9538,10 +9554,10 @@
         </p:sp>
         <p:sp>
           <p:nvSpPr>
-            <p:cNvPr id="69" name="椭圆 68">
-              <a:extLst>
-                <a:ext uri="{FF2B5EF4-FFF2-40B4-BE49-F238E27FC236}">
-                  <a16:creationId xmlns:a16="http://schemas.microsoft.com/office/drawing/2014/main" id="{3C775C5C-8A41-4EF7-B528-B788570ABAD7}"/>
+            <p:cNvPr id="45" name="椭圆 44">
+              <a:extLst>
+                <a:ext uri="{FF2B5EF4-FFF2-40B4-BE49-F238E27FC236}">
+                  <a16:creationId xmlns:a16="http://schemas.microsoft.com/office/drawing/2014/main" id="{D464CFE1-4CFF-46A5-BDB8-BF47AEBF68A9}"/>
                 </a:ext>
               </a:extLst>
             </p:cNvPr>
@@ -9588,16 +9604,16 @@
         </p:sp>
         <p:cxnSp>
           <p:nvCxnSpPr>
-            <p:cNvPr id="70" name="直接连接符 69">
-              <a:extLst>
-                <a:ext uri="{FF2B5EF4-FFF2-40B4-BE49-F238E27FC236}">
-                  <a16:creationId xmlns:a16="http://schemas.microsoft.com/office/drawing/2014/main" id="{C09E1EBD-79BE-47D2-91CA-BEEB9263B5F5}"/>
+            <p:cNvPr id="46" name="直接连接符 45">
+              <a:extLst>
+                <a:ext uri="{FF2B5EF4-FFF2-40B4-BE49-F238E27FC236}">
+                  <a16:creationId xmlns:a16="http://schemas.microsoft.com/office/drawing/2014/main" id="{D6EE93C3-CF33-469D-BE55-DA08028728D0}"/>
                 </a:ext>
               </a:extLst>
             </p:cNvPr>
             <p:cNvCxnSpPr>
-              <a:stCxn id="64" idx="3"/>
-              <a:endCxn id="65" idx="7"/>
+              <a:stCxn id="39" idx="3"/>
+              <a:endCxn id="40" idx="7"/>
             </p:cNvCxnSpPr>
             <p:nvPr/>
           </p:nvCxnSpPr>
@@ -9627,17 +9643,17 @@
         </p:cxnSp>
         <p:cxnSp>
           <p:nvCxnSpPr>
-            <p:cNvPr id="71" name="直接连接符 70">
-              <a:extLst>
-                <a:ext uri="{FF2B5EF4-FFF2-40B4-BE49-F238E27FC236}">
-                  <a16:creationId xmlns:a16="http://schemas.microsoft.com/office/drawing/2014/main" id="{03AFF21E-F453-4621-8980-19529BD0597C}"/>
+            <p:cNvPr id="47" name="直接连接符 46">
+              <a:extLst>
+                <a:ext uri="{FF2B5EF4-FFF2-40B4-BE49-F238E27FC236}">
+                  <a16:creationId xmlns:a16="http://schemas.microsoft.com/office/drawing/2014/main" id="{1E78AA32-46FC-4142-B69B-5FEA5169772C}"/>
                 </a:ext>
               </a:extLst>
             </p:cNvPr>
             <p:cNvCxnSpPr>
               <a:cxnSpLocks/>
-              <a:stCxn id="64" idx="5"/>
-              <a:endCxn id="68" idx="0"/>
+              <a:stCxn id="39" idx="5"/>
+              <a:endCxn id="44" idx="0"/>
             </p:cNvCxnSpPr>
             <p:nvPr/>
           </p:nvCxnSpPr>
@@ -9667,17 +9683,17 @@
         </p:cxnSp>
         <p:cxnSp>
           <p:nvCxnSpPr>
-            <p:cNvPr id="72" name="直接连接符 71">
-              <a:extLst>
-                <a:ext uri="{FF2B5EF4-FFF2-40B4-BE49-F238E27FC236}">
-                  <a16:creationId xmlns:a16="http://schemas.microsoft.com/office/drawing/2014/main" id="{99F9E117-A32C-491A-A7EA-DDA2ABFB36A1}"/>
+            <p:cNvPr id="48" name="直接连接符 47">
+              <a:extLst>
+                <a:ext uri="{FF2B5EF4-FFF2-40B4-BE49-F238E27FC236}">
+                  <a16:creationId xmlns:a16="http://schemas.microsoft.com/office/drawing/2014/main" id="{B9D7D618-717B-409E-AAFC-DC967D863688}"/>
                 </a:ext>
               </a:extLst>
             </p:cNvPr>
             <p:cNvCxnSpPr>
               <a:cxnSpLocks/>
-              <a:stCxn id="66" idx="0"/>
-              <a:endCxn id="68" idx="0"/>
+              <a:stCxn id="42" idx="0"/>
+              <a:endCxn id="44" idx="0"/>
             </p:cNvCxnSpPr>
             <p:nvPr/>
           </p:nvCxnSpPr>
@@ -9707,17 +9723,17 @@
         </p:cxnSp>
         <p:cxnSp>
           <p:nvCxnSpPr>
-            <p:cNvPr id="73" name="直接连接符 72">
-              <a:extLst>
-                <a:ext uri="{FF2B5EF4-FFF2-40B4-BE49-F238E27FC236}">
-                  <a16:creationId xmlns:a16="http://schemas.microsoft.com/office/drawing/2014/main" id="{15E7EB2D-22F1-4402-90E5-3EF8B502D6A5}"/>
+            <p:cNvPr id="52" name="直接连接符 51">
+              <a:extLst>
+                <a:ext uri="{FF2B5EF4-FFF2-40B4-BE49-F238E27FC236}">
+                  <a16:creationId xmlns:a16="http://schemas.microsoft.com/office/drawing/2014/main" id="{8BE382D1-D2D2-48FB-BE6C-B8A8DC57FF41}"/>
                 </a:ext>
               </a:extLst>
             </p:cNvPr>
             <p:cNvCxnSpPr>
               <a:cxnSpLocks/>
-              <a:stCxn id="66" idx="5"/>
-              <a:endCxn id="67" idx="0"/>
+              <a:stCxn id="42" idx="5"/>
+              <a:endCxn id="43" idx="0"/>
             </p:cNvCxnSpPr>
             <p:nvPr/>
           </p:nvCxnSpPr>
@@ -9747,17 +9763,17 @@
         </p:cxnSp>
         <p:cxnSp>
           <p:nvCxnSpPr>
-            <p:cNvPr id="74" name="直接连接符 73">
-              <a:extLst>
-                <a:ext uri="{FF2B5EF4-FFF2-40B4-BE49-F238E27FC236}">
-                  <a16:creationId xmlns:a16="http://schemas.microsoft.com/office/drawing/2014/main" id="{439922C0-4E12-40B4-BD9B-7B8990C96075}"/>
+            <p:cNvPr id="53" name="直接连接符 52">
+              <a:extLst>
+                <a:ext uri="{FF2B5EF4-FFF2-40B4-BE49-F238E27FC236}">
+                  <a16:creationId xmlns:a16="http://schemas.microsoft.com/office/drawing/2014/main" id="{5518918C-1170-425B-BB5D-5EAFA432DC36}"/>
                 </a:ext>
               </a:extLst>
             </p:cNvPr>
             <p:cNvCxnSpPr>
               <a:cxnSpLocks/>
-              <a:stCxn id="68" idx="3"/>
-              <a:endCxn id="69" idx="0"/>
+              <a:stCxn id="44" idx="3"/>
+              <a:endCxn id="45" idx="0"/>
             </p:cNvCxnSpPr>
             <p:nvPr/>
           </p:nvCxnSpPr>
@@ -9765,6 +9781,527 @@
             <a:xfrm>
               <a:off x="7770150" y="4388658"/>
               <a:ext cx="270000" cy="392031"/>
+            </a:xfrm>
+            <a:prstGeom prst="line">
+              <a:avLst/>
+            </a:prstGeom>
+          </p:spPr>
+          <p:style>
+            <a:lnRef idx="3">
+              <a:schemeClr val="accent1"/>
+            </a:lnRef>
+            <a:fillRef idx="0">
+              <a:schemeClr val="accent1"/>
+            </a:fillRef>
+            <a:effectRef idx="2">
+              <a:schemeClr val="accent1"/>
+            </a:effectRef>
+            <a:fontRef idx="minor">
+              <a:schemeClr val="tx1"/>
+            </a:fontRef>
+          </p:style>
+        </p:cxnSp>
+      </p:grpSp>
+      <p:grpSp>
+        <p:nvGrpSpPr>
+          <p:cNvPr id="23" name="组合 22">
+            <a:extLst>
+              <a:ext uri="{FF2B5EF4-FFF2-40B4-BE49-F238E27FC236}">
+                <a16:creationId xmlns:a16="http://schemas.microsoft.com/office/drawing/2014/main" id="{8D208833-0F5C-488D-A85F-1D8CD76ED44E}"/>
+              </a:ext>
+            </a:extLst>
+          </p:cNvPr>
+          <p:cNvGrpSpPr/>
+          <p:nvPr/>
+        </p:nvGrpSpPr>
+        <p:grpSpPr>
+          <a:xfrm>
+            <a:off x="7169134" y="2990189"/>
+            <a:ext cx="3148434" cy="2258967"/>
+            <a:chOff x="7169134" y="2990189"/>
+            <a:chExt cx="3148434" cy="2258967"/>
+          </a:xfrm>
+        </p:grpSpPr>
+        <p:sp>
+          <p:nvSpPr>
+            <p:cNvPr id="55" name="椭圆 54">
+              <a:extLst>
+                <a:ext uri="{FF2B5EF4-FFF2-40B4-BE49-F238E27FC236}">
+                  <a16:creationId xmlns:a16="http://schemas.microsoft.com/office/drawing/2014/main" id="{0F963843-8A81-41F8-9B31-3D99AC909D5C}"/>
+                </a:ext>
+              </a:extLst>
+            </p:cNvPr>
+            <p:cNvSpPr/>
+            <p:nvPr/>
+          </p:nvSpPr>
+          <p:spPr>
+            <a:xfrm flipH="1">
+              <a:off x="9154871" y="3849378"/>
+              <a:ext cx="540000" cy="540000"/>
+            </a:xfrm>
+            <a:prstGeom prst="ellipse">
+              <a:avLst/>
+            </a:prstGeom>
+          </p:spPr>
+          <p:style>
+            <a:lnRef idx="2">
+              <a:schemeClr val="accent2">
+                <a:shade val="50000"/>
+              </a:schemeClr>
+            </a:lnRef>
+            <a:fillRef idx="1">
+              <a:schemeClr val="accent2"/>
+            </a:fillRef>
+            <a:effectRef idx="0">
+              <a:schemeClr val="accent2"/>
+            </a:effectRef>
+            <a:fontRef idx="minor">
+              <a:schemeClr val="lt1"/>
+            </a:fontRef>
+          </p:style>
+          <p:txBody>
+            <a:bodyPr rtlCol="0" anchor="ctr"/>
+            <a:lstStyle/>
+            <a:p>
+              <a:pPr algn="ctr"/>
+              <a:r>
+                <a:rPr lang="en-US" altLang="zh-CN" dirty="0"/>
+                <a:t>5</a:t>
+              </a:r>
+              <a:endParaRPr lang="zh-CN" altLang="en-US" dirty="0"/>
+            </a:p>
+          </p:txBody>
+        </p:sp>
+        <p:sp>
+          <p:nvSpPr>
+            <p:cNvPr id="56" name="椭圆 55">
+              <a:extLst>
+                <a:ext uri="{FF2B5EF4-FFF2-40B4-BE49-F238E27FC236}">
+                  <a16:creationId xmlns:a16="http://schemas.microsoft.com/office/drawing/2014/main" id="{FDE0405A-0EA1-436D-83AD-88AAF7A3D03A}"/>
+                </a:ext>
+              </a:extLst>
+            </p:cNvPr>
+            <p:cNvSpPr/>
+            <p:nvPr/>
+          </p:nvSpPr>
+          <p:spPr>
+            <a:xfrm flipH="1">
+              <a:off x="9777568" y="4709156"/>
+              <a:ext cx="540000" cy="540000"/>
+            </a:xfrm>
+            <a:prstGeom prst="ellipse">
+              <a:avLst/>
+            </a:prstGeom>
+          </p:spPr>
+          <p:style>
+            <a:lnRef idx="2">
+              <a:schemeClr val="accent1">
+                <a:shade val="50000"/>
+              </a:schemeClr>
+            </a:lnRef>
+            <a:fillRef idx="1">
+              <a:schemeClr val="accent1"/>
+            </a:fillRef>
+            <a:effectRef idx="0">
+              <a:schemeClr val="accent1"/>
+            </a:effectRef>
+            <a:fontRef idx="minor">
+              <a:schemeClr val="lt1"/>
+            </a:fontRef>
+          </p:style>
+          <p:txBody>
+            <a:bodyPr rtlCol="0" anchor="ctr"/>
+            <a:lstStyle/>
+            <a:p>
+              <a:pPr algn="ctr"/>
+              <a:r>
+                <a:rPr lang="en-US" altLang="zh-CN" dirty="0"/>
+                <a:t>6</a:t>
+              </a:r>
+              <a:endParaRPr lang="zh-CN" altLang="en-US" dirty="0"/>
+            </a:p>
+          </p:txBody>
+        </p:sp>
+        <p:sp>
+          <p:nvSpPr>
+            <p:cNvPr id="57" name="椭圆 56">
+              <a:extLst>
+                <a:ext uri="{FF2B5EF4-FFF2-40B4-BE49-F238E27FC236}">
+                  <a16:creationId xmlns:a16="http://schemas.microsoft.com/office/drawing/2014/main" id="{E1992F67-9A84-4BBB-B27E-D14A5FA6BC89}"/>
+                </a:ext>
+              </a:extLst>
+            </p:cNvPr>
+            <p:cNvSpPr/>
+            <p:nvPr/>
+          </p:nvSpPr>
+          <p:spPr>
+            <a:xfrm flipH="1">
+              <a:off x="7779544" y="3849378"/>
+              <a:ext cx="540000" cy="540000"/>
+            </a:xfrm>
+            <a:prstGeom prst="ellipse">
+              <a:avLst/>
+            </a:prstGeom>
+          </p:spPr>
+          <p:style>
+            <a:lnRef idx="2">
+              <a:schemeClr val="accent6">
+                <a:shade val="50000"/>
+              </a:schemeClr>
+            </a:lnRef>
+            <a:fillRef idx="1">
+              <a:schemeClr val="accent6"/>
+            </a:fillRef>
+            <a:effectRef idx="0">
+              <a:schemeClr val="accent6"/>
+            </a:effectRef>
+            <a:fontRef idx="minor">
+              <a:schemeClr val="lt1"/>
+            </a:fontRef>
+          </p:style>
+          <p:txBody>
+            <a:bodyPr rtlCol="0" anchor="ctr"/>
+            <a:lstStyle/>
+            <a:p>
+              <a:pPr algn="ctr"/>
+              <a:r>
+                <a:rPr lang="en-US" altLang="zh-CN" dirty="0"/>
+                <a:t>2</a:t>
+              </a:r>
+              <a:endParaRPr lang="zh-CN" altLang="en-US" dirty="0"/>
+            </a:p>
+          </p:txBody>
+        </p:sp>
+        <p:sp>
+          <p:nvSpPr>
+            <p:cNvPr id="58" name="椭圆 57">
+              <a:extLst>
+                <a:ext uri="{FF2B5EF4-FFF2-40B4-BE49-F238E27FC236}">
+                  <a16:creationId xmlns:a16="http://schemas.microsoft.com/office/drawing/2014/main" id="{A948C4EC-AE01-4480-80B9-E837A7ADBE0A}"/>
+                </a:ext>
+              </a:extLst>
+            </p:cNvPr>
+            <p:cNvSpPr/>
+            <p:nvPr/>
+          </p:nvSpPr>
+          <p:spPr>
+            <a:xfrm flipH="1">
+              <a:off x="7169134" y="4709156"/>
+              <a:ext cx="540000" cy="540000"/>
+            </a:xfrm>
+            <a:prstGeom prst="ellipse">
+              <a:avLst/>
+            </a:prstGeom>
+          </p:spPr>
+          <p:style>
+            <a:lnRef idx="2">
+              <a:schemeClr val="accent1">
+                <a:shade val="50000"/>
+              </a:schemeClr>
+            </a:lnRef>
+            <a:fillRef idx="1">
+              <a:schemeClr val="accent1"/>
+            </a:fillRef>
+            <a:effectRef idx="0">
+              <a:schemeClr val="accent1"/>
+            </a:effectRef>
+            <a:fontRef idx="minor">
+              <a:schemeClr val="lt1"/>
+            </a:fontRef>
+          </p:style>
+          <p:txBody>
+            <a:bodyPr rtlCol="0" anchor="ctr"/>
+            <a:lstStyle/>
+            <a:p>
+              <a:pPr algn="ctr"/>
+              <a:r>
+                <a:rPr lang="en-US" altLang="zh-CN" dirty="0"/>
+                <a:t>1</a:t>
+              </a:r>
+              <a:endParaRPr lang="zh-CN" altLang="en-US" dirty="0"/>
+            </a:p>
+          </p:txBody>
+        </p:sp>
+        <p:sp>
+          <p:nvSpPr>
+            <p:cNvPr id="59" name="椭圆 58">
+              <a:extLst>
+                <a:ext uri="{FF2B5EF4-FFF2-40B4-BE49-F238E27FC236}">
+                  <a16:creationId xmlns:a16="http://schemas.microsoft.com/office/drawing/2014/main" id="{2A7461E8-530C-4278-B347-597EDCD0FFBF}"/>
+                </a:ext>
+              </a:extLst>
+            </p:cNvPr>
+            <p:cNvSpPr/>
+            <p:nvPr/>
+          </p:nvSpPr>
+          <p:spPr>
+            <a:xfrm flipH="1">
+              <a:off x="8445457" y="2990189"/>
+              <a:ext cx="540000" cy="540000"/>
+            </a:xfrm>
+            <a:prstGeom prst="ellipse">
+              <a:avLst/>
+            </a:prstGeom>
+          </p:spPr>
+          <p:style>
+            <a:lnRef idx="2">
+              <a:schemeClr val="accent1">
+                <a:shade val="50000"/>
+              </a:schemeClr>
+            </a:lnRef>
+            <a:fillRef idx="1">
+              <a:schemeClr val="accent1"/>
+            </a:fillRef>
+            <a:effectRef idx="0">
+              <a:schemeClr val="accent1"/>
+            </a:effectRef>
+            <a:fontRef idx="minor">
+              <a:schemeClr val="lt1"/>
+            </a:fontRef>
+          </p:style>
+          <p:txBody>
+            <a:bodyPr rtlCol="0" anchor="ctr"/>
+            <a:lstStyle/>
+            <a:p>
+              <a:pPr algn="ctr"/>
+              <a:r>
+                <a:rPr lang="en-US" altLang="zh-CN" dirty="0"/>
+                <a:t>3</a:t>
+              </a:r>
+              <a:endParaRPr lang="zh-CN" altLang="en-US" dirty="0"/>
+            </a:p>
+          </p:txBody>
+        </p:sp>
+        <p:sp>
+          <p:nvSpPr>
+            <p:cNvPr id="60" name="椭圆 59">
+              <a:extLst>
+                <a:ext uri="{FF2B5EF4-FFF2-40B4-BE49-F238E27FC236}">
+                  <a16:creationId xmlns:a16="http://schemas.microsoft.com/office/drawing/2014/main" id="{AE18D773-3C12-4D42-8E76-E22D52F080CF}"/>
+                </a:ext>
+              </a:extLst>
+            </p:cNvPr>
+            <p:cNvSpPr/>
+            <p:nvPr/>
+          </p:nvSpPr>
+          <p:spPr>
+            <a:xfrm flipH="1">
+              <a:off x="8715457" y="4709156"/>
+              <a:ext cx="540000" cy="540000"/>
+            </a:xfrm>
+            <a:prstGeom prst="ellipse">
+              <a:avLst/>
+            </a:prstGeom>
+          </p:spPr>
+          <p:style>
+            <a:lnRef idx="2">
+              <a:schemeClr val="accent4">
+                <a:shade val="50000"/>
+              </a:schemeClr>
+            </a:lnRef>
+            <a:fillRef idx="1">
+              <a:schemeClr val="accent4"/>
+            </a:fillRef>
+            <a:effectRef idx="0">
+              <a:schemeClr val="accent4"/>
+            </a:effectRef>
+            <a:fontRef idx="minor">
+              <a:schemeClr val="lt1"/>
+            </a:fontRef>
+          </p:style>
+          <p:txBody>
+            <a:bodyPr rtlCol="0" anchor="ctr"/>
+            <a:lstStyle/>
+            <a:p>
+              <a:pPr algn="ctr"/>
+              <a:r>
+                <a:rPr lang="en-US" altLang="zh-CN" dirty="0"/>
+                <a:t>4</a:t>
+              </a:r>
+              <a:endParaRPr lang="zh-CN" altLang="en-US" dirty="0"/>
+            </a:p>
+          </p:txBody>
+        </p:sp>
+        <p:cxnSp>
+          <p:nvCxnSpPr>
+            <p:cNvPr id="61" name="直接连接符 60">
+              <a:extLst>
+                <a:ext uri="{FF2B5EF4-FFF2-40B4-BE49-F238E27FC236}">
+                  <a16:creationId xmlns:a16="http://schemas.microsoft.com/office/drawing/2014/main" id="{D7307CE2-708A-4260-8E78-7091E08EAFF4}"/>
+                </a:ext>
+              </a:extLst>
+            </p:cNvPr>
+            <p:cNvCxnSpPr>
+              <a:cxnSpLocks/>
+              <a:stCxn id="55" idx="3"/>
+              <a:endCxn id="56" idx="0"/>
+            </p:cNvCxnSpPr>
+            <p:nvPr/>
+          </p:nvCxnSpPr>
+          <p:spPr>
+            <a:xfrm>
+              <a:off x="9615790" y="4310297"/>
+              <a:ext cx="431778" cy="398859"/>
+            </a:xfrm>
+            <a:prstGeom prst="line">
+              <a:avLst/>
+            </a:prstGeom>
+          </p:spPr>
+          <p:style>
+            <a:lnRef idx="3">
+              <a:schemeClr val="accent1"/>
+            </a:lnRef>
+            <a:fillRef idx="0">
+              <a:schemeClr val="accent1"/>
+            </a:fillRef>
+            <a:effectRef idx="2">
+              <a:schemeClr val="accent1"/>
+            </a:effectRef>
+            <a:fontRef idx="minor">
+              <a:schemeClr val="tx1"/>
+            </a:fontRef>
+          </p:style>
+        </p:cxnSp>
+        <p:cxnSp>
+          <p:nvCxnSpPr>
+            <p:cNvPr id="62" name="直接连接符 61">
+              <a:extLst>
+                <a:ext uri="{FF2B5EF4-FFF2-40B4-BE49-F238E27FC236}">
+                  <a16:creationId xmlns:a16="http://schemas.microsoft.com/office/drawing/2014/main" id="{6F2DDB7B-275E-4180-AD5C-2C45B9479A11}"/>
+                </a:ext>
+              </a:extLst>
+            </p:cNvPr>
+            <p:cNvCxnSpPr>
+              <a:cxnSpLocks/>
+              <a:stCxn id="55" idx="0"/>
+              <a:endCxn id="59" idx="3"/>
+            </p:cNvCxnSpPr>
+            <p:nvPr/>
+          </p:nvCxnSpPr>
+          <p:spPr>
+            <a:xfrm flipH="1" flipV="1">
+              <a:off x="8906376" y="3451108"/>
+              <a:ext cx="518495" cy="398270"/>
+            </a:xfrm>
+            <a:prstGeom prst="line">
+              <a:avLst/>
+            </a:prstGeom>
+          </p:spPr>
+          <p:style>
+            <a:lnRef idx="3">
+              <a:schemeClr val="accent1"/>
+            </a:lnRef>
+            <a:fillRef idx="0">
+              <a:schemeClr val="accent1"/>
+            </a:fillRef>
+            <a:effectRef idx="2">
+              <a:schemeClr val="accent1"/>
+            </a:effectRef>
+            <a:fontRef idx="minor">
+              <a:schemeClr val="tx1"/>
+            </a:fontRef>
+          </p:style>
+        </p:cxnSp>
+        <p:cxnSp>
+          <p:nvCxnSpPr>
+            <p:cNvPr id="63" name="直接连接符 62">
+              <a:extLst>
+                <a:ext uri="{FF2B5EF4-FFF2-40B4-BE49-F238E27FC236}">
+                  <a16:creationId xmlns:a16="http://schemas.microsoft.com/office/drawing/2014/main" id="{2AD88D89-0FCD-47D5-829E-C415DD19440D}"/>
+                </a:ext>
+              </a:extLst>
+            </p:cNvPr>
+            <p:cNvCxnSpPr>
+              <a:cxnSpLocks/>
+              <a:stCxn id="57" idx="0"/>
+              <a:endCxn id="59" idx="5"/>
+            </p:cNvCxnSpPr>
+            <p:nvPr/>
+          </p:nvCxnSpPr>
+          <p:spPr>
+            <a:xfrm flipV="1">
+              <a:off x="8049544" y="3451108"/>
+              <a:ext cx="474994" cy="398270"/>
+            </a:xfrm>
+            <a:prstGeom prst="line">
+              <a:avLst/>
+            </a:prstGeom>
+          </p:spPr>
+          <p:style>
+            <a:lnRef idx="3">
+              <a:schemeClr val="accent1"/>
+            </a:lnRef>
+            <a:fillRef idx="0">
+              <a:schemeClr val="accent1"/>
+            </a:fillRef>
+            <a:effectRef idx="2">
+              <a:schemeClr val="accent1"/>
+            </a:effectRef>
+            <a:fontRef idx="minor">
+              <a:schemeClr val="tx1"/>
+            </a:fontRef>
+          </p:style>
+        </p:cxnSp>
+        <p:cxnSp>
+          <p:nvCxnSpPr>
+            <p:cNvPr id="64" name="直接连接符 63">
+              <a:extLst>
+                <a:ext uri="{FF2B5EF4-FFF2-40B4-BE49-F238E27FC236}">
+                  <a16:creationId xmlns:a16="http://schemas.microsoft.com/office/drawing/2014/main" id="{639E1DF0-A5B6-4068-93AB-AD51D85A5384}"/>
+                </a:ext>
+              </a:extLst>
+            </p:cNvPr>
+            <p:cNvCxnSpPr>
+              <a:cxnSpLocks/>
+              <a:stCxn id="57" idx="5"/>
+              <a:endCxn id="58" idx="0"/>
+            </p:cNvCxnSpPr>
+            <p:nvPr/>
+          </p:nvCxnSpPr>
+          <p:spPr>
+            <a:xfrm flipH="1">
+              <a:off x="7439134" y="4310297"/>
+              <a:ext cx="419491" cy="398859"/>
+            </a:xfrm>
+            <a:prstGeom prst="line">
+              <a:avLst/>
+            </a:prstGeom>
+          </p:spPr>
+          <p:style>
+            <a:lnRef idx="3">
+              <a:schemeClr val="accent1"/>
+            </a:lnRef>
+            <a:fillRef idx="0">
+              <a:schemeClr val="accent1"/>
+            </a:fillRef>
+            <a:effectRef idx="2">
+              <a:schemeClr val="accent1"/>
+            </a:effectRef>
+            <a:fontRef idx="minor">
+              <a:schemeClr val="tx1"/>
+            </a:fontRef>
+          </p:style>
+        </p:cxnSp>
+        <p:cxnSp>
+          <p:nvCxnSpPr>
+            <p:cNvPr id="65" name="直接连接符 64">
+              <a:extLst>
+                <a:ext uri="{FF2B5EF4-FFF2-40B4-BE49-F238E27FC236}">
+                  <a16:creationId xmlns:a16="http://schemas.microsoft.com/office/drawing/2014/main" id="{8033C869-0125-480E-B4C9-EB4B023E8C22}"/>
+                </a:ext>
+              </a:extLst>
+            </p:cNvPr>
+            <p:cNvCxnSpPr>
+              <a:cxnSpLocks/>
+              <a:stCxn id="55" idx="5"/>
+              <a:endCxn id="60" idx="0"/>
+            </p:cNvCxnSpPr>
+            <p:nvPr/>
+          </p:nvCxnSpPr>
+          <p:spPr>
+            <a:xfrm flipH="1">
+              <a:off x="8985457" y="4310297"/>
+              <a:ext cx="248495" cy="398859"/>
             </a:xfrm>
             <a:prstGeom prst="line">
               <a:avLst/>
@@ -9789,7 +10326,7 @@
     </p:spTree>
     <p:extLst>
       <p:ext uri="{BB962C8B-B14F-4D97-AF65-F5344CB8AC3E}">
-        <p14:creationId xmlns:p14="http://schemas.microsoft.com/office/powerpoint/2010/main" val="1801737363"/>
+        <p14:creationId xmlns:p14="http://schemas.microsoft.com/office/powerpoint/2010/main" val="2677400259"/>
       </p:ext>
     </p:extLst>
   </p:cSld>
@@ -9800,6 +10337,1046 @@
 </file>
 
 <file path=ppt/slides/slide17.xml><?xml version="1.0" encoding="utf-8"?>
+<p:sld xmlns:a="http://schemas.openxmlformats.org/drawingml/2006/main" xmlns:r="http://schemas.openxmlformats.org/officeDocument/2006/relationships" xmlns:p="http://schemas.openxmlformats.org/presentationml/2006/main">
+  <p:cSld>
+    <p:spTree>
+      <p:nvGrpSpPr>
+        <p:cNvPr id="1" name=""/>
+        <p:cNvGrpSpPr/>
+        <p:nvPr/>
+      </p:nvGrpSpPr>
+      <p:grpSpPr>
+        <a:xfrm>
+          <a:off x="0" y="0"/>
+          <a:ext cx="0" cy="0"/>
+          <a:chOff x="0" y="0"/>
+          <a:chExt cx="0" cy="0"/>
+        </a:xfrm>
+      </p:grpSpPr>
+    </p:spTree>
+    <p:extLst>
+      <p:ext uri="{BB962C8B-B14F-4D97-AF65-F5344CB8AC3E}">
+        <p14:creationId xmlns:p14="http://schemas.microsoft.com/office/powerpoint/2010/main" val="519639237"/>
+      </p:ext>
+    </p:extLst>
+  </p:cSld>
+  <p:clrMapOvr>
+    <a:masterClrMapping/>
+  </p:clrMapOvr>
+</p:sld>
+</file>
+
+<file path=ppt/slides/slide18.xml><?xml version="1.0" encoding="utf-8"?>
+<p:sld xmlns:a="http://schemas.openxmlformats.org/drawingml/2006/main" xmlns:r="http://schemas.openxmlformats.org/officeDocument/2006/relationships" xmlns:p="http://schemas.openxmlformats.org/presentationml/2006/main">
+  <p:cSld>
+    <p:spTree>
+      <p:nvGrpSpPr>
+        <p:cNvPr id="1" name=""/>
+        <p:cNvGrpSpPr/>
+        <p:nvPr/>
+      </p:nvGrpSpPr>
+      <p:grpSpPr>
+        <a:xfrm>
+          <a:off x="0" y="0"/>
+          <a:ext cx="0" cy="0"/>
+          <a:chOff x="0" y="0"/>
+          <a:chExt cx="0" cy="0"/>
+        </a:xfrm>
+      </p:grpSpPr>
+      <p:sp>
+        <p:nvSpPr>
+          <p:cNvPr id="18" name="文本框 17">
+            <a:extLst>
+              <a:ext uri="{FF2B5EF4-FFF2-40B4-BE49-F238E27FC236}">
+                <a16:creationId xmlns:a16="http://schemas.microsoft.com/office/drawing/2014/main" id="{B4334B89-C389-4D3F-B352-7E7F64DBEE52}"/>
+              </a:ext>
+            </a:extLst>
+          </p:cNvPr>
+          <p:cNvSpPr txBox="1"/>
+          <p:nvPr/>
+        </p:nvSpPr>
+        <p:spPr>
+          <a:xfrm>
+            <a:off x="1027028" y="921021"/>
+            <a:ext cx="6682106" cy="923330"/>
+          </a:xfrm>
+          <a:prstGeom prst="rect">
+            <a:avLst/>
+          </a:prstGeom>
+          <a:noFill/>
+        </p:spPr>
+        <p:txBody>
+          <a:bodyPr wrap="square" rtlCol="0">
+            <a:spAutoFit/>
+          </a:bodyPr>
+          <a:lstStyle/>
+          <a:p>
+            <a:r>
+              <a:rPr lang="en-US" altLang="zh-CN" dirty="0">
+                <a:latin typeface="黑体" panose="02010609060101010101" pitchFamily="49" charset="-122"/>
+                <a:ea typeface="黑体" panose="02010609060101010101" pitchFamily="49" charset="-122"/>
+              </a:rPr>
+              <a:t>void </a:t>
+            </a:r>
+            <a:r>
+              <a:rPr lang="en-US" altLang="zh-CN" dirty="0" err="1">
+                <a:latin typeface="黑体" panose="02010609060101010101" pitchFamily="49" charset="-122"/>
+                <a:ea typeface="黑体" panose="02010609060101010101" pitchFamily="49" charset="-122"/>
+              </a:rPr>
+              <a:t>rightleftRotate</a:t>
+            </a:r>
+            <a:r>
+              <a:rPr lang="en-US" altLang="zh-CN" dirty="0">
+                <a:latin typeface="黑体" panose="02010609060101010101" pitchFamily="49" charset="-122"/>
+                <a:ea typeface="黑体" panose="02010609060101010101" pitchFamily="49" charset="-122"/>
+              </a:rPr>
+              <a:t>(Node* par, Node* pre)</a:t>
+            </a:r>
+          </a:p>
+          <a:p>
+            <a:r>
+              <a:rPr lang="en-US" altLang="zh-CN" dirty="0">
+                <a:latin typeface="黑体" panose="02010609060101010101" pitchFamily="49" charset="-122"/>
+                <a:ea typeface="黑体" panose="02010609060101010101" pitchFamily="49" charset="-122"/>
+              </a:rPr>
+              <a:t>Use when par-&gt;right-&gt;height &gt; (par-&gt;left-&gt;height + 1) &amp;&amp;</a:t>
+            </a:r>
+          </a:p>
+          <a:p>
+            <a:r>
+              <a:rPr lang="en-US" altLang="zh-CN" dirty="0">
+                <a:latin typeface="黑体" panose="02010609060101010101" pitchFamily="49" charset="-122"/>
+                <a:ea typeface="黑体" panose="02010609060101010101" pitchFamily="49" charset="-122"/>
+              </a:rPr>
+              <a:t>         pre-&gt;right-&gt;height &lt; pre-&gt;left-&gt;height</a:t>
+            </a:r>
+            <a:endParaRPr lang="zh-CN" altLang="en-US" dirty="0">
+              <a:latin typeface="黑体" panose="02010609060101010101" pitchFamily="49" charset="-122"/>
+              <a:ea typeface="黑体" panose="02010609060101010101" pitchFamily="49" charset="-122"/>
+            </a:endParaRPr>
+          </a:p>
+        </p:txBody>
+      </p:sp>
+      <p:grpSp>
+        <p:nvGrpSpPr>
+          <p:cNvPr id="11" name="组合 10">
+            <a:extLst>
+              <a:ext uri="{FF2B5EF4-FFF2-40B4-BE49-F238E27FC236}">
+                <a16:creationId xmlns:a16="http://schemas.microsoft.com/office/drawing/2014/main" id="{10440B85-94D7-45ED-A5D2-6B3F20009A80}"/>
+              </a:ext>
+            </a:extLst>
+          </p:cNvPr>
+          <p:cNvGrpSpPr/>
+          <p:nvPr/>
+        </p:nvGrpSpPr>
+        <p:grpSpPr>
+          <a:xfrm flipH="1">
+            <a:off x="4611862" y="2084191"/>
+            <a:ext cx="2744874" cy="3125884"/>
+            <a:chOff x="4611862" y="2084191"/>
+            <a:chExt cx="2744874" cy="3125884"/>
+          </a:xfrm>
+        </p:grpSpPr>
+        <p:sp>
+          <p:nvSpPr>
+            <p:cNvPr id="4" name="椭圆 3">
+              <a:extLst>
+                <a:ext uri="{FF2B5EF4-FFF2-40B4-BE49-F238E27FC236}">
+                  <a16:creationId xmlns:a16="http://schemas.microsoft.com/office/drawing/2014/main" id="{FE0B3502-4BED-41A4-B685-41C3EDE1AD06}"/>
+                </a:ext>
+              </a:extLst>
+            </p:cNvPr>
+            <p:cNvSpPr/>
+            <p:nvPr/>
+          </p:nvSpPr>
+          <p:spPr>
+            <a:xfrm flipH="1">
+              <a:off x="5961862" y="2084191"/>
+              <a:ext cx="540000" cy="540000"/>
+            </a:xfrm>
+            <a:prstGeom prst="ellipse">
+              <a:avLst/>
+            </a:prstGeom>
+          </p:spPr>
+          <p:style>
+            <a:lnRef idx="2">
+              <a:schemeClr val="accent2">
+                <a:shade val="50000"/>
+              </a:schemeClr>
+            </a:lnRef>
+            <a:fillRef idx="1">
+              <a:schemeClr val="accent2"/>
+            </a:fillRef>
+            <a:effectRef idx="0">
+              <a:schemeClr val="accent2"/>
+            </a:effectRef>
+            <a:fontRef idx="minor">
+              <a:schemeClr val="lt1"/>
+            </a:fontRef>
+          </p:style>
+          <p:txBody>
+            <a:bodyPr rtlCol="0" anchor="ctr"/>
+            <a:lstStyle/>
+            <a:p>
+              <a:pPr algn="ctr"/>
+              <a:r>
+                <a:rPr lang="en-US" altLang="zh-CN" dirty="0"/>
+                <a:t>2</a:t>
+              </a:r>
+              <a:endParaRPr lang="zh-CN" altLang="en-US" dirty="0"/>
+            </a:p>
+          </p:txBody>
+        </p:sp>
+        <p:sp>
+          <p:nvSpPr>
+            <p:cNvPr id="5" name="椭圆 4">
+              <a:extLst>
+                <a:ext uri="{FF2B5EF4-FFF2-40B4-BE49-F238E27FC236}">
+                  <a16:creationId xmlns:a16="http://schemas.microsoft.com/office/drawing/2014/main" id="{8B3BC0C8-9D01-4882-AA81-C87B943B9DB3}"/>
+                </a:ext>
+              </a:extLst>
+            </p:cNvPr>
+            <p:cNvSpPr/>
+            <p:nvPr/>
+          </p:nvSpPr>
+          <p:spPr>
+            <a:xfrm flipH="1">
+              <a:off x="6816736" y="2934681"/>
+              <a:ext cx="540000" cy="540000"/>
+            </a:xfrm>
+            <a:prstGeom prst="ellipse">
+              <a:avLst/>
+            </a:prstGeom>
+          </p:spPr>
+          <p:style>
+            <a:lnRef idx="2">
+              <a:schemeClr val="accent1">
+                <a:shade val="50000"/>
+              </a:schemeClr>
+            </a:lnRef>
+            <a:fillRef idx="1">
+              <a:schemeClr val="accent1"/>
+            </a:fillRef>
+            <a:effectRef idx="0">
+              <a:schemeClr val="accent1"/>
+            </a:effectRef>
+            <a:fontRef idx="minor">
+              <a:schemeClr val="lt1"/>
+            </a:fontRef>
+          </p:style>
+          <p:txBody>
+            <a:bodyPr rtlCol="0" anchor="ctr"/>
+            <a:lstStyle/>
+            <a:p>
+              <a:pPr algn="ctr"/>
+              <a:r>
+                <a:rPr lang="en-US" altLang="zh-CN" dirty="0"/>
+                <a:t>1</a:t>
+              </a:r>
+              <a:endParaRPr lang="zh-CN" altLang="en-US" dirty="0"/>
+            </a:p>
+          </p:txBody>
+        </p:sp>
+        <p:sp>
+          <p:nvSpPr>
+            <p:cNvPr id="6" name="椭圆 5">
+              <a:extLst>
+                <a:ext uri="{FF2B5EF4-FFF2-40B4-BE49-F238E27FC236}">
+                  <a16:creationId xmlns:a16="http://schemas.microsoft.com/office/drawing/2014/main" id="{98D487A6-E19B-40BB-9D03-FBB3A1E3E7AF}"/>
+                </a:ext>
+              </a:extLst>
+            </p:cNvPr>
+            <p:cNvSpPr/>
+            <p:nvPr/>
+          </p:nvSpPr>
+          <p:spPr>
+            <a:xfrm flipH="1">
+              <a:off x="5151862" y="2934681"/>
+              <a:ext cx="540000" cy="540000"/>
+            </a:xfrm>
+            <a:prstGeom prst="ellipse">
+              <a:avLst/>
+            </a:prstGeom>
+          </p:spPr>
+          <p:style>
+            <a:lnRef idx="2">
+              <a:schemeClr val="accent6">
+                <a:shade val="50000"/>
+              </a:schemeClr>
+            </a:lnRef>
+            <a:fillRef idx="1">
+              <a:schemeClr val="accent6"/>
+            </a:fillRef>
+            <a:effectRef idx="0">
+              <a:schemeClr val="accent6"/>
+            </a:effectRef>
+            <a:fontRef idx="minor">
+              <a:schemeClr val="lt1"/>
+            </a:fontRef>
+          </p:style>
+          <p:txBody>
+            <a:bodyPr rtlCol="0" anchor="ctr"/>
+            <a:lstStyle/>
+            <a:p>
+              <a:pPr algn="ctr"/>
+              <a:r>
+                <a:rPr lang="en-US" altLang="zh-CN" dirty="0"/>
+                <a:t>5</a:t>
+              </a:r>
+              <a:endParaRPr lang="zh-CN" altLang="en-US" dirty="0"/>
+            </a:p>
+          </p:txBody>
+        </p:sp>
+        <p:sp>
+          <p:nvSpPr>
+            <p:cNvPr id="7" name="椭圆 6">
+              <a:extLst>
+                <a:ext uri="{FF2B5EF4-FFF2-40B4-BE49-F238E27FC236}">
+                  <a16:creationId xmlns:a16="http://schemas.microsoft.com/office/drawing/2014/main" id="{8F9B34ED-B38C-4221-B90F-7A2F15640E9C}"/>
+                </a:ext>
+              </a:extLst>
+            </p:cNvPr>
+            <p:cNvSpPr/>
+            <p:nvPr/>
+          </p:nvSpPr>
+          <p:spPr>
+            <a:xfrm flipH="1">
+              <a:off x="4611862" y="3787631"/>
+              <a:ext cx="540000" cy="540000"/>
+            </a:xfrm>
+            <a:prstGeom prst="ellipse">
+              <a:avLst/>
+            </a:prstGeom>
+          </p:spPr>
+          <p:style>
+            <a:lnRef idx="2">
+              <a:schemeClr val="accent1">
+                <a:shade val="50000"/>
+              </a:schemeClr>
+            </a:lnRef>
+            <a:fillRef idx="1">
+              <a:schemeClr val="accent1"/>
+            </a:fillRef>
+            <a:effectRef idx="0">
+              <a:schemeClr val="accent1"/>
+            </a:effectRef>
+            <a:fontRef idx="minor">
+              <a:schemeClr val="lt1"/>
+            </a:fontRef>
+          </p:style>
+          <p:txBody>
+            <a:bodyPr rtlCol="0" anchor="ctr"/>
+            <a:lstStyle/>
+            <a:p>
+              <a:pPr algn="ctr"/>
+              <a:r>
+                <a:rPr lang="en-US" altLang="zh-CN" dirty="0"/>
+                <a:t>6</a:t>
+              </a:r>
+              <a:endParaRPr lang="zh-CN" altLang="en-US" dirty="0"/>
+            </a:p>
+          </p:txBody>
+        </p:sp>
+        <p:sp>
+          <p:nvSpPr>
+            <p:cNvPr id="8" name="椭圆 7">
+              <a:extLst>
+                <a:ext uri="{FF2B5EF4-FFF2-40B4-BE49-F238E27FC236}">
+                  <a16:creationId xmlns:a16="http://schemas.microsoft.com/office/drawing/2014/main" id="{7DD4155D-3374-47CC-AB3E-5A50472ED10B}"/>
+                </a:ext>
+              </a:extLst>
+            </p:cNvPr>
+            <p:cNvSpPr/>
+            <p:nvPr/>
+          </p:nvSpPr>
+          <p:spPr>
+            <a:xfrm flipH="1">
+              <a:off x="5691862" y="3802378"/>
+              <a:ext cx="540000" cy="540000"/>
+            </a:xfrm>
+            <a:prstGeom prst="ellipse">
+              <a:avLst/>
+            </a:prstGeom>
+          </p:spPr>
+          <p:style>
+            <a:lnRef idx="2">
+              <a:schemeClr val="accent1">
+                <a:shade val="50000"/>
+              </a:schemeClr>
+            </a:lnRef>
+            <a:fillRef idx="1">
+              <a:schemeClr val="accent1"/>
+            </a:fillRef>
+            <a:effectRef idx="0">
+              <a:schemeClr val="accent1"/>
+            </a:effectRef>
+            <a:fontRef idx="minor">
+              <a:schemeClr val="lt1"/>
+            </a:fontRef>
+          </p:style>
+          <p:txBody>
+            <a:bodyPr rtlCol="0" anchor="ctr"/>
+            <a:lstStyle/>
+            <a:p>
+              <a:pPr algn="ctr"/>
+              <a:r>
+                <a:rPr lang="en-US" altLang="zh-CN" dirty="0"/>
+                <a:t>4</a:t>
+              </a:r>
+              <a:endParaRPr lang="zh-CN" altLang="en-US" dirty="0"/>
+            </a:p>
+          </p:txBody>
+        </p:sp>
+        <p:sp>
+          <p:nvSpPr>
+            <p:cNvPr id="9" name="椭圆 8">
+              <a:extLst>
+                <a:ext uri="{FF2B5EF4-FFF2-40B4-BE49-F238E27FC236}">
+                  <a16:creationId xmlns:a16="http://schemas.microsoft.com/office/drawing/2014/main" id="{C065FE2A-7BC6-4300-9F01-94229F0C6CA4}"/>
+                </a:ext>
+              </a:extLst>
+            </p:cNvPr>
+            <p:cNvSpPr/>
+            <p:nvPr/>
+          </p:nvSpPr>
+          <p:spPr>
+            <a:xfrm flipH="1">
+              <a:off x="6152781" y="4670075"/>
+              <a:ext cx="540000" cy="540000"/>
+            </a:xfrm>
+            <a:prstGeom prst="ellipse">
+              <a:avLst/>
+            </a:prstGeom>
+          </p:spPr>
+          <p:style>
+            <a:lnRef idx="2">
+              <a:schemeClr val="accent4">
+                <a:shade val="50000"/>
+              </a:schemeClr>
+            </a:lnRef>
+            <a:fillRef idx="1">
+              <a:schemeClr val="accent4"/>
+            </a:fillRef>
+            <a:effectRef idx="0">
+              <a:schemeClr val="accent4"/>
+            </a:effectRef>
+            <a:fontRef idx="minor">
+              <a:schemeClr val="lt1"/>
+            </a:fontRef>
+          </p:style>
+          <p:txBody>
+            <a:bodyPr rtlCol="0" anchor="ctr"/>
+            <a:lstStyle/>
+            <a:p>
+              <a:pPr algn="ctr"/>
+              <a:r>
+                <a:rPr lang="en-US" altLang="zh-CN" dirty="0"/>
+                <a:t>3</a:t>
+              </a:r>
+              <a:endParaRPr lang="zh-CN" altLang="en-US" dirty="0"/>
+            </a:p>
+          </p:txBody>
+        </p:sp>
+        <p:cxnSp>
+          <p:nvCxnSpPr>
+            <p:cNvPr id="20" name="直接连接符 19">
+              <a:extLst>
+                <a:ext uri="{FF2B5EF4-FFF2-40B4-BE49-F238E27FC236}">
+                  <a16:creationId xmlns:a16="http://schemas.microsoft.com/office/drawing/2014/main" id="{E2E23761-6EC5-4B09-9B8D-43DF500BA765}"/>
+                </a:ext>
+              </a:extLst>
+            </p:cNvPr>
+            <p:cNvCxnSpPr>
+              <a:stCxn id="4" idx="3"/>
+              <a:endCxn id="5" idx="7"/>
+            </p:cNvCxnSpPr>
+            <p:nvPr/>
+          </p:nvCxnSpPr>
+          <p:spPr>
+            <a:xfrm>
+              <a:off x="6422781" y="2545110"/>
+              <a:ext cx="473036" cy="468652"/>
+            </a:xfrm>
+            <a:prstGeom prst="line">
+              <a:avLst/>
+            </a:prstGeom>
+          </p:spPr>
+          <p:style>
+            <a:lnRef idx="3">
+              <a:schemeClr val="accent1"/>
+            </a:lnRef>
+            <a:fillRef idx="0">
+              <a:schemeClr val="accent1"/>
+            </a:fillRef>
+            <a:effectRef idx="2">
+              <a:schemeClr val="accent1"/>
+            </a:effectRef>
+            <a:fontRef idx="minor">
+              <a:schemeClr val="tx1"/>
+            </a:fontRef>
+          </p:style>
+        </p:cxnSp>
+        <p:cxnSp>
+          <p:nvCxnSpPr>
+            <p:cNvPr id="21" name="直接连接符 20">
+              <a:extLst>
+                <a:ext uri="{FF2B5EF4-FFF2-40B4-BE49-F238E27FC236}">
+                  <a16:creationId xmlns:a16="http://schemas.microsoft.com/office/drawing/2014/main" id="{1C18C783-DEDF-4321-BED6-B073E4D21AA6}"/>
+                </a:ext>
+              </a:extLst>
+            </p:cNvPr>
+            <p:cNvCxnSpPr>
+              <a:cxnSpLocks/>
+              <a:stCxn id="4" idx="5"/>
+              <a:endCxn id="6" idx="1"/>
+            </p:cNvCxnSpPr>
+            <p:nvPr/>
+          </p:nvCxnSpPr>
+          <p:spPr>
+            <a:xfrm flipH="1">
+              <a:off x="5612781" y="2545110"/>
+              <a:ext cx="428162" cy="468652"/>
+            </a:xfrm>
+            <a:prstGeom prst="line">
+              <a:avLst/>
+            </a:prstGeom>
+          </p:spPr>
+          <p:style>
+            <a:lnRef idx="3">
+              <a:schemeClr val="accent1"/>
+            </a:lnRef>
+            <a:fillRef idx="0">
+              <a:schemeClr val="accent1"/>
+            </a:fillRef>
+            <a:effectRef idx="2">
+              <a:schemeClr val="accent1"/>
+            </a:effectRef>
+            <a:fontRef idx="minor">
+              <a:schemeClr val="tx1"/>
+            </a:fontRef>
+          </p:style>
+        </p:cxnSp>
+        <p:cxnSp>
+          <p:nvCxnSpPr>
+            <p:cNvPr id="24" name="直接连接符 23">
+              <a:extLst>
+                <a:ext uri="{FF2B5EF4-FFF2-40B4-BE49-F238E27FC236}">
+                  <a16:creationId xmlns:a16="http://schemas.microsoft.com/office/drawing/2014/main" id="{C65DDB9B-98DB-4A49-978F-1A09243047B6}"/>
+                </a:ext>
+              </a:extLst>
+            </p:cNvPr>
+            <p:cNvCxnSpPr>
+              <a:cxnSpLocks/>
+              <a:stCxn id="6" idx="3"/>
+              <a:endCxn id="8" idx="0"/>
+            </p:cNvCxnSpPr>
+            <p:nvPr/>
+          </p:nvCxnSpPr>
+          <p:spPr>
+            <a:xfrm>
+              <a:off x="5612781" y="3395600"/>
+              <a:ext cx="349081" cy="406778"/>
+            </a:xfrm>
+            <a:prstGeom prst="line">
+              <a:avLst/>
+            </a:prstGeom>
+          </p:spPr>
+          <p:style>
+            <a:lnRef idx="3">
+              <a:schemeClr val="accent1"/>
+            </a:lnRef>
+            <a:fillRef idx="0">
+              <a:schemeClr val="accent1"/>
+            </a:fillRef>
+            <a:effectRef idx="2">
+              <a:schemeClr val="accent1"/>
+            </a:effectRef>
+            <a:fontRef idx="minor">
+              <a:schemeClr val="tx1"/>
+            </a:fontRef>
+          </p:style>
+        </p:cxnSp>
+        <p:cxnSp>
+          <p:nvCxnSpPr>
+            <p:cNvPr id="28" name="直接连接符 27">
+              <a:extLst>
+                <a:ext uri="{FF2B5EF4-FFF2-40B4-BE49-F238E27FC236}">
+                  <a16:creationId xmlns:a16="http://schemas.microsoft.com/office/drawing/2014/main" id="{48E793D5-A072-42DE-8997-277164921996}"/>
+                </a:ext>
+              </a:extLst>
+            </p:cNvPr>
+            <p:cNvCxnSpPr>
+              <a:cxnSpLocks/>
+              <a:stCxn id="6" idx="5"/>
+              <a:endCxn id="7" idx="0"/>
+            </p:cNvCxnSpPr>
+            <p:nvPr/>
+          </p:nvCxnSpPr>
+          <p:spPr>
+            <a:xfrm flipH="1">
+              <a:off x="4881862" y="3395600"/>
+              <a:ext cx="349081" cy="392031"/>
+            </a:xfrm>
+            <a:prstGeom prst="line">
+              <a:avLst/>
+            </a:prstGeom>
+          </p:spPr>
+          <p:style>
+            <a:lnRef idx="3">
+              <a:schemeClr val="accent1"/>
+            </a:lnRef>
+            <a:fillRef idx="0">
+              <a:schemeClr val="accent1"/>
+            </a:fillRef>
+            <a:effectRef idx="2">
+              <a:schemeClr val="accent1"/>
+            </a:effectRef>
+            <a:fontRef idx="minor">
+              <a:schemeClr val="tx1"/>
+            </a:fontRef>
+          </p:style>
+        </p:cxnSp>
+        <p:cxnSp>
+          <p:nvCxnSpPr>
+            <p:cNvPr id="32" name="直接连接符 31">
+              <a:extLst>
+                <a:ext uri="{FF2B5EF4-FFF2-40B4-BE49-F238E27FC236}">
+                  <a16:creationId xmlns:a16="http://schemas.microsoft.com/office/drawing/2014/main" id="{0B284F44-CB3C-4DE6-87C0-D28B95591A7B}"/>
+                </a:ext>
+              </a:extLst>
+            </p:cNvPr>
+            <p:cNvCxnSpPr>
+              <a:cxnSpLocks/>
+              <a:stCxn id="8" idx="3"/>
+              <a:endCxn id="9" idx="0"/>
+            </p:cNvCxnSpPr>
+            <p:nvPr/>
+          </p:nvCxnSpPr>
+          <p:spPr>
+            <a:xfrm>
+              <a:off x="6152781" y="4263297"/>
+              <a:ext cx="270000" cy="406778"/>
+            </a:xfrm>
+            <a:prstGeom prst="line">
+              <a:avLst/>
+            </a:prstGeom>
+          </p:spPr>
+          <p:style>
+            <a:lnRef idx="3">
+              <a:schemeClr val="accent1"/>
+            </a:lnRef>
+            <a:fillRef idx="0">
+              <a:schemeClr val="accent1"/>
+            </a:fillRef>
+            <a:effectRef idx="2">
+              <a:schemeClr val="accent1"/>
+            </a:effectRef>
+            <a:fontRef idx="minor">
+              <a:schemeClr val="tx1"/>
+            </a:fontRef>
+          </p:style>
+        </p:cxnSp>
+      </p:grpSp>
+      <p:sp>
+        <p:nvSpPr>
+          <p:cNvPr id="27" name="椭圆 26">
+            <a:extLst>
+              <a:ext uri="{FF2B5EF4-FFF2-40B4-BE49-F238E27FC236}">
+                <a16:creationId xmlns:a16="http://schemas.microsoft.com/office/drawing/2014/main" id="{DAA55BE3-CDD5-4D97-8108-2A04548193B2}"/>
+              </a:ext>
+            </a:extLst>
+          </p:cNvPr>
+          <p:cNvSpPr/>
+          <p:nvPr/>
+        </p:nvSpPr>
+        <p:spPr>
+          <a:xfrm>
+            <a:off x="921325" y="2426405"/>
+            <a:ext cx="540000" cy="540000"/>
+          </a:xfrm>
+          <a:prstGeom prst="ellipse">
+            <a:avLst/>
+          </a:prstGeom>
+        </p:spPr>
+        <p:style>
+          <a:lnRef idx="2">
+            <a:schemeClr val="accent2">
+              <a:shade val="50000"/>
+            </a:schemeClr>
+          </a:lnRef>
+          <a:fillRef idx="1">
+            <a:schemeClr val="accent2"/>
+          </a:fillRef>
+          <a:effectRef idx="0">
+            <a:schemeClr val="accent2"/>
+          </a:effectRef>
+          <a:fontRef idx="minor">
+            <a:schemeClr val="lt1"/>
+          </a:fontRef>
+        </p:style>
+        <p:txBody>
+          <a:bodyPr rtlCol="0" anchor="ctr"/>
+          <a:lstStyle/>
+          <a:p>
+            <a:pPr algn="ctr"/>
+            <a:endParaRPr lang="zh-CN" altLang="en-US"/>
+          </a:p>
+        </p:txBody>
+      </p:sp>
+      <p:sp>
+        <p:nvSpPr>
+          <p:cNvPr id="29" name="文本框 28">
+            <a:extLst>
+              <a:ext uri="{FF2B5EF4-FFF2-40B4-BE49-F238E27FC236}">
+                <a16:creationId xmlns:a16="http://schemas.microsoft.com/office/drawing/2014/main" id="{2B282B29-5C2D-4D6A-AA0F-A626B7F77559}"/>
+              </a:ext>
+            </a:extLst>
+          </p:cNvPr>
+          <p:cNvSpPr txBox="1"/>
+          <p:nvPr/>
+        </p:nvSpPr>
+        <p:spPr>
+          <a:xfrm>
+            <a:off x="1669752" y="2426405"/>
+            <a:ext cx="1209368" cy="461665"/>
+          </a:xfrm>
+          <a:prstGeom prst="rect">
+            <a:avLst/>
+          </a:prstGeom>
+          <a:noFill/>
+        </p:spPr>
+        <p:txBody>
+          <a:bodyPr wrap="square" rtlCol="0">
+            <a:spAutoFit/>
+          </a:bodyPr>
+          <a:lstStyle/>
+          <a:p>
+            <a:r>
+              <a:rPr lang="en-US" altLang="zh-CN" sz="2400" dirty="0">
+                <a:solidFill>
+                  <a:schemeClr val="accent2"/>
+                </a:solidFill>
+                <a:latin typeface="黑体" panose="02010609060101010101" pitchFamily="49" charset="-122"/>
+                <a:ea typeface="黑体" panose="02010609060101010101" pitchFamily="49" charset="-122"/>
+              </a:rPr>
+              <a:t>par</a:t>
+            </a:r>
+            <a:endParaRPr lang="zh-CN" altLang="en-US" sz="2400" dirty="0">
+              <a:solidFill>
+                <a:schemeClr val="accent2"/>
+              </a:solidFill>
+              <a:latin typeface="黑体" panose="02010609060101010101" pitchFamily="49" charset="-122"/>
+              <a:ea typeface="黑体" panose="02010609060101010101" pitchFamily="49" charset="-122"/>
+            </a:endParaRPr>
+          </a:p>
+        </p:txBody>
+      </p:sp>
+      <p:sp>
+        <p:nvSpPr>
+          <p:cNvPr id="30" name="椭圆 29">
+            <a:extLst>
+              <a:ext uri="{FF2B5EF4-FFF2-40B4-BE49-F238E27FC236}">
+                <a16:creationId xmlns:a16="http://schemas.microsoft.com/office/drawing/2014/main" id="{2CFCC808-EE56-4AAD-A77D-AB7F0E33FC9D}"/>
+              </a:ext>
+            </a:extLst>
+          </p:cNvPr>
+          <p:cNvSpPr/>
+          <p:nvPr/>
+        </p:nvSpPr>
+        <p:spPr>
+          <a:xfrm>
+            <a:off x="921325" y="3052531"/>
+            <a:ext cx="540000" cy="540000"/>
+          </a:xfrm>
+          <a:prstGeom prst="ellipse">
+            <a:avLst/>
+          </a:prstGeom>
+        </p:spPr>
+        <p:style>
+          <a:lnRef idx="2">
+            <a:schemeClr val="accent6">
+              <a:shade val="50000"/>
+            </a:schemeClr>
+          </a:lnRef>
+          <a:fillRef idx="1">
+            <a:schemeClr val="accent6"/>
+          </a:fillRef>
+          <a:effectRef idx="0">
+            <a:schemeClr val="accent6"/>
+          </a:effectRef>
+          <a:fontRef idx="minor">
+            <a:schemeClr val="lt1"/>
+          </a:fontRef>
+        </p:style>
+        <p:txBody>
+          <a:bodyPr rtlCol="0" anchor="ctr"/>
+          <a:lstStyle/>
+          <a:p>
+            <a:pPr algn="ctr"/>
+            <a:endParaRPr lang="zh-CN" altLang="en-US"/>
+          </a:p>
+        </p:txBody>
+      </p:sp>
+      <p:sp>
+        <p:nvSpPr>
+          <p:cNvPr id="31" name="文本框 30">
+            <a:extLst>
+              <a:ext uri="{FF2B5EF4-FFF2-40B4-BE49-F238E27FC236}">
+                <a16:creationId xmlns:a16="http://schemas.microsoft.com/office/drawing/2014/main" id="{78AB6CFF-A238-4A01-A808-E77687900AA1}"/>
+              </a:ext>
+            </a:extLst>
+          </p:cNvPr>
+          <p:cNvSpPr txBox="1"/>
+          <p:nvPr/>
+        </p:nvSpPr>
+        <p:spPr>
+          <a:xfrm>
+            <a:off x="1669752" y="3034099"/>
+            <a:ext cx="1209368" cy="461665"/>
+          </a:xfrm>
+          <a:prstGeom prst="rect">
+            <a:avLst/>
+          </a:prstGeom>
+          <a:noFill/>
+        </p:spPr>
+        <p:txBody>
+          <a:bodyPr wrap="square" rtlCol="0">
+            <a:spAutoFit/>
+          </a:bodyPr>
+          <a:lstStyle/>
+          <a:p>
+            <a:r>
+              <a:rPr lang="en-US" altLang="zh-CN" sz="2400" dirty="0">
+                <a:solidFill>
+                  <a:srgbClr val="92D050"/>
+                </a:solidFill>
+                <a:latin typeface="黑体" panose="02010609060101010101" pitchFamily="49" charset="-122"/>
+                <a:ea typeface="黑体" panose="02010609060101010101" pitchFamily="49" charset="-122"/>
+              </a:rPr>
+              <a:t>son</a:t>
+            </a:r>
+            <a:endParaRPr lang="zh-CN" altLang="en-US" sz="2400" dirty="0">
+              <a:solidFill>
+                <a:srgbClr val="92D050"/>
+              </a:solidFill>
+              <a:latin typeface="黑体" panose="02010609060101010101" pitchFamily="49" charset="-122"/>
+              <a:ea typeface="黑体" panose="02010609060101010101" pitchFamily="49" charset="-122"/>
+            </a:endParaRPr>
+          </a:p>
+        </p:txBody>
+      </p:sp>
+      <p:sp>
+        <p:nvSpPr>
+          <p:cNvPr id="33" name="椭圆 32">
+            <a:extLst>
+              <a:ext uri="{FF2B5EF4-FFF2-40B4-BE49-F238E27FC236}">
+                <a16:creationId xmlns:a16="http://schemas.microsoft.com/office/drawing/2014/main" id="{9A38CD97-CC5E-45DC-A815-80561192B61A}"/>
+              </a:ext>
+            </a:extLst>
+          </p:cNvPr>
+          <p:cNvSpPr/>
+          <p:nvPr/>
+        </p:nvSpPr>
+        <p:spPr>
+          <a:xfrm>
+            <a:off x="921325" y="3677621"/>
+            <a:ext cx="540000" cy="540000"/>
+          </a:xfrm>
+          <a:prstGeom prst="ellipse">
+            <a:avLst/>
+          </a:prstGeom>
+        </p:spPr>
+        <p:style>
+          <a:lnRef idx="2">
+            <a:schemeClr val="accent1">
+              <a:shade val="50000"/>
+            </a:schemeClr>
+          </a:lnRef>
+          <a:fillRef idx="1">
+            <a:schemeClr val="accent1"/>
+          </a:fillRef>
+          <a:effectRef idx="0">
+            <a:schemeClr val="accent1"/>
+          </a:effectRef>
+          <a:fontRef idx="minor">
+            <a:schemeClr val="lt1"/>
+          </a:fontRef>
+        </p:style>
+        <p:txBody>
+          <a:bodyPr rtlCol="0" anchor="ctr"/>
+          <a:lstStyle/>
+          <a:p>
+            <a:pPr algn="ctr"/>
+            <a:endParaRPr lang="zh-CN" altLang="en-US"/>
+          </a:p>
+        </p:txBody>
+      </p:sp>
+      <p:sp>
+        <p:nvSpPr>
+          <p:cNvPr id="34" name="文本框 33">
+            <a:extLst>
+              <a:ext uri="{FF2B5EF4-FFF2-40B4-BE49-F238E27FC236}">
+                <a16:creationId xmlns:a16="http://schemas.microsoft.com/office/drawing/2014/main" id="{C94B1721-4B0A-48E3-AC2D-03B817E4711D}"/>
+              </a:ext>
+            </a:extLst>
+          </p:cNvPr>
+          <p:cNvSpPr txBox="1"/>
+          <p:nvPr/>
+        </p:nvSpPr>
+        <p:spPr>
+          <a:xfrm>
+            <a:off x="1669751" y="3661935"/>
+            <a:ext cx="1970981" cy="461665"/>
+          </a:xfrm>
+          <a:prstGeom prst="rect">
+            <a:avLst/>
+          </a:prstGeom>
+          <a:noFill/>
+        </p:spPr>
+        <p:txBody>
+          <a:bodyPr wrap="square" rtlCol="0">
+            <a:spAutoFit/>
+          </a:bodyPr>
+          <a:lstStyle/>
+          <a:p>
+            <a:r>
+              <a:rPr lang="en-US" altLang="zh-CN" sz="2400" dirty="0">
+                <a:solidFill>
+                  <a:schemeClr val="accent1"/>
+                </a:solidFill>
+                <a:latin typeface="黑体" panose="02010609060101010101" pitchFamily="49" charset="-122"/>
+                <a:ea typeface="黑体" panose="02010609060101010101" pitchFamily="49" charset="-122"/>
+              </a:rPr>
+              <a:t>common node</a:t>
+            </a:r>
+            <a:endParaRPr lang="zh-CN" altLang="en-US" sz="2400" dirty="0">
+              <a:solidFill>
+                <a:schemeClr val="accent1"/>
+              </a:solidFill>
+              <a:latin typeface="黑体" panose="02010609060101010101" pitchFamily="49" charset="-122"/>
+              <a:ea typeface="黑体" panose="02010609060101010101" pitchFamily="49" charset="-122"/>
+            </a:endParaRPr>
+          </a:p>
+        </p:txBody>
+      </p:sp>
+      <p:sp>
+        <p:nvSpPr>
+          <p:cNvPr id="35" name="椭圆 34">
+            <a:extLst>
+              <a:ext uri="{FF2B5EF4-FFF2-40B4-BE49-F238E27FC236}">
+                <a16:creationId xmlns:a16="http://schemas.microsoft.com/office/drawing/2014/main" id="{FAC2FE2E-0469-4314-BF21-485B5431EF8C}"/>
+              </a:ext>
+            </a:extLst>
+          </p:cNvPr>
+          <p:cNvSpPr/>
+          <p:nvPr/>
+        </p:nvSpPr>
+        <p:spPr>
+          <a:xfrm>
+            <a:off x="921325" y="4302711"/>
+            <a:ext cx="540000" cy="540000"/>
+          </a:xfrm>
+          <a:prstGeom prst="ellipse">
+            <a:avLst/>
+          </a:prstGeom>
+        </p:spPr>
+        <p:style>
+          <a:lnRef idx="2">
+            <a:schemeClr val="accent4">
+              <a:shade val="50000"/>
+            </a:schemeClr>
+          </a:lnRef>
+          <a:fillRef idx="1">
+            <a:schemeClr val="accent4"/>
+          </a:fillRef>
+          <a:effectRef idx="0">
+            <a:schemeClr val="accent4"/>
+          </a:effectRef>
+          <a:fontRef idx="minor">
+            <a:schemeClr val="lt1"/>
+          </a:fontRef>
+        </p:style>
+        <p:txBody>
+          <a:bodyPr rtlCol="0" anchor="ctr"/>
+          <a:lstStyle/>
+          <a:p>
+            <a:pPr algn="ctr"/>
+            <a:endParaRPr lang="zh-CN" altLang="en-US"/>
+          </a:p>
+        </p:txBody>
+      </p:sp>
+      <p:sp>
+        <p:nvSpPr>
+          <p:cNvPr id="36" name="文本框 35">
+            <a:extLst>
+              <a:ext uri="{FF2B5EF4-FFF2-40B4-BE49-F238E27FC236}">
+                <a16:creationId xmlns:a16="http://schemas.microsoft.com/office/drawing/2014/main" id="{499F4DE6-32DA-4988-B70C-F8F209C2F7D8}"/>
+              </a:ext>
+            </a:extLst>
+          </p:cNvPr>
+          <p:cNvSpPr txBox="1"/>
+          <p:nvPr/>
+        </p:nvSpPr>
+        <p:spPr>
+          <a:xfrm>
+            <a:off x="1669752" y="4262509"/>
+            <a:ext cx="1970980" cy="461665"/>
+          </a:xfrm>
+          <a:prstGeom prst="rect">
+            <a:avLst/>
+          </a:prstGeom>
+          <a:noFill/>
+        </p:spPr>
+        <p:txBody>
+          <a:bodyPr wrap="square" rtlCol="0">
+            <a:spAutoFit/>
+          </a:bodyPr>
+          <a:lstStyle/>
+          <a:p>
+            <a:r>
+              <a:rPr lang="en-US" altLang="zh-CN" sz="2400" dirty="0" err="1">
+                <a:solidFill>
+                  <a:srgbClr val="FFC000"/>
+                </a:solidFill>
+                <a:latin typeface="黑体" panose="02010609060101010101" pitchFamily="49" charset="-122"/>
+                <a:ea typeface="黑体" panose="02010609060101010101" pitchFamily="49" charset="-122"/>
+              </a:rPr>
+              <a:t>newAdd</a:t>
+            </a:r>
+            <a:r>
+              <a:rPr lang="en-US" altLang="zh-CN" sz="2400" dirty="0">
+                <a:solidFill>
+                  <a:srgbClr val="FFC000"/>
+                </a:solidFill>
+                <a:latin typeface="黑体" panose="02010609060101010101" pitchFamily="49" charset="-122"/>
+                <a:ea typeface="黑体" panose="02010609060101010101" pitchFamily="49" charset="-122"/>
+              </a:rPr>
+              <a:t> node</a:t>
+            </a:r>
+            <a:endParaRPr lang="zh-CN" altLang="en-US" sz="2400" dirty="0">
+              <a:solidFill>
+                <a:srgbClr val="FFC000"/>
+              </a:solidFill>
+              <a:latin typeface="黑体" panose="02010609060101010101" pitchFamily="49" charset="-122"/>
+              <a:ea typeface="黑体" panose="02010609060101010101" pitchFamily="49" charset="-122"/>
+            </a:endParaRPr>
+          </a:p>
+        </p:txBody>
+      </p:sp>
+    </p:spTree>
+    <p:extLst>
+      <p:ext uri="{BB962C8B-B14F-4D97-AF65-F5344CB8AC3E}">
+        <p14:creationId xmlns:p14="http://schemas.microsoft.com/office/powerpoint/2010/main" val="3406308488"/>
+      </p:ext>
+    </p:extLst>
+  </p:cSld>
+  <p:clrMapOvr>
+    <a:masterClrMapping/>
+  </p:clrMapOvr>
+</p:sld>
+</file>
+
+<file path=ppt/slides/slide19.xml><?xml version="1.0" encoding="utf-8"?>
 <p:sld xmlns:a="http://schemas.openxmlformats.org/drawingml/2006/main" xmlns:r="http://schemas.openxmlformats.org/officeDocument/2006/relationships" xmlns:p="http://schemas.openxmlformats.org/presentationml/2006/main">
   <p:cSld>
     <p:spTree>
@@ -9856,7 +11433,7 @@
                 <a:latin typeface="黑体" panose="02010609060101010101" pitchFamily="49" charset="-122"/>
                 <a:ea typeface="黑体" panose="02010609060101010101" pitchFamily="49" charset="-122"/>
               </a:rPr>
-              <a:t>(pre-&gt;parent, par);</a:t>
+              <a:t>(pre-&gt;left, pre);</a:t>
             </a:r>
           </a:p>
         </p:txBody>
@@ -9907,12 +11484,532 @@
           </a:p>
         </p:txBody>
       </p:sp>
+      <p:grpSp>
+        <p:nvGrpSpPr>
+          <p:cNvPr id="15" name="组合 14">
+            <a:extLst>
+              <a:ext uri="{FF2B5EF4-FFF2-40B4-BE49-F238E27FC236}">
+                <a16:creationId xmlns:a16="http://schemas.microsoft.com/office/drawing/2014/main" id="{ECB557B7-AAA7-486D-B810-D498BA9C8EC4}"/>
+              </a:ext>
+            </a:extLst>
+          </p:cNvPr>
+          <p:cNvGrpSpPr/>
+          <p:nvPr/>
+        </p:nvGrpSpPr>
+        <p:grpSpPr>
+          <a:xfrm flipH="1">
+            <a:off x="6383198" y="3079409"/>
+            <a:ext cx="3216822" cy="3124444"/>
+            <a:chOff x="6218202" y="3078689"/>
+            <a:chExt cx="3216822" cy="3124444"/>
+          </a:xfrm>
+        </p:grpSpPr>
+        <p:sp>
+          <p:nvSpPr>
+            <p:cNvPr id="64" name="椭圆 63">
+              <a:extLst>
+                <a:ext uri="{FF2B5EF4-FFF2-40B4-BE49-F238E27FC236}">
+                  <a16:creationId xmlns:a16="http://schemas.microsoft.com/office/drawing/2014/main" id="{DFA926E2-F78A-4666-9556-21C99C093BC6}"/>
+                </a:ext>
+              </a:extLst>
+            </p:cNvPr>
+            <p:cNvSpPr/>
+            <p:nvPr/>
+          </p:nvSpPr>
+          <p:spPr>
+            <a:xfrm flipH="1">
+              <a:off x="8040150" y="3078689"/>
+              <a:ext cx="540000" cy="540000"/>
+            </a:xfrm>
+            <a:prstGeom prst="ellipse">
+              <a:avLst/>
+            </a:prstGeom>
+          </p:spPr>
+          <p:style>
+            <a:lnRef idx="2">
+              <a:schemeClr val="accent2">
+                <a:shade val="50000"/>
+              </a:schemeClr>
+            </a:lnRef>
+            <a:fillRef idx="1">
+              <a:schemeClr val="accent2"/>
+            </a:fillRef>
+            <a:effectRef idx="0">
+              <a:schemeClr val="accent2"/>
+            </a:effectRef>
+            <a:fontRef idx="minor">
+              <a:schemeClr val="lt1"/>
+            </a:fontRef>
+          </p:style>
+          <p:txBody>
+            <a:bodyPr rtlCol="0" anchor="ctr"/>
+            <a:lstStyle/>
+            <a:p>
+              <a:pPr algn="ctr"/>
+              <a:r>
+                <a:rPr lang="en-US" altLang="zh-CN" dirty="0"/>
+                <a:t>2</a:t>
+              </a:r>
+              <a:endParaRPr lang="zh-CN" altLang="en-US" dirty="0"/>
+            </a:p>
+          </p:txBody>
+        </p:sp>
+        <p:sp>
+          <p:nvSpPr>
+            <p:cNvPr id="65" name="椭圆 64">
+              <a:extLst>
+                <a:ext uri="{FF2B5EF4-FFF2-40B4-BE49-F238E27FC236}">
+                  <a16:creationId xmlns:a16="http://schemas.microsoft.com/office/drawing/2014/main" id="{80FE647D-E955-4871-90A9-42FC4918A40C}"/>
+                </a:ext>
+              </a:extLst>
+            </p:cNvPr>
+            <p:cNvSpPr/>
+            <p:nvPr/>
+          </p:nvSpPr>
+          <p:spPr>
+            <a:xfrm flipH="1">
+              <a:off x="8895024" y="3929179"/>
+              <a:ext cx="540000" cy="540000"/>
+            </a:xfrm>
+            <a:prstGeom prst="ellipse">
+              <a:avLst/>
+            </a:prstGeom>
+          </p:spPr>
+          <p:style>
+            <a:lnRef idx="2">
+              <a:schemeClr val="accent1">
+                <a:shade val="50000"/>
+              </a:schemeClr>
+            </a:lnRef>
+            <a:fillRef idx="1">
+              <a:schemeClr val="accent1"/>
+            </a:fillRef>
+            <a:effectRef idx="0">
+              <a:schemeClr val="accent1"/>
+            </a:effectRef>
+            <a:fontRef idx="minor">
+              <a:schemeClr val="lt1"/>
+            </a:fontRef>
+          </p:style>
+          <p:txBody>
+            <a:bodyPr rtlCol="0" anchor="ctr"/>
+            <a:lstStyle/>
+            <a:p>
+              <a:pPr algn="ctr"/>
+              <a:r>
+                <a:rPr lang="en-US" altLang="zh-CN" dirty="0"/>
+                <a:t>1</a:t>
+              </a:r>
+              <a:endParaRPr lang="zh-CN" altLang="en-US" dirty="0"/>
+            </a:p>
+          </p:txBody>
+        </p:sp>
+        <p:sp>
+          <p:nvSpPr>
+            <p:cNvPr id="66" name="椭圆 65">
+              <a:extLst>
+                <a:ext uri="{FF2B5EF4-FFF2-40B4-BE49-F238E27FC236}">
+                  <a16:creationId xmlns:a16="http://schemas.microsoft.com/office/drawing/2014/main" id="{AE91A97D-782F-48C4-BE1D-E3289ACEFE08}"/>
+                </a:ext>
+              </a:extLst>
+            </p:cNvPr>
+            <p:cNvSpPr/>
+            <p:nvPr/>
+          </p:nvSpPr>
+          <p:spPr>
+            <a:xfrm flipH="1">
+              <a:off x="6769231" y="4782089"/>
+              <a:ext cx="540000" cy="540000"/>
+            </a:xfrm>
+            <a:prstGeom prst="ellipse">
+              <a:avLst/>
+            </a:prstGeom>
+          </p:spPr>
+          <p:style>
+            <a:lnRef idx="2">
+              <a:schemeClr val="accent6">
+                <a:shade val="50000"/>
+              </a:schemeClr>
+            </a:lnRef>
+            <a:fillRef idx="1">
+              <a:schemeClr val="accent6"/>
+            </a:fillRef>
+            <a:effectRef idx="0">
+              <a:schemeClr val="accent6"/>
+            </a:effectRef>
+            <a:fontRef idx="minor">
+              <a:schemeClr val="lt1"/>
+            </a:fontRef>
+          </p:style>
+          <p:txBody>
+            <a:bodyPr rtlCol="0" anchor="ctr"/>
+            <a:lstStyle/>
+            <a:p>
+              <a:pPr algn="ctr"/>
+              <a:r>
+                <a:rPr lang="en-US" altLang="zh-CN" dirty="0"/>
+                <a:t>5</a:t>
+              </a:r>
+              <a:endParaRPr lang="zh-CN" altLang="en-US" dirty="0"/>
+            </a:p>
+          </p:txBody>
+        </p:sp>
+        <p:sp>
+          <p:nvSpPr>
+            <p:cNvPr id="67" name="椭圆 66">
+              <a:extLst>
+                <a:ext uri="{FF2B5EF4-FFF2-40B4-BE49-F238E27FC236}">
+                  <a16:creationId xmlns:a16="http://schemas.microsoft.com/office/drawing/2014/main" id="{AE11E1F7-275A-4D3C-9E57-2207CA2ACAC0}"/>
+                </a:ext>
+              </a:extLst>
+            </p:cNvPr>
+            <p:cNvSpPr/>
+            <p:nvPr/>
+          </p:nvSpPr>
+          <p:spPr>
+            <a:xfrm flipH="1">
+              <a:off x="6218202" y="5663133"/>
+              <a:ext cx="540000" cy="540000"/>
+            </a:xfrm>
+            <a:prstGeom prst="ellipse">
+              <a:avLst/>
+            </a:prstGeom>
+          </p:spPr>
+          <p:style>
+            <a:lnRef idx="2">
+              <a:schemeClr val="accent1">
+                <a:shade val="50000"/>
+              </a:schemeClr>
+            </a:lnRef>
+            <a:fillRef idx="1">
+              <a:schemeClr val="accent1"/>
+            </a:fillRef>
+            <a:effectRef idx="0">
+              <a:schemeClr val="accent1"/>
+            </a:effectRef>
+            <a:fontRef idx="minor">
+              <a:schemeClr val="lt1"/>
+            </a:fontRef>
+          </p:style>
+          <p:txBody>
+            <a:bodyPr rtlCol="0" anchor="ctr"/>
+            <a:lstStyle/>
+            <a:p>
+              <a:pPr algn="ctr"/>
+              <a:r>
+                <a:rPr lang="en-US" altLang="zh-CN" dirty="0"/>
+                <a:t>6</a:t>
+              </a:r>
+              <a:endParaRPr lang="zh-CN" altLang="en-US" dirty="0"/>
+            </a:p>
+          </p:txBody>
+        </p:sp>
+        <p:sp>
+          <p:nvSpPr>
+            <p:cNvPr id="68" name="椭圆 67">
+              <a:extLst>
+                <a:ext uri="{FF2B5EF4-FFF2-40B4-BE49-F238E27FC236}">
+                  <a16:creationId xmlns:a16="http://schemas.microsoft.com/office/drawing/2014/main" id="{CB0600C9-70F2-4EEE-AF97-C9DBE9D28207}"/>
+                </a:ext>
+              </a:extLst>
+            </p:cNvPr>
+            <p:cNvSpPr/>
+            <p:nvPr/>
+          </p:nvSpPr>
+          <p:spPr>
+            <a:xfrm flipH="1">
+              <a:off x="7309231" y="3927739"/>
+              <a:ext cx="540000" cy="540000"/>
+            </a:xfrm>
+            <a:prstGeom prst="ellipse">
+              <a:avLst/>
+            </a:prstGeom>
+          </p:spPr>
+          <p:style>
+            <a:lnRef idx="2">
+              <a:schemeClr val="accent1">
+                <a:shade val="50000"/>
+              </a:schemeClr>
+            </a:lnRef>
+            <a:fillRef idx="1">
+              <a:schemeClr val="accent1"/>
+            </a:fillRef>
+            <a:effectRef idx="0">
+              <a:schemeClr val="accent1"/>
+            </a:effectRef>
+            <a:fontRef idx="minor">
+              <a:schemeClr val="lt1"/>
+            </a:fontRef>
+          </p:style>
+          <p:txBody>
+            <a:bodyPr rtlCol="0" anchor="ctr"/>
+            <a:lstStyle/>
+            <a:p>
+              <a:pPr algn="ctr"/>
+              <a:r>
+                <a:rPr lang="en-US" altLang="zh-CN" dirty="0"/>
+                <a:t>4</a:t>
+              </a:r>
+              <a:endParaRPr lang="zh-CN" altLang="en-US" dirty="0"/>
+            </a:p>
+          </p:txBody>
+        </p:sp>
+        <p:sp>
+          <p:nvSpPr>
+            <p:cNvPr id="69" name="椭圆 68">
+              <a:extLst>
+                <a:ext uri="{FF2B5EF4-FFF2-40B4-BE49-F238E27FC236}">
+                  <a16:creationId xmlns:a16="http://schemas.microsoft.com/office/drawing/2014/main" id="{3C775C5C-8A41-4EF7-B528-B788570ABAD7}"/>
+                </a:ext>
+              </a:extLst>
+            </p:cNvPr>
+            <p:cNvSpPr/>
+            <p:nvPr/>
+          </p:nvSpPr>
+          <p:spPr>
+            <a:xfrm flipH="1">
+              <a:off x="7770150" y="4780689"/>
+              <a:ext cx="540000" cy="540000"/>
+            </a:xfrm>
+            <a:prstGeom prst="ellipse">
+              <a:avLst/>
+            </a:prstGeom>
+          </p:spPr>
+          <p:style>
+            <a:lnRef idx="2">
+              <a:schemeClr val="accent4">
+                <a:shade val="50000"/>
+              </a:schemeClr>
+            </a:lnRef>
+            <a:fillRef idx="1">
+              <a:schemeClr val="accent4"/>
+            </a:fillRef>
+            <a:effectRef idx="0">
+              <a:schemeClr val="accent4"/>
+            </a:effectRef>
+            <a:fontRef idx="minor">
+              <a:schemeClr val="lt1"/>
+            </a:fontRef>
+          </p:style>
+          <p:txBody>
+            <a:bodyPr rtlCol="0" anchor="ctr"/>
+            <a:lstStyle/>
+            <a:p>
+              <a:pPr algn="ctr"/>
+              <a:r>
+                <a:rPr lang="en-US" altLang="zh-CN" dirty="0"/>
+                <a:t>3</a:t>
+              </a:r>
+              <a:endParaRPr lang="zh-CN" altLang="en-US" dirty="0"/>
+            </a:p>
+          </p:txBody>
+        </p:sp>
+        <p:cxnSp>
+          <p:nvCxnSpPr>
+            <p:cNvPr id="70" name="直接连接符 69">
+              <a:extLst>
+                <a:ext uri="{FF2B5EF4-FFF2-40B4-BE49-F238E27FC236}">
+                  <a16:creationId xmlns:a16="http://schemas.microsoft.com/office/drawing/2014/main" id="{C09E1EBD-79BE-47D2-91CA-BEEB9263B5F5}"/>
+                </a:ext>
+              </a:extLst>
+            </p:cNvPr>
+            <p:cNvCxnSpPr>
+              <a:stCxn id="64" idx="3"/>
+              <a:endCxn id="65" idx="7"/>
+            </p:cNvCxnSpPr>
+            <p:nvPr/>
+          </p:nvCxnSpPr>
+          <p:spPr>
+            <a:xfrm>
+              <a:off x="8501069" y="3539608"/>
+              <a:ext cx="473036" cy="468652"/>
+            </a:xfrm>
+            <a:prstGeom prst="line">
+              <a:avLst/>
+            </a:prstGeom>
+          </p:spPr>
+          <p:style>
+            <a:lnRef idx="3">
+              <a:schemeClr val="accent1"/>
+            </a:lnRef>
+            <a:fillRef idx="0">
+              <a:schemeClr val="accent1"/>
+            </a:fillRef>
+            <a:effectRef idx="2">
+              <a:schemeClr val="accent1"/>
+            </a:effectRef>
+            <a:fontRef idx="minor">
+              <a:schemeClr val="tx1"/>
+            </a:fontRef>
+          </p:style>
+        </p:cxnSp>
+        <p:cxnSp>
+          <p:nvCxnSpPr>
+            <p:cNvPr id="71" name="直接连接符 70">
+              <a:extLst>
+                <a:ext uri="{FF2B5EF4-FFF2-40B4-BE49-F238E27FC236}">
+                  <a16:creationId xmlns:a16="http://schemas.microsoft.com/office/drawing/2014/main" id="{03AFF21E-F453-4621-8980-19529BD0597C}"/>
+                </a:ext>
+              </a:extLst>
+            </p:cNvPr>
+            <p:cNvCxnSpPr>
+              <a:cxnSpLocks/>
+              <a:stCxn id="64" idx="5"/>
+              <a:endCxn id="68" idx="0"/>
+            </p:cNvCxnSpPr>
+            <p:nvPr/>
+          </p:nvCxnSpPr>
+          <p:spPr>
+            <a:xfrm flipH="1">
+              <a:off x="7579231" y="3539608"/>
+              <a:ext cx="540000" cy="388131"/>
+            </a:xfrm>
+            <a:prstGeom prst="line">
+              <a:avLst/>
+            </a:prstGeom>
+          </p:spPr>
+          <p:style>
+            <a:lnRef idx="3">
+              <a:schemeClr val="accent1"/>
+            </a:lnRef>
+            <a:fillRef idx="0">
+              <a:schemeClr val="accent1"/>
+            </a:fillRef>
+            <a:effectRef idx="2">
+              <a:schemeClr val="accent1"/>
+            </a:effectRef>
+            <a:fontRef idx="minor">
+              <a:schemeClr val="tx1"/>
+            </a:fontRef>
+          </p:style>
+        </p:cxnSp>
+        <p:cxnSp>
+          <p:nvCxnSpPr>
+            <p:cNvPr id="72" name="直接连接符 71">
+              <a:extLst>
+                <a:ext uri="{FF2B5EF4-FFF2-40B4-BE49-F238E27FC236}">
+                  <a16:creationId xmlns:a16="http://schemas.microsoft.com/office/drawing/2014/main" id="{99F9E117-A32C-491A-A7EA-DDA2ABFB36A1}"/>
+                </a:ext>
+              </a:extLst>
+            </p:cNvPr>
+            <p:cNvCxnSpPr>
+              <a:cxnSpLocks/>
+              <a:stCxn id="66" idx="0"/>
+              <a:endCxn id="68" idx="0"/>
+            </p:cNvCxnSpPr>
+            <p:nvPr/>
+          </p:nvCxnSpPr>
+          <p:spPr>
+            <a:xfrm flipV="1">
+              <a:off x="7039231" y="3927739"/>
+              <a:ext cx="540000" cy="854350"/>
+            </a:xfrm>
+            <a:prstGeom prst="line">
+              <a:avLst/>
+            </a:prstGeom>
+          </p:spPr>
+          <p:style>
+            <a:lnRef idx="3">
+              <a:schemeClr val="accent1"/>
+            </a:lnRef>
+            <a:fillRef idx="0">
+              <a:schemeClr val="accent1"/>
+            </a:fillRef>
+            <a:effectRef idx="2">
+              <a:schemeClr val="accent1"/>
+            </a:effectRef>
+            <a:fontRef idx="minor">
+              <a:schemeClr val="tx1"/>
+            </a:fontRef>
+          </p:style>
+        </p:cxnSp>
+        <p:cxnSp>
+          <p:nvCxnSpPr>
+            <p:cNvPr id="73" name="直接连接符 72">
+              <a:extLst>
+                <a:ext uri="{FF2B5EF4-FFF2-40B4-BE49-F238E27FC236}">
+                  <a16:creationId xmlns:a16="http://schemas.microsoft.com/office/drawing/2014/main" id="{15E7EB2D-22F1-4402-90E5-3EF8B502D6A5}"/>
+                </a:ext>
+              </a:extLst>
+            </p:cNvPr>
+            <p:cNvCxnSpPr>
+              <a:cxnSpLocks/>
+              <a:stCxn id="66" idx="5"/>
+              <a:endCxn id="67" idx="0"/>
+            </p:cNvCxnSpPr>
+            <p:nvPr/>
+          </p:nvCxnSpPr>
+          <p:spPr>
+            <a:xfrm flipH="1">
+              <a:off x="6488202" y="5243008"/>
+              <a:ext cx="360110" cy="420125"/>
+            </a:xfrm>
+            <a:prstGeom prst="line">
+              <a:avLst/>
+            </a:prstGeom>
+          </p:spPr>
+          <p:style>
+            <a:lnRef idx="3">
+              <a:schemeClr val="accent1"/>
+            </a:lnRef>
+            <a:fillRef idx="0">
+              <a:schemeClr val="accent1"/>
+            </a:fillRef>
+            <a:effectRef idx="2">
+              <a:schemeClr val="accent1"/>
+            </a:effectRef>
+            <a:fontRef idx="minor">
+              <a:schemeClr val="tx1"/>
+            </a:fontRef>
+          </p:style>
+        </p:cxnSp>
+        <p:cxnSp>
+          <p:nvCxnSpPr>
+            <p:cNvPr id="74" name="直接连接符 73">
+              <a:extLst>
+                <a:ext uri="{FF2B5EF4-FFF2-40B4-BE49-F238E27FC236}">
+                  <a16:creationId xmlns:a16="http://schemas.microsoft.com/office/drawing/2014/main" id="{439922C0-4E12-40B4-BD9B-7B8990C96075}"/>
+                </a:ext>
+              </a:extLst>
+            </p:cNvPr>
+            <p:cNvCxnSpPr>
+              <a:cxnSpLocks/>
+              <a:stCxn id="68" idx="3"/>
+              <a:endCxn id="69" idx="0"/>
+            </p:cNvCxnSpPr>
+            <p:nvPr/>
+          </p:nvCxnSpPr>
+          <p:spPr>
+            <a:xfrm>
+              <a:off x="7770150" y="4388658"/>
+              <a:ext cx="270000" cy="392031"/>
+            </a:xfrm>
+            <a:prstGeom prst="line">
+              <a:avLst/>
+            </a:prstGeom>
+          </p:spPr>
+          <p:style>
+            <a:lnRef idx="3">
+              <a:schemeClr val="accent1"/>
+            </a:lnRef>
+            <a:fillRef idx="0">
+              <a:schemeClr val="accent1"/>
+            </a:fillRef>
+            <a:effectRef idx="2">
+              <a:schemeClr val="accent1"/>
+            </a:effectRef>
+            <a:fontRef idx="minor">
+              <a:schemeClr val="tx1"/>
+            </a:fontRef>
+          </p:style>
+        </p:cxnSp>
+      </p:grpSp>
       <p:sp>
         <p:nvSpPr>
-          <p:cNvPr id="37" name="文本框 36">
+          <p:cNvPr id="29" name="文本框 28">
             <a:extLst>
               <a:ext uri="{FF2B5EF4-FFF2-40B4-BE49-F238E27FC236}">
-                <a16:creationId xmlns:a16="http://schemas.microsoft.com/office/drawing/2014/main" id="{5A630AB5-3557-43FB-8A1C-F048F378A28E}"/>
+                <a16:creationId xmlns:a16="http://schemas.microsoft.com/office/drawing/2014/main" id="{1D6A488E-22E9-48DA-A989-02E8DA2DEC85}"/>
               </a:ext>
             </a:extLst>
           </p:cNvPr>
@@ -9947,14 +12044,14 @@
                 <a:latin typeface="黑体" panose="02010609060101010101" pitchFamily="49" charset="-122"/>
                 <a:ea typeface="黑体" panose="02010609060101010101" pitchFamily="49" charset="-122"/>
               </a:rPr>
-              <a:t>leftrightRotate</a:t>
+              <a:t>rightleftRotate</a:t>
             </a:r>
             <a:r>
               <a:rPr lang="en-US" altLang="zh-CN" dirty="0">
                 <a:latin typeface="黑体" panose="02010609060101010101" pitchFamily="49" charset="-122"/>
                 <a:ea typeface="黑体" panose="02010609060101010101" pitchFamily="49" charset="-122"/>
               </a:rPr>
-              <a:t>(Node* par, Node* son)</a:t>
+              <a:t>(Node* par, Node* pre)</a:t>
             </a:r>
           </a:p>
           <a:p>
@@ -9963,7 +12060,7 @@
                 <a:latin typeface="黑体" panose="02010609060101010101" pitchFamily="49" charset="-122"/>
                 <a:ea typeface="黑体" panose="02010609060101010101" pitchFamily="49" charset="-122"/>
               </a:rPr>
-              <a:t>Use when par-&gt;left-&gt;height &gt; (par-&gt;right-&gt;height + 1) &amp;&amp;</a:t>
+              <a:t>Use when par-&gt;right-&gt;height &gt; (par-&gt;left-&gt;height + 1) &amp;&amp;</a:t>
             </a:r>
           </a:p>
           <a:p>
@@ -9972,7 +12069,7 @@
                 <a:latin typeface="黑体" panose="02010609060101010101" pitchFamily="49" charset="-122"/>
                 <a:ea typeface="黑体" panose="02010609060101010101" pitchFamily="49" charset="-122"/>
               </a:rPr>
-              <a:t>         pre-&gt;left-&gt;height &lt; pre-&gt;right-&gt;height</a:t>
+              <a:t>         pre-&gt;right-&gt;height &lt; pre-&gt;left-&gt;height</a:t>
             </a:r>
             <a:endParaRPr lang="zh-CN" altLang="en-US" dirty="0">
               <a:latin typeface="黑体" panose="02010609060101010101" pitchFamily="49" charset="-122"/>
@@ -9983,10 +12080,10 @@
       </p:sp>
       <p:grpSp>
         <p:nvGrpSpPr>
-          <p:cNvPr id="38" name="组合 37">
+          <p:cNvPr id="30" name="组合 29">
             <a:extLst>
               <a:ext uri="{FF2B5EF4-FFF2-40B4-BE49-F238E27FC236}">
-                <a16:creationId xmlns:a16="http://schemas.microsoft.com/office/drawing/2014/main" id="{BF184CE2-05B3-4813-BD7C-98915B0BC42D}"/>
+                <a16:creationId xmlns:a16="http://schemas.microsoft.com/office/drawing/2014/main" id="{EB86F69A-69AC-42A7-8265-7D76B33106CB}"/>
               </a:ext>
             </a:extLst>
           </p:cNvPr>
@@ -9994,19 +12091,19 @@
           <p:nvPr/>
         </p:nvGrpSpPr>
         <p:grpSpPr>
-          <a:xfrm>
-            <a:off x="1551010" y="3000328"/>
-            <a:ext cx="3216822" cy="3124444"/>
-            <a:chOff x="6218202" y="3078689"/>
-            <a:chExt cx="3216822" cy="3124444"/>
+          <a:xfrm flipH="1">
+            <a:off x="2297945" y="3217747"/>
+            <a:ext cx="2744874" cy="3125884"/>
+            <a:chOff x="4611862" y="2084191"/>
+            <a:chExt cx="2744874" cy="3125884"/>
           </a:xfrm>
         </p:grpSpPr>
         <p:sp>
           <p:nvSpPr>
-            <p:cNvPr id="39" name="椭圆 38">
-              <a:extLst>
-                <a:ext uri="{FF2B5EF4-FFF2-40B4-BE49-F238E27FC236}">
-                  <a16:creationId xmlns:a16="http://schemas.microsoft.com/office/drawing/2014/main" id="{6C97F802-91CF-4BD3-9C15-F0F14073C528}"/>
+            <p:cNvPr id="31" name="椭圆 30">
+              <a:extLst>
+                <a:ext uri="{FF2B5EF4-FFF2-40B4-BE49-F238E27FC236}">
+                  <a16:creationId xmlns:a16="http://schemas.microsoft.com/office/drawing/2014/main" id="{3C5AAC61-19C3-4235-8154-D9A5F7830B12}"/>
                 </a:ext>
               </a:extLst>
             </p:cNvPr>
@@ -10015,7 +12112,7 @@
           </p:nvSpPr>
           <p:spPr>
             <a:xfrm flipH="1">
-              <a:off x="8040150" y="3078689"/>
+              <a:off x="5961862" y="2084191"/>
               <a:ext cx="540000" cy="540000"/>
             </a:xfrm>
             <a:prstGeom prst="ellipse">
@@ -10033,6 +12130,106 @@
             </a:fillRef>
             <a:effectRef idx="0">
               <a:schemeClr val="accent2"/>
+            </a:effectRef>
+            <a:fontRef idx="minor">
+              <a:schemeClr val="lt1"/>
+            </a:fontRef>
+          </p:style>
+          <p:txBody>
+            <a:bodyPr rtlCol="0" anchor="ctr"/>
+            <a:lstStyle/>
+            <a:p>
+              <a:pPr algn="ctr"/>
+              <a:r>
+                <a:rPr lang="en-US" altLang="zh-CN" dirty="0"/>
+                <a:t>2</a:t>
+              </a:r>
+              <a:endParaRPr lang="zh-CN" altLang="en-US" dirty="0"/>
+            </a:p>
+          </p:txBody>
+        </p:sp>
+        <p:sp>
+          <p:nvSpPr>
+            <p:cNvPr id="33" name="椭圆 32">
+              <a:extLst>
+                <a:ext uri="{FF2B5EF4-FFF2-40B4-BE49-F238E27FC236}">
+                  <a16:creationId xmlns:a16="http://schemas.microsoft.com/office/drawing/2014/main" id="{27573604-2924-46CB-B3A3-A5882DC84BB5}"/>
+                </a:ext>
+              </a:extLst>
+            </p:cNvPr>
+            <p:cNvSpPr/>
+            <p:nvPr/>
+          </p:nvSpPr>
+          <p:spPr>
+            <a:xfrm flipH="1">
+              <a:off x="6816736" y="2934681"/>
+              <a:ext cx="540000" cy="540000"/>
+            </a:xfrm>
+            <a:prstGeom prst="ellipse">
+              <a:avLst/>
+            </a:prstGeom>
+          </p:spPr>
+          <p:style>
+            <a:lnRef idx="2">
+              <a:schemeClr val="accent1">
+                <a:shade val="50000"/>
+              </a:schemeClr>
+            </a:lnRef>
+            <a:fillRef idx="1">
+              <a:schemeClr val="accent1"/>
+            </a:fillRef>
+            <a:effectRef idx="0">
+              <a:schemeClr val="accent1"/>
+            </a:effectRef>
+            <a:fontRef idx="minor">
+              <a:schemeClr val="lt1"/>
+            </a:fontRef>
+          </p:style>
+          <p:txBody>
+            <a:bodyPr rtlCol="0" anchor="ctr"/>
+            <a:lstStyle/>
+            <a:p>
+              <a:pPr algn="ctr"/>
+              <a:r>
+                <a:rPr lang="en-US" altLang="zh-CN" dirty="0"/>
+                <a:t>1</a:t>
+              </a:r>
+              <a:endParaRPr lang="zh-CN" altLang="en-US" dirty="0"/>
+            </a:p>
+          </p:txBody>
+        </p:sp>
+        <p:sp>
+          <p:nvSpPr>
+            <p:cNvPr id="34" name="椭圆 33">
+              <a:extLst>
+                <a:ext uri="{FF2B5EF4-FFF2-40B4-BE49-F238E27FC236}">
+                  <a16:creationId xmlns:a16="http://schemas.microsoft.com/office/drawing/2014/main" id="{9C409ED8-E318-4043-8206-1936AE1B22C1}"/>
+                </a:ext>
+              </a:extLst>
+            </p:cNvPr>
+            <p:cNvSpPr/>
+            <p:nvPr/>
+          </p:nvSpPr>
+          <p:spPr>
+            <a:xfrm flipH="1">
+              <a:off x="5151862" y="2934681"/>
+              <a:ext cx="540000" cy="540000"/>
+            </a:xfrm>
+            <a:prstGeom prst="ellipse">
+              <a:avLst/>
+            </a:prstGeom>
+          </p:spPr>
+          <p:style>
+            <a:lnRef idx="2">
+              <a:schemeClr val="accent6">
+                <a:shade val="50000"/>
+              </a:schemeClr>
+            </a:lnRef>
+            <a:fillRef idx="1">
+              <a:schemeClr val="accent6"/>
+            </a:fillRef>
+            <a:effectRef idx="0">
+              <a:schemeClr val="accent6"/>
             </a:effectRef>
             <a:fontRef idx="minor">
               <a:schemeClr val="lt1"/>
@@ -10053,10 +12250,10 @@
         </p:sp>
         <p:sp>
           <p:nvSpPr>
-            <p:cNvPr id="40" name="椭圆 39">
-              <a:extLst>
-                <a:ext uri="{FF2B5EF4-FFF2-40B4-BE49-F238E27FC236}">
-                  <a16:creationId xmlns:a16="http://schemas.microsoft.com/office/drawing/2014/main" id="{F1E4EFA5-4527-4DB5-BA52-B88687E40503}"/>
+            <p:cNvPr id="35" name="椭圆 34">
+              <a:extLst>
+                <a:ext uri="{FF2B5EF4-FFF2-40B4-BE49-F238E27FC236}">
+                  <a16:creationId xmlns:a16="http://schemas.microsoft.com/office/drawing/2014/main" id="{9C1E389C-0F4F-4EE2-B238-635906F77244}"/>
                 </a:ext>
               </a:extLst>
             </p:cNvPr>
@@ -10065,7 +12262,7 @@
           </p:nvSpPr>
           <p:spPr>
             <a:xfrm flipH="1">
-              <a:off x="8895024" y="3929179"/>
+              <a:off x="4611862" y="3787631"/>
               <a:ext cx="540000" cy="540000"/>
             </a:xfrm>
             <a:prstGeom prst="ellipse">
@@ -10103,1285 +12300,10 @@
         </p:sp>
         <p:sp>
           <p:nvSpPr>
-            <p:cNvPr id="42" name="椭圆 41">
-              <a:extLst>
-                <a:ext uri="{FF2B5EF4-FFF2-40B4-BE49-F238E27FC236}">
-                  <a16:creationId xmlns:a16="http://schemas.microsoft.com/office/drawing/2014/main" id="{84DD558B-85F4-45CA-A175-F58BC026CA2D}"/>
-                </a:ext>
-              </a:extLst>
-            </p:cNvPr>
-            <p:cNvSpPr/>
-            <p:nvPr/>
-          </p:nvSpPr>
-          <p:spPr>
-            <a:xfrm flipH="1">
-              <a:off x="6769231" y="4782089"/>
-              <a:ext cx="540000" cy="540000"/>
-            </a:xfrm>
-            <a:prstGeom prst="ellipse">
-              <a:avLst/>
-            </a:prstGeom>
-          </p:spPr>
-          <p:style>
-            <a:lnRef idx="2">
-              <a:schemeClr val="accent6">
-                <a:shade val="50000"/>
-              </a:schemeClr>
-            </a:lnRef>
-            <a:fillRef idx="1">
-              <a:schemeClr val="accent6"/>
-            </a:fillRef>
-            <a:effectRef idx="0">
-              <a:schemeClr val="accent6"/>
-            </a:effectRef>
-            <a:fontRef idx="minor">
-              <a:schemeClr val="lt1"/>
-            </a:fontRef>
-          </p:style>
-          <p:txBody>
-            <a:bodyPr rtlCol="0" anchor="ctr"/>
-            <a:lstStyle/>
-            <a:p>
-              <a:pPr algn="ctr"/>
-              <a:r>
-                <a:rPr lang="en-US" altLang="zh-CN" dirty="0"/>
-                <a:t>2</a:t>
-              </a:r>
-              <a:endParaRPr lang="zh-CN" altLang="en-US" dirty="0"/>
-            </a:p>
-          </p:txBody>
-        </p:sp>
-        <p:sp>
-          <p:nvSpPr>
-            <p:cNvPr id="43" name="椭圆 42">
-              <a:extLst>
-                <a:ext uri="{FF2B5EF4-FFF2-40B4-BE49-F238E27FC236}">
-                  <a16:creationId xmlns:a16="http://schemas.microsoft.com/office/drawing/2014/main" id="{B69B0587-A774-4A64-A54F-0F870D0C57CD}"/>
-                </a:ext>
-              </a:extLst>
-            </p:cNvPr>
-            <p:cNvSpPr/>
-            <p:nvPr/>
-          </p:nvSpPr>
-          <p:spPr>
-            <a:xfrm flipH="1">
-              <a:off x="6218202" y="5663133"/>
-              <a:ext cx="540000" cy="540000"/>
-            </a:xfrm>
-            <a:prstGeom prst="ellipse">
-              <a:avLst/>
-            </a:prstGeom>
-          </p:spPr>
-          <p:style>
-            <a:lnRef idx="2">
-              <a:schemeClr val="accent1">
-                <a:shade val="50000"/>
-              </a:schemeClr>
-            </a:lnRef>
-            <a:fillRef idx="1">
-              <a:schemeClr val="accent1"/>
-            </a:fillRef>
-            <a:effectRef idx="0">
-              <a:schemeClr val="accent1"/>
-            </a:effectRef>
-            <a:fontRef idx="minor">
-              <a:schemeClr val="lt1"/>
-            </a:fontRef>
-          </p:style>
-          <p:txBody>
-            <a:bodyPr rtlCol="0" anchor="ctr"/>
-            <a:lstStyle/>
-            <a:p>
-              <a:pPr algn="ctr"/>
-              <a:r>
-                <a:rPr lang="en-US" altLang="zh-CN" dirty="0"/>
-                <a:t>1</a:t>
-              </a:r>
-              <a:endParaRPr lang="zh-CN" altLang="en-US" dirty="0"/>
-            </a:p>
-          </p:txBody>
-        </p:sp>
-        <p:sp>
-          <p:nvSpPr>
-            <p:cNvPr id="44" name="椭圆 43">
-              <a:extLst>
-                <a:ext uri="{FF2B5EF4-FFF2-40B4-BE49-F238E27FC236}">
-                  <a16:creationId xmlns:a16="http://schemas.microsoft.com/office/drawing/2014/main" id="{C965B53B-933A-427A-B4BD-C5FB22A968F2}"/>
-                </a:ext>
-              </a:extLst>
-            </p:cNvPr>
-            <p:cNvSpPr/>
-            <p:nvPr/>
-          </p:nvSpPr>
-          <p:spPr>
-            <a:xfrm flipH="1">
-              <a:off x="7309231" y="3927739"/>
-              <a:ext cx="540000" cy="540000"/>
-            </a:xfrm>
-            <a:prstGeom prst="ellipse">
-              <a:avLst/>
-            </a:prstGeom>
-          </p:spPr>
-          <p:style>
-            <a:lnRef idx="2">
-              <a:schemeClr val="accent1">
-                <a:shade val="50000"/>
-              </a:schemeClr>
-            </a:lnRef>
-            <a:fillRef idx="1">
-              <a:schemeClr val="accent1"/>
-            </a:fillRef>
-            <a:effectRef idx="0">
-              <a:schemeClr val="accent1"/>
-            </a:effectRef>
-            <a:fontRef idx="minor">
-              <a:schemeClr val="lt1"/>
-            </a:fontRef>
-          </p:style>
-          <p:txBody>
-            <a:bodyPr rtlCol="0" anchor="ctr"/>
-            <a:lstStyle/>
-            <a:p>
-              <a:pPr algn="ctr"/>
-              <a:r>
-                <a:rPr lang="en-US" altLang="zh-CN" dirty="0"/>
-                <a:t>3</a:t>
-              </a:r>
-              <a:endParaRPr lang="zh-CN" altLang="en-US" dirty="0"/>
-            </a:p>
-          </p:txBody>
-        </p:sp>
-        <p:sp>
-          <p:nvSpPr>
-            <p:cNvPr id="45" name="椭圆 44">
-              <a:extLst>
-                <a:ext uri="{FF2B5EF4-FFF2-40B4-BE49-F238E27FC236}">
-                  <a16:creationId xmlns:a16="http://schemas.microsoft.com/office/drawing/2014/main" id="{D464CFE1-4CFF-46A5-BDB8-BF47AEBF68A9}"/>
-                </a:ext>
-              </a:extLst>
-            </p:cNvPr>
-            <p:cNvSpPr/>
-            <p:nvPr/>
-          </p:nvSpPr>
-          <p:spPr>
-            <a:xfrm flipH="1">
-              <a:off x="7770150" y="4780689"/>
-              <a:ext cx="540000" cy="540000"/>
-            </a:xfrm>
-            <a:prstGeom prst="ellipse">
-              <a:avLst/>
-            </a:prstGeom>
-          </p:spPr>
-          <p:style>
-            <a:lnRef idx="2">
-              <a:schemeClr val="accent4">
-                <a:shade val="50000"/>
-              </a:schemeClr>
-            </a:lnRef>
-            <a:fillRef idx="1">
-              <a:schemeClr val="accent4"/>
-            </a:fillRef>
-            <a:effectRef idx="0">
-              <a:schemeClr val="accent4"/>
-            </a:effectRef>
-            <a:fontRef idx="minor">
-              <a:schemeClr val="lt1"/>
-            </a:fontRef>
-          </p:style>
-          <p:txBody>
-            <a:bodyPr rtlCol="0" anchor="ctr"/>
-            <a:lstStyle/>
-            <a:p>
-              <a:pPr algn="ctr"/>
-              <a:r>
-                <a:rPr lang="en-US" altLang="zh-CN" dirty="0"/>
-                <a:t>4</a:t>
-              </a:r>
-              <a:endParaRPr lang="zh-CN" altLang="en-US" dirty="0"/>
-            </a:p>
-          </p:txBody>
-        </p:sp>
-        <p:cxnSp>
-          <p:nvCxnSpPr>
-            <p:cNvPr id="46" name="直接连接符 45">
-              <a:extLst>
-                <a:ext uri="{FF2B5EF4-FFF2-40B4-BE49-F238E27FC236}">
-                  <a16:creationId xmlns:a16="http://schemas.microsoft.com/office/drawing/2014/main" id="{D6EE93C3-CF33-469D-BE55-DA08028728D0}"/>
-                </a:ext>
-              </a:extLst>
-            </p:cNvPr>
-            <p:cNvCxnSpPr>
-              <a:stCxn id="39" idx="3"/>
-              <a:endCxn id="40" idx="7"/>
-            </p:cNvCxnSpPr>
-            <p:nvPr/>
-          </p:nvCxnSpPr>
-          <p:spPr>
-            <a:xfrm>
-              <a:off x="8501069" y="3539608"/>
-              <a:ext cx="473036" cy="468652"/>
-            </a:xfrm>
-            <a:prstGeom prst="line">
-              <a:avLst/>
-            </a:prstGeom>
-          </p:spPr>
-          <p:style>
-            <a:lnRef idx="3">
-              <a:schemeClr val="accent1"/>
-            </a:lnRef>
-            <a:fillRef idx="0">
-              <a:schemeClr val="accent1"/>
-            </a:fillRef>
-            <a:effectRef idx="2">
-              <a:schemeClr val="accent1"/>
-            </a:effectRef>
-            <a:fontRef idx="minor">
-              <a:schemeClr val="tx1"/>
-            </a:fontRef>
-          </p:style>
-        </p:cxnSp>
-        <p:cxnSp>
-          <p:nvCxnSpPr>
-            <p:cNvPr id="47" name="直接连接符 46">
-              <a:extLst>
-                <a:ext uri="{FF2B5EF4-FFF2-40B4-BE49-F238E27FC236}">
-                  <a16:creationId xmlns:a16="http://schemas.microsoft.com/office/drawing/2014/main" id="{1E78AA32-46FC-4142-B69B-5FEA5169772C}"/>
-                </a:ext>
-              </a:extLst>
-            </p:cNvPr>
-            <p:cNvCxnSpPr>
-              <a:cxnSpLocks/>
-              <a:stCxn id="39" idx="5"/>
-              <a:endCxn id="44" idx="0"/>
-            </p:cNvCxnSpPr>
-            <p:nvPr/>
-          </p:nvCxnSpPr>
-          <p:spPr>
-            <a:xfrm flipH="1">
-              <a:off x="7579231" y="3539608"/>
-              <a:ext cx="540000" cy="388131"/>
-            </a:xfrm>
-            <a:prstGeom prst="line">
-              <a:avLst/>
-            </a:prstGeom>
-          </p:spPr>
-          <p:style>
-            <a:lnRef idx="3">
-              <a:schemeClr val="accent1"/>
-            </a:lnRef>
-            <a:fillRef idx="0">
-              <a:schemeClr val="accent1"/>
-            </a:fillRef>
-            <a:effectRef idx="2">
-              <a:schemeClr val="accent1"/>
-            </a:effectRef>
-            <a:fontRef idx="minor">
-              <a:schemeClr val="tx1"/>
-            </a:fontRef>
-          </p:style>
-        </p:cxnSp>
-        <p:cxnSp>
-          <p:nvCxnSpPr>
-            <p:cNvPr id="48" name="直接连接符 47">
-              <a:extLst>
-                <a:ext uri="{FF2B5EF4-FFF2-40B4-BE49-F238E27FC236}">
-                  <a16:creationId xmlns:a16="http://schemas.microsoft.com/office/drawing/2014/main" id="{B9D7D618-717B-409E-AAFC-DC967D863688}"/>
-                </a:ext>
-              </a:extLst>
-            </p:cNvPr>
-            <p:cNvCxnSpPr>
-              <a:cxnSpLocks/>
-              <a:stCxn id="42" idx="0"/>
-              <a:endCxn id="44" idx="0"/>
-            </p:cNvCxnSpPr>
-            <p:nvPr/>
-          </p:nvCxnSpPr>
-          <p:spPr>
-            <a:xfrm flipV="1">
-              <a:off x="7039231" y="3927739"/>
-              <a:ext cx="540000" cy="854350"/>
-            </a:xfrm>
-            <a:prstGeom prst="line">
-              <a:avLst/>
-            </a:prstGeom>
-          </p:spPr>
-          <p:style>
-            <a:lnRef idx="3">
-              <a:schemeClr val="accent1"/>
-            </a:lnRef>
-            <a:fillRef idx="0">
-              <a:schemeClr val="accent1"/>
-            </a:fillRef>
-            <a:effectRef idx="2">
-              <a:schemeClr val="accent1"/>
-            </a:effectRef>
-            <a:fontRef idx="minor">
-              <a:schemeClr val="tx1"/>
-            </a:fontRef>
-          </p:style>
-        </p:cxnSp>
-        <p:cxnSp>
-          <p:nvCxnSpPr>
-            <p:cNvPr id="52" name="直接连接符 51">
-              <a:extLst>
-                <a:ext uri="{FF2B5EF4-FFF2-40B4-BE49-F238E27FC236}">
-                  <a16:creationId xmlns:a16="http://schemas.microsoft.com/office/drawing/2014/main" id="{8BE382D1-D2D2-48FB-BE6C-B8A8DC57FF41}"/>
-                </a:ext>
-              </a:extLst>
-            </p:cNvPr>
-            <p:cNvCxnSpPr>
-              <a:cxnSpLocks/>
-              <a:stCxn id="42" idx="5"/>
-              <a:endCxn id="43" idx="0"/>
-            </p:cNvCxnSpPr>
-            <p:nvPr/>
-          </p:nvCxnSpPr>
-          <p:spPr>
-            <a:xfrm flipH="1">
-              <a:off x="6488202" y="5243008"/>
-              <a:ext cx="360110" cy="420125"/>
-            </a:xfrm>
-            <a:prstGeom prst="line">
-              <a:avLst/>
-            </a:prstGeom>
-          </p:spPr>
-          <p:style>
-            <a:lnRef idx="3">
-              <a:schemeClr val="accent1"/>
-            </a:lnRef>
-            <a:fillRef idx="0">
-              <a:schemeClr val="accent1"/>
-            </a:fillRef>
-            <a:effectRef idx="2">
-              <a:schemeClr val="accent1"/>
-            </a:effectRef>
-            <a:fontRef idx="minor">
-              <a:schemeClr val="tx1"/>
-            </a:fontRef>
-          </p:style>
-        </p:cxnSp>
-        <p:cxnSp>
-          <p:nvCxnSpPr>
-            <p:cNvPr id="53" name="直接连接符 52">
-              <a:extLst>
-                <a:ext uri="{FF2B5EF4-FFF2-40B4-BE49-F238E27FC236}">
-                  <a16:creationId xmlns:a16="http://schemas.microsoft.com/office/drawing/2014/main" id="{5518918C-1170-425B-BB5D-5EAFA432DC36}"/>
-                </a:ext>
-              </a:extLst>
-            </p:cNvPr>
-            <p:cNvCxnSpPr>
-              <a:cxnSpLocks/>
-              <a:stCxn id="44" idx="3"/>
-              <a:endCxn id="45" idx="0"/>
-            </p:cNvCxnSpPr>
-            <p:nvPr/>
-          </p:nvCxnSpPr>
-          <p:spPr>
-            <a:xfrm>
-              <a:off x="7770150" y="4388658"/>
-              <a:ext cx="270000" cy="392031"/>
-            </a:xfrm>
-            <a:prstGeom prst="line">
-              <a:avLst/>
-            </a:prstGeom>
-          </p:spPr>
-          <p:style>
-            <a:lnRef idx="3">
-              <a:schemeClr val="accent1"/>
-            </a:lnRef>
-            <a:fillRef idx="0">
-              <a:schemeClr val="accent1"/>
-            </a:fillRef>
-            <a:effectRef idx="2">
-              <a:schemeClr val="accent1"/>
-            </a:effectRef>
-            <a:fontRef idx="minor">
-              <a:schemeClr val="tx1"/>
-            </a:fontRef>
-          </p:style>
-        </p:cxnSp>
-      </p:grpSp>
-      <p:grpSp>
-        <p:nvGrpSpPr>
-          <p:cNvPr id="23" name="组合 22">
-            <a:extLst>
-              <a:ext uri="{FF2B5EF4-FFF2-40B4-BE49-F238E27FC236}">
-                <a16:creationId xmlns:a16="http://schemas.microsoft.com/office/drawing/2014/main" id="{8D208833-0F5C-488D-A85F-1D8CD76ED44E}"/>
-              </a:ext>
-            </a:extLst>
-          </p:cNvPr>
-          <p:cNvGrpSpPr/>
-          <p:nvPr/>
-        </p:nvGrpSpPr>
-        <p:grpSpPr>
-          <a:xfrm>
-            <a:off x="7169134" y="2990189"/>
-            <a:ext cx="3148434" cy="2258967"/>
-            <a:chOff x="7169134" y="2990189"/>
-            <a:chExt cx="3148434" cy="2258967"/>
-          </a:xfrm>
-        </p:grpSpPr>
-        <p:sp>
-          <p:nvSpPr>
-            <p:cNvPr id="55" name="椭圆 54">
-              <a:extLst>
-                <a:ext uri="{FF2B5EF4-FFF2-40B4-BE49-F238E27FC236}">
-                  <a16:creationId xmlns:a16="http://schemas.microsoft.com/office/drawing/2014/main" id="{0F963843-8A81-41F8-9B31-3D99AC909D5C}"/>
-                </a:ext>
-              </a:extLst>
-            </p:cNvPr>
-            <p:cNvSpPr/>
-            <p:nvPr/>
-          </p:nvSpPr>
-          <p:spPr>
-            <a:xfrm flipH="1">
-              <a:off x="9154871" y="3849378"/>
-              <a:ext cx="540000" cy="540000"/>
-            </a:xfrm>
-            <a:prstGeom prst="ellipse">
-              <a:avLst/>
-            </a:prstGeom>
-          </p:spPr>
-          <p:style>
-            <a:lnRef idx="2">
-              <a:schemeClr val="accent2">
-                <a:shade val="50000"/>
-              </a:schemeClr>
-            </a:lnRef>
-            <a:fillRef idx="1">
-              <a:schemeClr val="accent2"/>
-            </a:fillRef>
-            <a:effectRef idx="0">
-              <a:schemeClr val="accent2"/>
-            </a:effectRef>
-            <a:fontRef idx="minor">
-              <a:schemeClr val="lt1"/>
-            </a:fontRef>
-          </p:style>
-          <p:txBody>
-            <a:bodyPr rtlCol="0" anchor="ctr"/>
-            <a:lstStyle/>
-            <a:p>
-              <a:pPr algn="ctr"/>
-              <a:r>
-                <a:rPr lang="en-US" altLang="zh-CN" dirty="0"/>
-                <a:t>5</a:t>
-              </a:r>
-              <a:endParaRPr lang="zh-CN" altLang="en-US" dirty="0"/>
-            </a:p>
-          </p:txBody>
-        </p:sp>
-        <p:sp>
-          <p:nvSpPr>
-            <p:cNvPr id="56" name="椭圆 55">
-              <a:extLst>
-                <a:ext uri="{FF2B5EF4-FFF2-40B4-BE49-F238E27FC236}">
-                  <a16:creationId xmlns:a16="http://schemas.microsoft.com/office/drawing/2014/main" id="{FDE0405A-0EA1-436D-83AD-88AAF7A3D03A}"/>
-                </a:ext>
-              </a:extLst>
-            </p:cNvPr>
-            <p:cNvSpPr/>
-            <p:nvPr/>
-          </p:nvSpPr>
-          <p:spPr>
-            <a:xfrm flipH="1">
-              <a:off x="9777568" y="4709156"/>
-              <a:ext cx="540000" cy="540000"/>
-            </a:xfrm>
-            <a:prstGeom prst="ellipse">
-              <a:avLst/>
-            </a:prstGeom>
-          </p:spPr>
-          <p:style>
-            <a:lnRef idx="2">
-              <a:schemeClr val="accent1">
-                <a:shade val="50000"/>
-              </a:schemeClr>
-            </a:lnRef>
-            <a:fillRef idx="1">
-              <a:schemeClr val="accent1"/>
-            </a:fillRef>
-            <a:effectRef idx="0">
-              <a:schemeClr val="accent1"/>
-            </a:effectRef>
-            <a:fontRef idx="minor">
-              <a:schemeClr val="lt1"/>
-            </a:fontRef>
-          </p:style>
-          <p:txBody>
-            <a:bodyPr rtlCol="0" anchor="ctr"/>
-            <a:lstStyle/>
-            <a:p>
-              <a:pPr algn="ctr"/>
-              <a:r>
-                <a:rPr lang="en-US" altLang="zh-CN" dirty="0"/>
-                <a:t>6</a:t>
-              </a:r>
-              <a:endParaRPr lang="zh-CN" altLang="en-US" dirty="0"/>
-            </a:p>
-          </p:txBody>
-        </p:sp>
-        <p:sp>
-          <p:nvSpPr>
-            <p:cNvPr id="57" name="椭圆 56">
-              <a:extLst>
-                <a:ext uri="{FF2B5EF4-FFF2-40B4-BE49-F238E27FC236}">
-                  <a16:creationId xmlns:a16="http://schemas.microsoft.com/office/drawing/2014/main" id="{E1992F67-9A84-4BBB-B27E-D14A5FA6BC89}"/>
-                </a:ext>
-              </a:extLst>
-            </p:cNvPr>
-            <p:cNvSpPr/>
-            <p:nvPr/>
-          </p:nvSpPr>
-          <p:spPr>
-            <a:xfrm flipH="1">
-              <a:off x="7779544" y="3849378"/>
-              <a:ext cx="540000" cy="540000"/>
-            </a:xfrm>
-            <a:prstGeom prst="ellipse">
-              <a:avLst/>
-            </a:prstGeom>
-          </p:spPr>
-          <p:style>
-            <a:lnRef idx="2">
-              <a:schemeClr val="accent6">
-                <a:shade val="50000"/>
-              </a:schemeClr>
-            </a:lnRef>
-            <a:fillRef idx="1">
-              <a:schemeClr val="accent6"/>
-            </a:fillRef>
-            <a:effectRef idx="0">
-              <a:schemeClr val="accent6"/>
-            </a:effectRef>
-            <a:fontRef idx="minor">
-              <a:schemeClr val="lt1"/>
-            </a:fontRef>
-          </p:style>
-          <p:txBody>
-            <a:bodyPr rtlCol="0" anchor="ctr"/>
-            <a:lstStyle/>
-            <a:p>
-              <a:pPr algn="ctr"/>
-              <a:r>
-                <a:rPr lang="en-US" altLang="zh-CN" dirty="0"/>
-                <a:t>2</a:t>
-              </a:r>
-              <a:endParaRPr lang="zh-CN" altLang="en-US" dirty="0"/>
-            </a:p>
-          </p:txBody>
-        </p:sp>
-        <p:sp>
-          <p:nvSpPr>
-            <p:cNvPr id="58" name="椭圆 57">
-              <a:extLst>
-                <a:ext uri="{FF2B5EF4-FFF2-40B4-BE49-F238E27FC236}">
-                  <a16:creationId xmlns:a16="http://schemas.microsoft.com/office/drawing/2014/main" id="{A948C4EC-AE01-4480-80B9-E837A7ADBE0A}"/>
-                </a:ext>
-              </a:extLst>
-            </p:cNvPr>
-            <p:cNvSpPr/>
-            <p:nvPr/>
-          </p:nvSpPr>
-          <p:spPr>
-            <a:xfrm flipH="1">
-              <a:off x="7169134" y="4709156"/>
-              <a:ext cx="540000" cy="540000"/>
-            </a:xfrm>
-            <a:prstGeom prst="ellipse">
-              <a:avLst/>
-            </a:prstGeom>
-          </p:spPr>
-          <p:style>
-            <a:lnRef idx="2">
-              <a:schemeClr val="accent1">
-                <a:shade val="50000"/>
-              </a:schemeClr>
-            </a:lnRef>
-            <a:fillRef idx="1">
-              <a:schemeClr val="accent1"/>
-            </a:fillRef>
-            <a:effectRef idx="0">
-              <a:schemeClr val="accent1"/>
-            </a:effectRef>
-            <a:fontRef idx="minor">
-              <a:schemeClr val="lt1"/>
-            </a:fontRef>
-          </p:style>
-          <p:txBody>
-            <a:bodyPr rtlCol="0" anchor="ctr"/>
-            <a:lstStyle/>
-            <a:p>
-              <a:pPr algn="ctr"/>
-              <a:r>
-                <a:rPr lang="en-US" altLang="zh-CN" dirty="0"/>
-                <a:t>1</a:t>
-              </a:r>
-              <a:endParaRPr lang="zh-CN" altLang="en-US" dirty="0"/>
-            </a:p>
-          </p:txBody>
-        </p:sp>
-        <p:sp>
-          <p:nvSpPr>
-            <p:cNvPr id="59" name="椭圆 58">
-              <a:extLst>
-                <a:ext uri="{FF2B5EF4-FFF2-40B4-BE49-F238E27FC236}">
-                  <a16:creationId xmlns:a16="http://schemas.microsoft.com/office/drawing/2014/main" id="{2A7461E8-530C-4278-B347-597EDCD0FFBF}"/>
-                </a:ext>
-              </a:extLst>
-            </p:cNvPr>
-            <p:cNvSpPr/>
-            <p:nvPr/>
-          </p:nvSpPr>
-          <p:spPr>
-            <a:xfrm flipH="1">
-              <a:off x="8445457" y="2990189"/>
-              <a:ext cx="540000" cy="540000"/>
-            </a:xfrm>
-            <a:prstGeom prst="ellipse">
-              <a:avLst/>
-            </a:prstGeom>
-          </p:spPr>
-          <p:style>
-            <a:lnRef idx="2">
-              <a:schemeClr val="accent1">
-                <a:shade val="50000"/>
-              </a:schemeClr>
-            </a:lnRef>
-            <a:fillRef idx="1">
-              <a:schemeClr val="accent1"/>
-            </a:fillRef>
-            <a:effectRef idx="0">
-              <a:schemeClr val="accent1"/>
-            </a:effectRef>
-            <a:fontRef idx="minor">
-              <a:schemeClr val="lt1"/>
-            </a:fontRef>
-          </p:style>
-          <p:txBody>
-            <a:bodyPr rtlCol="0" anchor="ctr"/>
-            <a:lstStyle/>
-            <a:p>
-              <a:pPr algn="ctr"/>
-              <a:r>
-                <a:rPr lang="en-US" altLang="zh-CN" dirty="0"/>
-                <a:t>3</a:t>
-              </a:r>
-              <a:endParaRPr lang="zh-CN" altLang="en-US" dirty="0"/>
-            </a:p>
-          </p:txBody>
-        </p:sp>
-        <p:sp>
-          <p:nvSpPr>
-            <p:cNvPr id="60" name="椭圆 59">
-              <a:extLst>
-                <a:ext uri="{FF2B5EF4-FFF2-40B4-BE49-F238E27FC236}">
-                  <a16:creationId xmlns:a16="http://schemas.microsoft.com/office/drawing/2014/main" id="{AE18D773-3C12-4D42-8E76-E22D52F080CF}"/>
-                </a:ext>
-              </a:extLst>
-            </p:cNvPr>
-            <p:cNvSpPr/>
-            <p:nvPr/>
-          </p:nvSpPr>
-          <p:spPr>
-            <a:xfrm flipH="1">
-              <a:off x="8715457" y="4709156"/>
-              <a:ext cx="540000" cy="540000"/>
-            </a:xfrm>
-            <a:prstGeom prst="ellipse">
-              <a:avLst/>
-            </a:prstGeom>
-          </p:spPr>
-          <p:style>
-            <a:lnRef idx="2">
-              <a:schemeClr val="accent4">
-                <a:shade val="50000"/>
-              </a:schemeClr>
-            </a:lnRef>
-            <a:fillRef idx="1">
-              <a:schemeClr val="accent4"/>
-            </a:fillRef>
-            <a:effectRef idx="0">
-              <a:schemeClr val="accent4"/>
-            </a:effectRef>
-            <a:fontRef idx="minor">
-              <a:schemeClr val="lt1"/>
-            </a:fontRef>
-          </p:style>
-          <p:txBody>
-            <a:bodyPr rtlCol="0" anchor="ctr"/>
-            <a:lstStyle/>
-            <a:p>
-              <a:pPr algn="ctr"/>
-              <a:r>
-                <a:rPr lang="en-US" altLang="zh-CN" dirty="0"/>
-                <a:t>4</a:t>
-              </a:r>
-              <a:endParaRPr lang="zh-CN" altLang="en-US" dirty="0"/>
-            </a:p>
-          </p:txBody>
-        </p:sp>
-        <p:cxnSp>
-          <p:nvCxnSpPr>
-            <p:cNvPr id="61" name="直接连接符 60">
-              <a:extLst>
-                <a:ext uri="{FF2B5EF4-FFF2-40B4-BE49-F238E27FC236}">
-                  <a16:creationId xmlns:a16="http://schemas.microsoft.com/office/drawing/2014/main" id="{D7307CE2-708A-4260-8E78-7091E08EAFF4}"/>
-                </a:ext>
-              </a:extLst>
-            </p:cNvPr>
-            <p:cNvCxnSpPr>
-              <a:cxnSpLocks/>
-              <a:stCxn id="55" idx="3"/>
-              <a:endCxn id="56" idx="0"/>
-            </p:cNvCxnSpPr>
-            <p:nvPr/>
-          </p:nvCxnSpPr>
-          <p:spPr>
-            <a:xfrm>
-              <a:off x="9615790" y="4310297"/>
-              <a:ext cx="431778" cy="398859"/>
-            </a:xfrm>
-            <a:prstGeom prst="line">
-              <a:avLst/>
-            </a:prstGeom>
-          </p:spPr>
-          <p:style>
-            <a:lnRef idx="3">
-              <a:schemeClr val="accent1"/>
-            </a:lnRef>
-            <a:fillRef idx="0">
-              <a:schemeClr val="accent1"/>
-            </a:fillRef>
-            <a:effectRef idx="2">
-              <a:schemeClr val="accent1"/>
-            </a:effectRef>
-            <a:fontRef idx="minor">
-              <a:schemeClr val="tx1"/>
-            </a:fontRef>
-          </p:style>
-        </p:cxnSp>
-        <p:cxnSp>
-          <p:nvCxnSpPr>
-            <p:cNvPr id="62" name="直接连接符 61">
-              <a:extLst>
-                <a:ext uri="{FF2B5EF4-FFF2-40B4-BE49-F238E27FC236}">
-                  <a16:creationId xmlns:a16="http://schemas.microsoft.com/office/drawing/2014/main" id="{6F2DDB7B-275E-4180-AD5C-2C45B9479A11}"/>
-                </a:ext>
-              </a:extLst>
-            </p:cNvPr>
-            <p:cNvCxnSpPr>
-              <a:cxnSpLocks/>
-              <a:stCxn id="55" idx="0"/>
-              <a:endCxn id="59" idx="3"/>
-            </p:cNvCxnSpPr>
-            <p:nvPr/>
-          </p:nvCxnSpPr>
-          <p:spPr>
-            <a:xfrm flipH="1" flipV="1">
-              <a:off x="8906376" y="3451108"/>
-              <a:ext cx="518495" cy="398270"/>
-            </a:xfrm>
-            <a:prstGeom prst="line">
-              <a:avLst/>
-            </a:prstGeom>
-          </p:spPr>
-          <p:style>
-            <a:lnRef idx="3">
-              <a:schemeClr val="accent1"/>
-            </a:lnRef>
-            <a:fillRef idx="0">
-              <a:schemeClr val="accent1"/>
-            </a:fillRef>
-            <a:effectRef idx="2">
-              <a:schemeClr val="accent1"/>
-            </a:effectRef>
-            <a:fontRef idx="minor">
-              <a:schemeClr val="tx1"/>
-            </a:fontRef>
-          </p:style>
-        </p:cxnSp>
-        <p:cxnSp>
-          <p:nvCxnSpPr>
-            <p:cNvPr id="63" name="直接连接符 62">
-              <a:extLst>
-                <a:ext uri="{FF2B5EF4-FFF2-40B4-BE49-F238E27FC236}">
-                  <a16:creationId xmlns:a16="http://schemas.microsoft.com/office/drawing/2014/main" id="{2AD88D89-0FCD-47D5-829E-C415DD19440D}"/>
-                </a:ext>
-              </a:extLst>
-            </p:cNvPr>
-            <p:cNvCxnSpPr>
-              <a:cxnSpLocks/>
-              <a:stCxn id="57" idx="0"/>
-              <a:endCxn id="59" idx="5"/>
-            </p:cNvCxnSpPr>
-            <p:nvPr/>
-          </p:nvCxnSpPr>
-          <p:spPr>
-            <a:xfrm flipV="1">
-              <a:off x="8049544" y="3451108"/>
-              <a:ext cx="474994" cy="398270"/>
-            </a:xfrm>
-            <a:prstGeom prst="line">
-              <a:avLst/>
-            </a:prstGeom>
-          </p:spPr>
-          <p:style>
-            <a:lnRef idx="3">
-              <a:schemeClr val="accent1"/>
-            </a:lnRef>
-            <a:fillRef idx="0">
-              <a:schemeClr val="accent1"/>
-            </a:fillRef>
-            <a:effectRef idx="2">
-              <a:schemeClr val="accent1"/>
-            </a:effectRef>
-            <a:fontRef idx="minor">
-              <a:schemeClr val="tx1"/>
-            </a:fontRef>
-          </p:style>
-        </p:cxnSp>
-        <p:cxnSp>
-          <p:nvCxnSpPr>
-            <p:cNvPr id="64" name="直接连接符 63">
-              <a:extLst>
-                <a:ext uri="{FF2B5EF4-FFF2-40B4-BE49-F238E27FC236}">
-                  <a16:creationId xmlns:a16="http://schemas.microsoft.com/office/drawing/2014/main" id="{639E1DF0-A5B6-4068-93AB-AD51D85A5384}"/>
-                </a:ext>
-              </a:extLst>
-            </p:cNvPr>
-            <p:cNvCxnSpPr>
-              <a:cxnSpLocks/>
-              <a:stCxn id="57" idx="5"/>
-              <a:endCxn id="58" idx="0"/>
-            </p:cNvCxnSpPr>
-            <p:nvPr/>
-          </p:nvCxnSpPr>
-          <p:spPr>
-            <a:xfrm flipH="1">
-              <a:off x="7439134" y="4310297"/>
-              <a:ext cx="419491" cy="398859"/>
-            </a:xfrm>
-            <a:prstGeom prst="line">
-              <a:avLst/>
-            </a:prstGeom>
-          </p:spPr>
-          <p:style>
-            <a:lnRef idx="3">
-              <a:schemeClr val="accent1"/>
-            </a:lnRef>
-            <a:fillRef idx="0">
-              <a:schemeClr val="accent1"/>
-            </a:fillRef>
-            <a:effectRef idx="2">
-              <a:schemeClr val="accent1"/>
-            </a:effectRef>
-            <a:fontRef idx="minor">
-              <a:schemeClr val="tx1"/>
-            </a:fontRef>
-          </p:style>
-        </p:cxnSp>
-        <p:cxnSp>
-          <p:nvCxnSpPr>
-            <p:cNvPr id="65" name="直接连接符 64">
-              <a:extLst>
-                <a:ext uri="{FF2B5EF4-FFF2-40B4-BE49-F238E27FC236}">
-                  <a16:creationId xmlns:a16="http://schemas.microsoft.com/office/drawing/2014/main" id="{8033C869-0125-480E-B4C9-EB4B023E8C22}"/>
-                </a:ext>
-              </a:extLst>
-            </p:cNvPr>
-            <p:cNvCxnSpPr>
-              <a:cxnSpLocks/>
-              <a:stCxn id="55" idx="5"/>
-              <a:endCxn id="60" idx="0"/>
-            </p:cNvCxnSpPr>
-            <p:nvPr/>
-          </p:nvCxnSpPr>
-          <p:spPr>
-            <a:xfrm flipH="1">
-              <a:off x="8985457" y="4310297"/>
-              <a:ext cx="248495" cy="398859"/>
-            </a:xfrm>
-            <a:prstGeom prst="line">
-              <a:avLst/>
-            </a:prstGeom>
-          </p:spPr>
-          <p:style>
-            <a:lnRef idx="3">
-              <a:schemeClr val="accent1"/>
-            </a:lnRef>
-            <a:fillRef idx="0">
-              <a:schemeClr val="accent1"/>
-            </a:fillRef>
-            <a:effectRef idx="2">
-              <a:schemeClr val="accent1"/>
-            </a:effectRef>
-            <a:fontRef idx="minor">
-              <a:schemeClr val="tx1"/>
-            </a:fontRef>
-          </p:style>
-        </p:cxnSp>
-      </p:grpSp>
-    </p:spTree>
-    <p:extLst>
-      <p:ext uri="{BB962C8B-B14F-4D97-AF65-F5344CB8AC3E}">
-        <p14:creationId xmlns:p14="http://schemas.microsoft.com/office/powerpoint/2010/main" val="2677400259"/>
-      </p:ext>
-    </p:extLst>
-  </p:cSld>
-  <p:clrMapOvr>
-    <a:masterClrMapping/>
-  </p:clrMapOvr>
-</p:sld>
-</file>
-
-<file path=ppt/slides/slide18.xml><?xml version="1.0" encoding="utf-8"?>
-<p:sld xmlns:a="http://schemas.openxmlformats.org/drawingml/2006/main" xmlns:r="http://schemas.openxmlformats.org/officeDocument/2006/relationships" xmlns:p="http://schemas.openxmlformats.org/presentationml/2006/main">
-  <p:cSld>
-    <p:spTree>
-      <p:nvGrpSpPr>
-        <p:cNvPr id="1" name=""/>
-        <p:cNvGrpSpPr/>
-        <p:nvPr/>
-      </p:nvGrpSpPr>
-      <p:grpSpPr>
-        <a:xfrm>
-          <a:off x="0" y="0"/>
-          <a:ext cx="0" cy="0"/>
-          <a:chOff x="0" y="0"/>
-          <a:chExt cx="0" cy="0"/>
-        </a:xfrm>
-      </p:grpSpPr>
-    </p:spTree>
-    <p:extLst>
-      <p:ext uri="{BB962C8B-B14F-4D97-AF65-F5344CB8AC3E}">
-        <p14:creationId xmlns:p14="http://schemas.microsoft.com/office/powerpoint/2010/main" val="519639237"/>
-      </p:ext>
-    </p:extLst>
-  </p:cSld>
-  <p:clrMapOvr>
-    <a:masterClrMapping/>
-  </p:clrMapOvr>
-</p:sld>
-</file>
-
-<file path=ppt/slides/slide19.xml><?xml version="1.0" encoding="utf-8"?>
-<p:sld xmlns:a="http://schemas.openxmlformats.org/drawingml/2006/main" xmlns:r="http://schemas.openxmlformats.org/officeDocument/2006/relationships" xmlns:p="http://schemas.openxmlformats.org/presentationml/2006/main">
-  <p:cSld>
-    <p:spTree>
-      <p:nvGrpSpPr>
-        <p:cNvPr id="1" name=""/>
-        <p:cNvGrpSpPr/>
-        <p:nvPr/>
-      </p:nvGrpSpPr>
-      <p:grpSpPr>
-        <a:xfrm>
-          <a:off x="0" y="0"/>
-          <a:ext cx="0" cy="0"/>
-          <a:chOff x="0" y="0"/>
-          <a:chExt cx="0" cy="0"/>
-        </a:xfrm>
-      </p:grpSpPr>
-      <p:sp>
-        <p:nvSpPr>
-          <p:cNvPr id="18" name="文本框 17">
-            <a:extLst>
-              <a:ext uri="{FF2B5EF4-FFF2-40B4-BE49-F238E27FC236}">
-                <a16:creationId xmlns:a16="http://schemas.microsoft.com/office/drawing/2014/main" id="{B4334B89-C389-4D3F-B352-7E7F64DBEE52}"/>
-              </a:ext>
-            </a:extLst>
-          </p:cNvPr>
-          <p:cNvSpPr txBox="1"/>
-          <p:nvPr/>
-        </p:nvSpPr>
-        <p:spPr>
-          <a:xfrm>
-            <a:off x="1027028" y="921021"/>
-            <a:ext cx="6682106" cy="923330"/>
-          </a:xfrm>
-          <a:prstGeom prst="rect">
-            <a:avLst/>
-          </a:prstGeom>
-          <a:noFill/>
-        </p:spPr>
-        <p:txBody>
-          <a:bodyPr wrap="square" rtlCol="0">
-            <a:spAutoFit/>
-          </a:bodyPr>
-          <a:lstStyle/>
-          <a:p>
-            <a:r>
-              <a:rPr lang="en-US" altLang="zh-CN" dirty="0">
-                <a:latin typeface="黑体" panose="02010609060101010101" pitchFamily="49" charset="-122"/>
-                <a:ea typeface="黑体" panose="02010609060101010101" pitchFamily="49" charset="-122"/>
-              </a:rPr>
-              <a:t>void </a:t>
-            </a:r>
-            <a:r>
-              <a:rPr lang="en-US" altLang="zh-CN" dirty="0" err="1">
-                <a:latin typeface="黑体" panose="02010609060101010101" pitchFamily="49" charset="-122"/>
-                <a:ea typeface="黑体" panose="02010609060101010101" pitchFamily="49" charset="-122"/>
-              </a:rPr>
-              <a:t>rightleftRotate</a:t>
-            </a:r>
-            <a:r>
-              <a:rPr lang="en-US" altLang="zh-CN" dirty="0">
-                <a:latin typeface="黑体" panose="02010609060101010101" pitchFamily="49" charset="-122"/>
-                <a:ea typeface="黑体" panose="02010609060101010101" pitchFamily="49" charset="-122"/>
-              </a:rPr>
-              <a:t>(Node* par, Node* son)</a:t>
-            </a:r>
-          </a:p>
-          <a:p>
-            <a:r>
-              <a:rPr lang="en-US" altLang="zh-CN" dirty="0">
-                <a:latin typeface="黑体" panose="02010609060101010101" pitchFamily="49" charset="-122"/>
-                <a:ea typeface="黑体" panose="02010609060101010101" pitchFamily="49" charset="-122"/>
-              </a:rPr>
-              <a:t>Use when par-&gt;right-&gt;height &gt; (par-&gt;left-&gt;height + 1) &amp;&amp;</a:t>
-            </a:r>
-          </a:p>
-          <a:p>
-            <a:r>
-              <a:rPr lang="en-US" altLang="zh-CN" dirty="0">
-                <a:latin typeface="黑体" panose="02010609060101010101" pitchFamily="49" charset="-122"/>
-                <a:ea typeface="黑体" panose="02010609060101010101" pitchFamily="49" charset="-122"/>
-              </a:rPr>
-              <a:t>         pre-&gt;right-&gt;height &lt; pre-&gt;left-&gt;height</a:t>
-            </a:r>
-            <a:endParaRPr lang="zh-CN" altLang="en-US" dirty="0">
-              <a:latin typeface="黑体" panose="02010609060101010101" pitchFamily="49" charset="-122"/>
-              <a:ea typeface="黑体" panose="02010609060101010101" pitchFamily="49" charset="-122"/>
-            </a:endParaRPr>
-          </a:p>
-        </p:txBody>
-      </p:sp>
-      <p:grpSp>
-        <p:nvGrpSpPr>
-          <p:cNvPr id="11" name="组合 10">
-            <a:extLst>
-              <a:ext uri="{FF2B5EF4-FFF2-40B4-BE49-F238E27FC236}">
-                <a16:creationId xmlns:a16="http://schemas.microsoft.com/office/drawing/2014/main" id="{10440B85-94D7-45ED-A5D2-6B3F20009A80}"/>
-              </a:ext>
-            </a:extLst>
-          </p:cNvPr>
-          <p:cNvGrpSpPr/>
-          <p:nvPr/>
-        </p:nvGrpSpPr>
-        <p:grpSpPr>
-          <a:xfrm flipH="1">
-            <a:off x="4611862" y="2084191"/>
-            <a:ext cx="2744874" cy="3125884"/>
-            <a:chOff x="4611862" y="2084191"/>
-            <a:chExt cx="2744874" cy="3125884"/>
-          </a:xfrm>
-        </p:grpSpPr>
-        <p:sp>
-          <p:nvSpPr>
-            <p:cNvPr id="4" name="椭圆 3">
-              <a:extLst>
-                <a:ext uri="{FF2B5EF4-FFF2-40B4-BE49-F238E27FC236}">
-                  <a16:creationId xmlns:a16="http://schemas.microsoft.com/office/drawing/2014/main" id="{FE0B3502-4BED-41A4-B685-41C3EDE1AD06}"/>
-                </a:ext>
-              </a:extLst>
-            </p:cNvPr>
-            <p:cNvSpPr/>
-            <p:nvPr/>
-          </p:nvSpPr>
-          <p:spPr>
-            <a:xfrm flipH="1">
-              <a:off x="5961862" y="2084191"/>
-              <a:ext cx="540000" cy="540000"/>
-            </a:xfrm>
-            <a:prstGeom prst="ellipse">
-              <a:avLst/>
-            </a:prstGeom>
-          </p:spPr>
-          <p:style>
-            <a:lnRef idx="2">
-              <a:schemeClr val="accent2">
-                <a:shade val="50000"/>
-              </a:schemeClr>
-            </a:lnRef>
-            <a:fillRef idx="1">
-              <a:schemeClr val="accent2"/>
-            </a:fillRef>
-            <a:effectRef idx="0">
-              <a:schemeClr val="accent2"/>
-            </a:effectRef>
-            <a:fontRef idx="minor">
-              <a:schemeClr val="lt1"/>
-            </a:fontRef>
-          </p:style>
-          <p:txBody>
-            <a:bodyPr rtlCol="0" anchor="ctr"/>
-            <a:lstStyle/>
-            <a:p>
-              <a:pPr algn="ctr"/>
-              <a:r>
-                <a:rPr lang="en-US" altLang="zh-CN" dirty="0"/>
-                <a:t>2</a:t>
-              </a:r>
-              <a:endParaRPr lang="zh-CN" altLang="en-US" dirty="0"/>
-            </a:p>
-          </p:txBody>
-        </p:sp>
-        <p:sp>
-          <p:nvSpPr>
-            <p:cNvPr id="5" name="椭圆 4">
-              <a:extLst>
-                <a:ext uri="{FF2B5EF4-FFF2-40B4-BE49-F238E27FC236}">
-                  <a16:creationId xmlns:a16="http://schemas.microsoft.com/office/drawing/2014/main" id="{8B3BC0C8-9D01-4882-AA81-C87B943B9DB3}"/>
-                </a:ext>
-              </a:extLst>
-            </p:cNvPr>
-            <p:cNvSpPr/>
-            <p:nvPr/>
-          </p:nvSpPr>
-          <p:spPr>
-            <a:xfrm flipH="1">
-              <a:off x="6816736" y="2934681"/>
-              <a:ext cx="540000" cy="540000"/>
-            </a:xfrm>
-            <a:prstGeom prst="ellipse">
-              <a:avLst/>
-            </a:prstGeom>
-          </p:spPr>
-          <p:style>
-            <a:lnRef idx="2">
-              <a:schemeClr val="accent1">
-                <a:shade val="50000"/>
-              </a:schemeClr>
-            </a:lnRef>
-            <a:fillRef idx="1">
-              <a:schemeClr val="accent1"/>
-            </a:fillRef>
-            <a:effectRef idx="0">
-              <a:schemeClr val="accent1"/>
-            </a:effectRef>
-            <a:fontRef idx="minor">
-              <a:schemeClr val="lt1"/>
-            </a:fontRef>
-          </p:style>
-          <p:txBody>
-            <a:bodyPr rtlCol="0" anchor="ctr"/>
-            <a:lstStyle/>
-            <a:p>
-              <a:pPr algn="ctr"/>
-              <a:r>
-                <a:rPr lang="en-US" altLang="zh-CN" dirty="0"/>
-                <a:t>1</a:t>
-              </a:r>
-              <a:endParaRPr lang="zh-CN" altLang="en-US" dirty="0"/>
-            </a:p>
-          </p:txBody>
-        </p:sp>
-        <p:sp>
-          <p:nvSpPr>
-            <p:cNvPr id="6" name="椭圆 5">
-              <a:extLst>
-                <a:ext uri="{FF2B5EF4-FFF2-40B4-BE49-F238E27FC236}">
-                  <a16:creationId xmlns:a16="http://schemas.microsoft.com/office/drawing/2014/main" id="{98D487A6-E19B-40BB-9D03-FBB3A1E3E7AF}"/>
-                </a:ext>
-              </a:extLst>
-            </p:cNvPr>
-            <p:cNvSpPr/>
-            <p:nvPr/>
-          </p:nvSpPr>
-          <p:spPr>
-            <a:xfrm flipH="1">
-              <a:off x="5151862" y="2934681"/>
-              <a:ext cx="540000" cy="540000"/>
-            </a:xfrm>
-            <a:prstGeom prst="ellipse">
-              <a:avLst/>
-            </a:prstGeom>
-          </p:spPr>
-          <p:style>
-            <a:lnRef idx="2">
-              <a:schemeClr val="accent6">
-                <a:shade val="50000"/>
-              </a:schemeClr>
-            </a:lnRef>
-            <a:fillRef idx="1">
-              <a:schemeClr val="accent6"/>
-            </a:fillRef>
-            <a:effectRef idx="0">
-              <a:schemeClr val="accent6"/>
-            </a:effectRef>
-            <a:fontRef idx="minor">
-              <a:schemeClr val="lt1"/>
-            </a:fontRef>
-          </p:style>
-          <p:txBody>
-            <a:bodyPr rtlCol="0" anchor="ctr"/>
-            <a:lstStyle/>
-            <a:p>
-              <a:pPr algn="ctr"/>
-              <a:r>
-                <a:rPr lang="en-US" altLang="zh-CN" dirty="0"/>
-                <a:t>5</a:t>
-              </a:r>
-              <a:endParaRPr lang="zh-CN" altLang="en-US" dirty="0"/>
-            </a:p>
-          </p:txBody>
-        </p:sp>
-        <p:sp>
-          <p:nvSpPr>
-            <p:cNvPr id="7" name="椭圆 6">
-              <a:extLst>
-                <a:ext uri="{FF2B5EF4-FFF2-40B4-BE49-F238E27FC236}">
-                  <a16:creationId xmlns:a16="http://schemas.microsoft.com/office/drawing/2014/main" id="{8F9B34ED-B38C-4221-B90F-7A2F15640E9C}"/>
-                </a:ext>
-              </a:extLst>
-            </p:cNvPr>
-            <p:cNvSpPr/>
-            <p:nvPr/>
-          </p:nvSpPr>
-          <p:spPr>
-            <a:xfrm flipH="1">
-              <a:off x="4611862" y="3787631"/>
-              <a:ext cx="540000" cy="540000"/>
-            </a:xfrm>
-            <a:prstGeom prst="ellipse">
-              <a:avLst/>
-            </a:prstGeom>
-          </p:spPr>
-          <p:style>
-            <a:lnRef idx="2">
-              <a:schemeClr val="accent1">
-                <a:shade val="50000"/>
-              </a:schemeClr>
-            </a:lnRef>
-            <a:fillRef idx="1">
-              <a:schemeClr val="accent1"/>
-            </a:fillRef>
-            <a:effectRef idx="0">
-              <a:schemeClr val="accent1"/>
-            </a:effectRef>
-            <a:fontRef idx="minor">
-              <a:schemeClr val="lt1"/>
-            </a:fontRef>
-          </p:style>
-          <p:txBody>
-            <a:bodyPr rtlCol="0" anchor="ctr"/>
-            <a:lstStyle/>
-            <a:p>
-              <a:pPr algn="ctr"/>
-              <a:r>
-                <a:rPr lang="en-US" altLang="zh-CN" dirty="0"/>
-                <a:t>6</a:t>
-              </a:r>
-              <a:endParaRPr lang="zh-CN" altLang="en-US" dirty="0"/>
-            </a:p>
-          </p:txBody>
-        </p:sp>
-        <p:sp>
-          <p:nvSpPr>
-            <p:cNvPr id="8" name="椭圆 7">
-              <a:extLst>
-                <a:ext uri="{FF2B5EF4-FFF2-40B4-BE49-F238E27FC236}">
-                  <a16:creationId xmlns:a16="http://schemas.microsoft.com/office/drawing/2014/main" id="{7DD4155D-3374-47CC-AB3E-5A50472ED10B}"/>
+            <p:cNvPr id="36" name="椭圆 35">
+              <a:extLst>
+                <a:ext uri="{FF2B5EF4-FFF2-40B4-BE49-F238E27FC236}">
+                  <a16:creationId xmlns:a16="http://schemas.microsoft.com/office/drawing/2014/main" id="{0573788D-4AB6-48F2-BC76-BDCDA72891E8}"/>
                 </a:ext>
               </a:extLst>
             </p:cNvPr>
@@ -11428,10 +12350,10 @@
         </p:sp>
         <p:sp>
           <p:nvSpPr>
-            <p:cNvPr id="9" name="椭圆 8">
-              <a:extLst>
-                <a:ext uri="{FF2B5EF4-FFF2-40B4-BE49-F238E27FC236}">
-                  <a16:creationId xmlns:a16="http://schemas.microsoft.com/office/drawing/2014/main" id="{C065FE2A-7BC6-4300-9F01-94229F0C6CA4}"/>
+            <p:cNvPr id="37" name="椭圆 36">
+              <a:extLst>
+                <a:ext uri="{FF2B5EF4-FFF2-40B4-BE49-F238E27FC236}">
+                  <a16:creationId xmlns:a16="http://schemas.microsoft.com/office/drawing/2014/main" id="{DE9B0006-433F-451E-88C7-D926B7A87A15}"/>
                 </a:ext>
               </a:extLst>
             </p:cNvPr>
@@ -11478,16 +12400,16 @@
         </p:sp>
         <p:cxnSp>
           <p:nvCxnSpPr>
-            <p:cNvPr id="20" name="直接连接符 19">
-              <a:extLst>
-                <a:ext uri="{FF2B5EF4-FFF2-40B4-BE49-F238E27FC236}">
-                  <a16:creationId xmlns:a16="http://schemas.microsoft.com/office/drawing/2014/main" id="{E2E23761-6EC5-4B09-9B8D-43DF500BA765}"/>
+            <p:cNvPr id="38" name="直接连接符 37">
+              <a:extLst>
+                <a:ext uri="{FF2B5EF4-FFF2-40B4-BE49-F238E27FC236}">
+                  <a16:creationId xmlns:a16="http://schemas.microsoft.com/office/drawing/2014/main" id="{B5807E85-9727-4672-912E-745AEEE2CA62}"/>
                 </a:ext>
               </a:extLst>
             </p:cNvPr>
             <p:cNvCxnSpPr>
-              <a:stCxn id="4" idx="3"/>
-              <a:endCxn id="5" idx="7"/>
+              <a:stCxn id="31" idx="3"/>
+              <a:endCxn id="33" idx="7"/>
             </p:cNvCxnSpPr>
             <p:nvPr/>
           </p:nvCxnSpPr>
@@ -11517,17 +12439,17 @@
         </p:cxnSp>
         <p:cxnSp>
           <p:nvCxnSpPr>
-            <p:cNvPr id="21" name="直接连接符 20">
-              <a:extLst>
-                <a:ext uri="{FF2B5EF4-FFF2-40B4-BE49-F238E27FC236}">
-                  <a16:creationId xmlns:a16="http://schemas.microsoft.com/office/drawing/2014/main" id="{1C18C783-DEDF-4321-BED6-B073E4D21AA6}"/>
+            <p:cNvPr id="39" name="直接连接符 38">
+              <a:extLst>
+                <a:ext uri="{FF2B5EF4-FFF2-40B4-BE49-F238E27FC236}">
+                  <a16:creationId xmlns:a16="http://schemas.microsoft.com/office/drawing/2014/main" id="{6297ED4A-BAF4-482A-8563-69C57E911A5B}"/>
                 </a:ext>
               </a:extLst>
             </p:cNvPr>
             <p:cNvCxnSpPr>
               <a:cxnSpLocks/>
-              <a:stCxn id="4" idx="5"/>
-              <a:endCxn id="6" idx="1"/>
+              <a:stCxn id="31" idx="5"/>
+              <a:endCxn id="34" idx="1"/>
             </p:cNvCxnSpPr>
             <p:nvPr/>
           </p:nvCxnSpPr>
@@ -11557,17 +12479,17 @@
         </p:cxnSp>
         <p:cxnSp>
           <p:nvCxnSpPr>
-            <p:cNvPr id="24" name="直接连接符 23">
-              <a:extLst>
-                <a:ext uri="{FF2B5EF4-FFF2-40B4-BE49-F238E27FC236}">
-                  <a16:creationId xmlns:a16="http://schemas.microsoft.com/office/drawing/2014/main" id="{C65DDB9B-98DB-4A49-978F-1A09243047B6}"/>
+            <p:cNvPr id="40" name="直接连接符 39">
+              <a:extLst>
+                <a:ext uri="{FF2B5EF4-FFF2-40B4-BE49-F238E27FC236}">
+                  <a16:creationId xmlns:a16="http://schemas.microsoft.com/office/drawing/2014/main" id="{22CE45E9-9594-47B2-BDCC-1752C7881025}"/>
                 </a:ext>
               </a:extLst>
             </p:cNvPr>
             <p:cNvCxnSpPr>
               <a:cxnSpLocks/>
-              <a:stCxn id="6" idx="3"/>
-              <a:endCxn id="8" idx="0"/>
+              <a:stCxn id="34" idx="3"/>
+              <a:endCxn id="36" idx="0"/>
             </p:cNvCxnSpPr>
             <p:nvPr/>
           </p:nvCxnSpPr>
@@ -11597,17 +12519,17 @@
         </p:cxnSp>
         <p:cxnSp>
           <p:nvCxnSpPr>
-            <p:cNvPr id="28" name="直接连接符 27">
-              <a:extLst>
-                <a:ext uri="{FF2B5EF4-FFF2-40B4-BE49-F238E27FC236}">
-                  <a16:creationId xmlns:a16="http://schemas.microsoft.com/office/drawing/2014/main" id="{48E793D5-A072-42DE-8997-277164921996}"/>
+            <p:cNvPr id="42" name="直接连接符 41">
+              <a:extLst>
+                <a:ext uri="{FF2B5EF4-FFF2-40B4-BE49-F238E27FC236}">
+                  <a16:creationId xmlns:a16="http://schemas.microsoft.com/office/drawing/2014/main" id="{48BB7626-37C9-4E02-9DE7-B375750C16FB}"/>
                 </a:ext>
               </a:extLst>
             </p:cNvPr>
             <p:cNvCxnSpPr>
               <a:cxnSpLocks/>
-              <a:stCxn id="6" idx="5"/>
-              <a:endCxn id="7" idx="0"/>
+              <a:stCxn id="34" idx="5"/>
+              <a:endCxn id="35" idx="0"/>
             </p:cNvCxnSpPr>
             <p:nvPr/>
           </p:nvCxnSpPr>
@@ -11637,17 +12559,17 @@
         </p:cxnSp>
         <p:cxnSp>
           <p:nvCxnSpPr>
-            <p:cNvPr id="32" name="直接连接符 31">
-              <a:extLst>
-                <a:ext uri="{FF2B5EF4-FFF2-40B4-BE49-F238E27FC236}">
-                  <a16:creationId xmlns:a16="http://schemas.microsoft.com/office/drawing/2014/main" id="{0B284F44-CB3C-4DE6-87C0-D28B95591A7B}"/>
+            <p:cNvPr id="43" name="直接连接符 42">
+              <a:extLst>
+                <a:ext uri="{FF2B5EF4-FFF2-40B4-BE49-F238E27FC236}">
+                  <a16:creationId xmlns:a16="http://schemas.microsoft.com/office/drawing/2014/main" id="{3023B60D-BA66-44F2-B273-7503B2D58041}"/>
                 </a:ext>
               </a:extLst>
             </p:cNvPr>
             <p:cNvCxnSpPr>
               <a:cxnSpLocks/>
-              <a:stCxn id="8" idx="3"/>
-              <a:endCxn id="9" idx="0"/>
+              <a:stCxn id="36" idx="3"/>
+              <a:endCxn id="37" idx="0"/>
             </p:cNvCxnSpPr>
             <p:nvPr/>
           </p:nvCxnSpPr>
@@ -11676,396 +12598,10 @@
           </p:style>
         </p:cxnSp>
       </p:grpSp>
-      <p:sp>
-        <p:nvSpPr>
-          <p:cNvPr id="27" name="椭圆 26">
-            <a:extLst>
-              <a:ext uri="{FF2B5EF4-FFF2-40B4-BE49-F238E27FC236}">
-                <a16:creationId xmlns:a16="http://schemas.microsoft.com/office/drawing/2014/main" id="{DAA55BE3-CDD5-4D97-8108-2A04548193B2}"/>
-              </a:ext>
-            </a:extLst>
-          </p:cNvPr>
-          <p:cNvSpPr/>
-          <p:nvPr/>
-        </p:nvSpPr>
-        <p:spPr>
-          <a:xfrm>
-            <a:off x="921325" y="2426405"/>
-            <a:ext cx="540000" cy="540000"/>
-          </a:xfrm>
-          <a:prstGeom prst="ellipse">
-            <a:avLst/>
-          </a:prstGeom>
-        </p:spPr>
-        <p:style>
-          <a:lnRef idx="2">
-            <a:schemeClr val="accent2">
-              <a:shade val="50000"/>
-            </a:schemeClr>
-          </a:lnRef>
-          <a:fillRef idx="1">
-            <a:schemeClr val="accent2"/>
-          </a:fillRef>
-          <a:effectRef idx="0">
-            <a:schemeClr val="accent2"/>
-          </a:effectRef>
-          <a:fontRef idx="minor">
-            <a:schemeClr val="lt1"/>
-          </a:fontRef>
-        </p:style>
-        <p:txBody>
-          <a:bodyPr rtlCol="0" anchor="ctr"/>
-          <a:lstStyle/>
-          <a:p>
-            <a:pPr algn="ctr"/>
-            <a:endParaRPr lang="zh-CN" altLang="en-US"/>
-          </a:p>
-        </p:txBody>
-      </p:sp>
-      <p:sp>
-        <p:nvSpPr>
-          <p:cNvPr id="29" name="文本框 28">
-            <a:extLst>
-              <a:ext uri="{FF2B5EF4-FFF2-40B4-BE49-F238E27FC236}">
-                <a16:creationId xmlns:a16="http://schemas.microsoft.com/office/drawing/2014/main" id="{2B282B29-5C2D-4D6A-AA0F-A626B7F77559}"/>
-              </a:ext>
-            </a:extLst>
-          </p:cNvPr>
-          <p:cNvSpPr txBox="1"/>
-          <p:nvPr/>
-        </p:nvSpPr>
-        <p:spPr>
-          <a:xfrm>
-            <a:off x="1669752" y="2426405"/>
-            <a:ext cx="1209368" cy="461665"/>
-          </a:xfrm>
-          <a:prstGeom prst="rect">
-            <a:avLst/>
-          </a:prstGeom>
-          <a:noFill/>
-        </p:spPr>
-        <p:txBody>
-          <a:bodyPr wrap="square" rtlCol="0">
-            <a:spAutoFit/>
-          </a:bodyPr>
-          <a:lstStyle/>
-          <a:p>
-            <a:r>
-              <a:rPr lang="en-US" altLang="zh-CN" sz="2400" dirty="0">
-                <a:solidFill>
-                  <a:schemeClr val="accent2"/>
-                </a:solidFill>
-                <a:latin typeface="黑体" panose="02010609060101010101" pitchFamily="49" charset="-122"/>
-                <a:ea typeface="黑体" panose="02010609060101010101" pitchFamily="49" charset="-122"/>
-              </a:rPr>
-              <a:t>par</a:t>
-            </a:r>
-            <a:endParaRPr lang="zh-CN" altLang="en-US" sz="2400" dirty="0">
-              <a:solidFill>
-                <a:schemeClr val="accent2"/>
-              </a:solidFill>
-              <a:latin typeface="黑体" panose="02010609060101010101" pitchFamily="49" charset="-122"/>
-              <a:ea typeface="黑体" panose="02010609060101010101" pitchFamily="49" charset="-122"/>
-            </a:endParaRPr>
-          </a:p>
-        </p:txBody>
-      </p:sp>
-      <p:sp>
-        <p:nvSpPr>
-          <p:cNvPr id="30" name="椭圆 29">
-            <a:extLst>
-              <a:ext uri="{FF2B5EF4-FFF2-40B4-BE49-F238E27FC236}">
-                <a16:creationId xmlns:a16="http://schemas.microsoft.com/office/drawing/2014/main" id="{2CFCC808-EE56-4AAD-A77D-AB7F0E33FC9D}"/>
-              </a:ext>
-            </a:extLst>
-          </p:cNvPr>
-          <p:cNvSpPr/>
-          <p:nvPr/>
-        </p:nvSpPr>
-        <p:spPr>
-          <a:xfrm>
-            <a:off x="921325" y="3052531"/>
-            <a:ext cx="540000" cy="540000"/>
-          </a:xfrm>
-          <a:prstGeom prst="ellipse">
-            <a:avLst/>
-          </a:prstGeom>
-        </p:spPr>
-        <p:style>
-          <a:lnRef idx="2">
-            <a:schemeClr val="accent6">
-              <a:shade val="50000"/>
-            </a:schemeClr>
-          </a:lnRef>
-          <a:fillRef idx="1">
-            <a:schemeClr val="accent6"/>
-          </a:fillRef>
-          <a:effectRef idx="0">
-            <a:schemeClr val="accent6"/>
-          </a:effectRef>
-          <a:fontRef idx="minor">
-            <a:schemeClr val="lt1"/>
-          </a:fontRef>
-        </p:style>
-        <p:txBody>
-          <a:bodyPr rtlCol="0" anchor="ctr"/>
-          <a:lstStyle/>
-          <a:p>
-            <a:pPr algn="ctr"/>
-            <a:endParaRPr lang="zh-CN" altLang="en-US"/>
-          </a:p>
-        </p:txBody>
-      </p:sp>
-      <p:sp>
-        <p:nvSpPr>
-          <p:cNvPr id="31" name="文本框 30">
-            <a:extLst>
-              <a:ext uri="{FF2B5EF4-FFF2-40B4-BE49-F238E27FC236}">
-                <a16:creationId xmlns:a16="http://schemas.microsoft.com/office/drawing/2014/main" id="{78AB6CFF-A238-4A01-A808-E77687900AA1}"/>
-              </a:ext>
-            </a:extLst>
-          </p:cNvPr>
-          <p:cNvSpPr txBox="1"/>
-          <p:nvPr/>
-        </p:nvSpPr>
-        <p:spPr>
-          <a:xfrm>
-            <a:off x="1669752" y="3034099"/>
-            <a:ext cx="1209368" cy="461665"/>
-          </a:xfrm>
-          <a:prstGeom prst="rect">
-            <a:avLst/>
-          </a:prstGeom>
-          <a:noFill/>
-        </p:spPr>
-        <p:txBody>
-          <a:bodyPr wrap="square" rtlCol="0">
-            <a:spAutoFit/>
-          </a:bodyPr>
-          <a:lstStyle/>
-          <a:p>
-            <a:r>
-              <a:rPr lang="en-US" altLang="zh-CN" sz="2400" dirty="0">
-                <a:solidFill>
-                  <a:srgbClr val="92D050"/>
-                </a:solidFill>
-                <a:latin typeface="黑体" panose="02010609060101010101" pitchFamily="49" charset="-122"/>
-                <a:ea typeface="黑体" panose="02010609060101010101" pitchFamily="49" charset="-122"/>
-              </a:rPr>
-              <a:t>son</a:t>
-            </a:r>
-            <a:endParaRPr lang="zh-CN" altLang="en-US" sz="2400" dirty="0">
-              <a:solidFill>
-                <a:srgbClr val="92D050"/>
-              </a:solidFill>
-              <a:latin typeface="黑体" panose="02010609060101010101" pitchFamily="49" charset="-122"/>
-              <a:ea typeface="黑体" panose="02010609060101010101" pitchFamily="49" charset="-122"/>
-            </a:endParaRPr>
-          </a:p>
-        </p:txBody>
-      </p:sp>
-      <p:sp>
-        <p:nvSpPr>
-          <p:cNvPr id="33" name="椭圆 32">
-            <a:extLst>
-              <a:ext uri="{FF2B5EF4-FFF2-40B4-BE49-F238E27FC236}">
-                <a16:creationId xmlns:a16="http://schemas.microsoft.com/office/drawing/2014/main" id="{9A38CD97-CC5E-45DC-A815-80561192B61A}"/>
-              </a:ext>
-            </a:extLst>
-          </p:cNvPr>
-          <p:cNvSpPr/>
-          <p:nvPr/>
-        </p:nvSpPr>
-        <p:spPr>
-          <a:xfrm>
-            <a:off x="921325" y="3677621"/>
-            <a:ext cx="540000" cy="540000"/>
-          </a:xfrm>
-          <a:prstGeom prst="ellipse">
-            <a:avLst/>
-          </a:prstGeom>
-        </p:spPr>
-        <p:style>
-          <a:lnRef idx="2">
-            <a:schemeClr val="accent1">
-              <a:shade val="50000"/>
-            </a:schemeClr>
-          </a:lnRef>
-          <a:fillRef idx="1">
-            <a:schemeClr val="accent1"/>
-          </a:fillRef>
-          <a:effectRef idx="0">
-            <a:schemeClr val="accent1"/>
-          </a:effectRef>
-          <a:fontRef idx="minor">
-            <a:schemeClr val="lt1"/>
-          </a:fontRef>
-        </p:style>
-        <p:txBody>
-          <a:bodyPr rtlCol="0" anchor="ctr"/>
-          <a:lstStyle/>
-          <a:p>
-            <a:pPr algn="ctr"/>
-            <a:endParaRPr lang="zh-CN" altLang="en-US"/>
-          </a:p>
-        </p:txBody>
-      </p:sp>
-      <p:sp>
-        <p:nvSpPr>
-          <p:cNvPr id="34" name="文本框 33">
-            <a:extLst>
-              <a:ext uri="{FF2B5EF4-FFF2-40B4-BE49-F238E27FC236}">
-                <a16:creationId xmlns:a16="http://schemas.microsoft.com/office/drawing/2014/main" id="{C94B1721-4B0A-48E3-AC2D-03B817E4711D}"/>
-              </a:ext>
-            </a:extLst>
-          </p:cNvPr>
-          <p:cNvSpPr txBox="1"/>
-          <p:nvPr/>
-        </p:nvSpPr>
-        <p:spPr>
-          <a:xfrm>
-            <a:off x="1669751" y="3661935"/>
-            <a:ext cx="1970981" cy="461665"/>
-          </a:xfrm>
-          <a:prstGeom prst="rect">
-            <a:avLst/>
-          </a:prstGeom>
-          <a:noFill/>
-        </p:spPr>
-        <p:txBody>
-          <a:bodyPr wrap="square" rtlCol="0">
-            <a:spAutoFit/>
-          </a:bodyPr>
-          <a:lstStyle/>
-          <a:p>
-            <a:r>
-              <a:rPr lang="en-US" altLang="zh-CN" sz="2400" dirty="0">
-                <a:solidFill>
-                  <a:schemeClr val="accent1"/>
-                </a:solidFill>
-                <a:latin typeface="黑体" panose="02010609060101010101" pitchFamily="49" charset="-122"/>
-                <a:ea typeface="黑体" panose="02010609060101010101" pitchFamily="49" charset="-122"/>
-              </a:rPr>
-              <a:t>common node</a:t>
-            </a:r>
-            <a:endParaRPr lang="zh-CN" altLang="en-US" sz="2400" dirty="0">
-              <a:solidFill>
-                <a:schemeClr val="accent1"/>
-              </a:solidFill>
-              <a:latin typeface="黑体" panose="02010609060101010101" pitchFamily="49" charset="-122"/>
-              <a:ea typeface="黑体" panose="02010609060101010101" pitchFamily="49" charset="-122"/>
-            </a:endParaRPr>
-          </a:p>
-        </p:txBody>
-      </p:sp>
-      <p:sp>
-        <p:nvSpPr>
-          <p:cNvPr id="35" name="椭圆 34">
-            <a:extLst>
-              <a:ext uri="{FF2B5EF4-FFF2-40B4-BE49-F238E27FC236}">
-                <a16:creationId xmlns:a16="http://schemas.microsoft.com/office/drawing/2014/main" id="{FAC2FE2E-0469-4314-BF21-485B5431EF8C}"/>
-              </a:ext>
-            </a:extLst>
-          </p:cNvPr>
-          <p:cNvSpPr/>
-          <p:nvPr/>
-        </p:nvSpPr>
-        <p:spPr>
-          <a:xfrm>
-            <a:off x="921325" y="4302711"/>
-            <a:ext cx="540000" cy="540000"/>
-          </a:xfrm>
-          <a:prstGeom prst="ellipse">
-            <a:avLst/>
-          </a:prstGeom>
-        </p:spPr>
-        <p:style>
-          <a:lnRef idx="2">
-            <a:schemeClr val="accent4">
-              <a:shade val="50000"/>
-            </a:schemeClr>
-          </a:lnRef>
-          <a:fillRef idx="1">
-            <a:schemeClr val="accent4"/>
-          </a:fillRef>
-          <a:effectRef idx="0">
-            <a:schemeClr val="accent4"/>
-          </a:effectRef>
-          <a:fontRef idx="minor">
-            <a:schemeClr val="lt1"/>
-          </a:fontRef>
-        </p:style>
-        <p:txBody>
-          <a:bodyPr rtlCol="0" anchor="ctr"/>
-          <a:lstStyle/>
-          <a:p>
-            <a:pPr algn="ctr"/>
-            <a:endParaRPr lang="zh-CN" altLang="en-US"/>
-          </a:p>
-        </p:txBody>
-      </p:sp>
-      <p:sp>
-        <p:nvSpPr>
-          <p:cNvPr id="36" name="文本框 35">
-            <a:extLst>
-              <a:ext uri="{FF2B5EF4-FFF2-40B4-BE49-F238E27FC236}">
-                <a16:creationId xmlns:a16="http://schemas.microsoft.com/office/drawing/2014/main" id="{499F4DE6-32DA-4988-B70C-F8F209C2F7D8}"/>
-              </a:ext>
-            </a:extLst>
-          </p:cNvPr>
-          <p:cNvSpPr txBox="1"/>
-          <p:nvPr/>
-        </p:nvSpPr>
-        <p:spPr>
-          <a:xfrm>
-            <a:off x="1669752" y="4262509"/>
-            <a:ext cx="1970980" cy="461665"/>
-          </a:xfrm>
-          <a:prstGeom prst="rect">
-            <a:avLst/>
-          </a:prstGeom>
-          <a:noFill/>
-        </p:spPr>
-        <p:txBody>
-          <a:bodyPr wrap="square" rtlCol="0">
-            <a:spAutoFit/>
-          </a:bodyPr>
-          <a:lstStyle/>
-          <a:p>
-            <a:r>
-              <a:rPr lang="en-US" altLang="zh-CN" sz="2400" dirty="0" err="1">
-                <a:solidFill>
-                  <a:srgbClr val="FFC000"/>
-                </a:solidFill>
-                <a:latin typeface="黑体" panose="02010609060101010101" pitchFamily="49" charset="-122"/>
-                <a:ea typeface="黑体" panose="02010609060101010101" pitchFamily="49" charset="-122"/>
-              </a:rPr>
-              <a:t>newAdd</a:t>
-            </a:r>
-            <a:r>
-              <a:rPr lang="en-US" altLang="zh-CN" sz="2400" dirty="0">
-                <a:solidFill>
-                  <a:srgbClr val="FFC000"/>
-                </a:solidFill>
-                <a:latin typeface="黑体" panose="02010609060101010101" pitchFamily="49" charset="-122"/>
-                <a:ea typeface="黑体" panose="02010609060101010101" pitchFamily="49" charset="-122"/>
-              </a:rPr>
-              <a:t> node</a:t>
-            </a:r>
-            <a:endParaRPr lang="zh-CN" altLang="en-US" sz="2400" dirty="0">
-              <a:solidFill>
-                <a:srgbClr val="FFC000"/>
-              </a:solidFill>
-              <a:latin typeface="黑体" panose="02010609060101010101" pitchFamily="49" charset="-122"/>
-              <a:ea typeface="黑体" panose="02010609060101010101" pitchFamily="49" charset="-122"/>
-            </a:endParaRPr>
-          </a:p>
-        </p:txBody>
-      </p:sp>
     </p:spTree>
     <p:extLst>
       <p:ext uri="{BB962C8B-B14F-4D97-AF65-F5344CB8AC3E}">
-        <p14:creationId xmlns:p14="http://schemas.microsoft.com/office/powerpoint/2010/main" val="3406308488"/>
+        <p14:creationId xmlns:p14="http://schemas.microsoft.com/office/powerpoint/2010/main" val="2859701571"/>
       </p:ext>
     </p:extLst>
   </p:cSld>
@@ -12132,14 +12668,14 @@
                 <a:latin typeface="黑体" panose="02010609060101010101" pitchFamily="49" charset="-122"/>
                 <a:ea typeface="黑体" panose="02010609060101010101" pitchFamily="49" charset="-122"/>
               </a:rPr>
-              <a:t>leftEotate</a:t>
+              <a:t>leftRotate</a:t>
             </a:r>
             <a:r>
               <a:rPr lang="en-US" altLang="zh-CN" dirty="0">
                 <a:latin typeface="黑体" panose="02010609060101010101" pitchFamily="49" charset="-122"/>
                 <a:ea typeface="黑体" panose="02010609060101010101" pitchFamily="49" charset="-122"/>
               </a:rPr>
-              <a:t>(Node* par, Node* son)</a:t>
+              <a:t>(Node* par, Node* pre)</a:t>
             </a:r>
           </a:p>
           <a:p>
@@ -13117,797 +13653,6 @@
         <p:spPr>
           <a:xfrm>
             <a:off x="5178081" y="1988718"/>
-            <a:ext cx="4774504" cy="1477328"/>
-          </a:xfrm>
-          <a:prstGeom prst="rect">
-            <a:avLst/>
-          </a:prstGeom>
-          <a:noFill/>
-        </p:spPr>
-        <p:txBody>
-          <a:bodyPr wrap="square" rtlCol="0">
-            <a:spAutoFit/>
-          </a:bodyPr>
-          <a:lstStyle/>
-          <a:p>
-            <a:r>
-              <a:rPr lang="en-US" altLang="zh-CN" dirty="0">
-                <a:latin typeface="黑体" panose="02010609060101010101" pitchFamily="49" charset="-122"/>
-                <a:ea typeface="黑体" panose="02010609060101010101" pitchFamily="49" charset="-122"/>
-              </a:rPr>
-              <a:t>pretreat: </a:t>
-            </a:r>
-          </a:p>
-          <a:p>
-            <a:r>
-              <a:rPr lang="en-US" altLang="zh-CN" dirty="0">
-                <a:latin typeface="黑体" panose="02010609060101010101" pitchFamily="49" charset="-122"/>
-                <a:ea typeface="黑体" panose="02010609060101010101" pitchFamily="49" charset="-122"/>
-              </a:rPr>
-              <a:t>  Node* </a:t>
-            </a:r>
-            <a:r>
-              <a:rPr lang="en-US" altLang="zh-CN" dirty="0" err="1">
-                <a:latin typeface="黑体" panose="02010609060101010101" pitchFamily="49" charset="-122"/>
-                <a:ea typeface="黑体" panose="02010609060101010101" pitchFamily="49" charset="-122"/>
-              </a:rPr>
-              <a:t>gra</a:t>
-            </a:r>
-            <a:r>
-              <a:rPr lang="en-US" altLang="zh-CN" dirty="0">
-                <a:latin typeface="黑体" panose="02010609060101010101" pitchFamily="49" charset="-122"/>
-                <a:ea typeface="黑体" panose="02010609060101010101" pitchFamily="49" charset="-122"/>
-              </a:rPr>
-              <a:t> = par-&gt;parent;</a:t>
-            </a:r>
-          </a:p>
-          <a:p>
-            <a:r>
-              <a:rPr lang="zh-CN" altLang="en-US" dirty="0">
-                <a:latin typeface="黑体" panose="02010609060101010101" pitchFamily="49" charset="-122"/>
-                <a:ea typeface="黑体" panose="02010609060101010101" pitchFamily="49" charset="-122"/>
-              </a:rPr>
-              <a:t>  </a:t>
-            </a:r>
-            <a:r>
-              <a:rPr lang="en-US" altLang="zh-CN" dirty="0">
-                <a:latin typeface="黑体" panose="02010609060101010101" pitchFamily="49" charset="-122"/>
-                <a:ea typeface="黑体" panose="02010609060101010101" pitchFamily="49" charset="-122"/>
-              </a:rPr>
-              <a:t>bool </a:t>
-            </a:r>
-            <a:r>
-              <a:rPr lang="en-US" altLang="zh-CN" dirty="0" err="1">
-                <a:latin typeface="黑体" panose="02010609060101010101" pitchFamily="49" charset="-122"/>
-                <a:ea typeface="黑体" panose="02010609060101010101" pitchFamily="49" charset="-122"/>
-              </a:rPr>
-              <a:t>GraOccur</a:t>
-            </a:r>
-            <a:r>
-              <a:rPr lang="en-US" altLang="zh-CN" dirty="0">
-                <a:latin typeface="黑体" panose="02010609060101010101" pitchFamily="49" charset="-122"/>
-                <a:ea typeface="黑体" panose="02010609060101010101" pitchFamily="49" charset="-122"/>
-              </a:rPr>
-              <a:t> = (</a:t>
-            </a:r>
-            <a:r>
-              <a:rPr lang="en-US" altLang="zh-CN" dirty="0" err="1">
-                <a:latin typeface="黑体" panose="02010609060101010101" pitchFamily="49" charset="-122"/>
-                <a:ea typeface="黑体" panose="02010609060101010101" pitchFamily="49" charset="-122"/>
-              </a:rPr>
-              <a:t>gra</a:t>
-            </a:r>
-            <a:r>
-              <a:rPr lang="en-US" altLang="zh-CN" dirty="0">
-                <a:latin typeface="黑体" panose="02010609060101010101" pitchFamily="49" charset="-122"/>
-                <a:ea typeface="黑体" panose="02010609060101010101" pitchFamily="49" charset="-122"/>
-              </a:rPr>
-              <a:t>) ? true: false;</a:t>
-            </a:r>
-          </a:p>
-          <a:p>
-            <a:r>
-              <a:rPr lang="zh-CN" altLang="en-US" dirty="0">
-                <a:latin typeface="黑体" panose="02010609060101010101" pitchFamily="49" charset="-122"/>
-                <a:ea typeface="黑体" panose="02010609060101010101" pitchFamily="49" charset="-122"/>
-              </a:rPr>
-              <a:t>  </a:t>
-            </a:r>
-            <a:r>
-              <a:rPr lang="en-US" altLang="zh-CN" dirty="0">
-                <a:latin typeface="黑体" panose="02010609060101010101" pitchFamily="49" charset="-122"/>
-                <a:ea typeface="黑体" panose="02010609060101010101" pitchFamily="49" charset="-122"/>
-              </a:rPr>
-              <a:t>bool </a:t>
-            </a:r>
-            <a:r>
-              <a:rPr lang="en-US" altLang="zh-CN" dirty="0" err="1">
-                <a:latin typeface="黑体" panose="02010609060101010101" pitchFamily="49" charset="-122"/>
-                <a:ea typeface="黑体" panose="02010609060101010101" pitchFamily="49" charset="-122"/>
-              </a:rPr>
-              <a:t>GraLeft</a:t>
-            </a:r>
-            <a:r>
-              <a:rPr lang="en-US" altLang="zh-CN" dirty="0">
-                <a:latin typeface="黑体" panose="02010609060101010101" pitchFamily="49" charset="-122"/>
-                <a:ea typeface="黑体" panose="02010609060101010101" pitchFamily="49" charset="-122"/>
-              </a:rPr>
-              <a:t> = (</a:t>
-            </a:r>
-            <a:r>
-              <a:rPr lang="en-US" altLang="zh-CN" dirty="0" err="1">
-                <a:latin typeface="黑体" panose="02010609060101010101" pitchFamily="49" charset="-122"/>
-                <a:ea typeface="黑体" panose="02010609060101010101" pitchFamily="49" charset="-122"/>
-              </a:rPr>
-              <a:t>gra</a:t>
-            </a:r>
-            <a:r>
-              <a:rPr lang="en-US" altLang="zh-CN" dirty="0">
-                <a:latin typeface="黑体" panose="02010609060101010101" pitchFamily="49" charset="-122"/>
-                <a:ea typeface="黑体" panose="02010609060101010101" pitchFamily="49" charset="-122"/>
-              </a:rPr>
-              <a:t> &amp;&amp; </a:t>
-            </a:r>
-            <a:r>
-              <a:rPr lang="en-US" altLang="zh-CN" dirty="0" err="1">
-                <a:latin typeface="黑体" panose="02010609060101010101" pitchFamily="49" charset="-122"/>
-                <a:ea typeface="黑体" panose="02010609060101010101" pitchFamily="49" charset="-122"/>
-              </a:rPr>
-              <a:t>gre</a:t>
-            </a:r>
-            <a:r>
-              <a:rPr lang="en-US" altLang="zh-CN" dirty="0">
-                <a:latin typeface="黑体" panose="02010609060101010101" pitchFamily="49" charset="-122"/>
-                <a:ea typeface="黑体" panose="02010609060101010101" pitchFamily="49" charset="-122"/>
-              </a:rPr>
-              <a:t>-&gt;left == par) ? true : false;</a:t>
-            </a:r>
-            <a:endParaRPr lang="zh-CN" altLang="en-US" dirty="0">
-              <a:latin typeface="黑体" panose="02010609060101010101" pitchFamily="49" charset="-122"/>
-              <a:ea typeface="黑体" panose="02010609060101010101" pitchFamily="49" charset="-122"/>
-            </a:endParaRPr>
-          </a:p>
-        </p:txBody>
-      </p:sp>
-      <p:grpSp>
-        <p:nvGrpSpPr>
-          <p:cNvPr id="16" name="组合 15">
-            <a:extLst>
-              <a:ext uri="{FF2B5EF4-FFF2-40B4-BE49-F238E27FC236}">
-                <a16:creationId xmlns:a16="http://schemas.microsoft.com/office/drawing/2014/main" id="{4792B51A-EBBD-42BC-8D7D-B541C410F950}"/>
-              </a:ext>
-            </a:extLst>
-          </p:cNvPr>
-          <p:cNvGrpSpPr/>
-          <p:nvPr/>
-        </p:nvGrpSpPr>
-        <p:grpSpPr>
-          <a:xfrm flipH="1">
-            <a:off x="2547088" y="3244397"/>
-            <a:ext cx="2744874" cy="3125884"/>
-            <a:chOff x="4611862" y="2084191"/>
-            <a:chExt cx="2744874" cy="3125884"/>
-          </a:xfrm>
-        </p:grpSpPr>
-        <p:sp>
-          <p:nvSpPr>
-            <p:cNvPr id="17" name="椭圆 16">
-              <a:extLst>
-                <a:ext uri="{FF2B5EF4-FFF2-40B4-BE49-F238E27FC236}">
-                  <a16:creationId xmlns:a16="http://schemas.microsoft.com/office/drawing/2014/main" id="{D3700B26-01DA-4476-A590-1EDFFBAD8B6C}"/>
-                </a:ext>
-              </a:extLst>
-            </p:cNvPr>
-            <p:cNvSpPr/>
-            <p:nvPr/>
-          </p:nvSpPr>
-          <p:spPr>
-            <a:xfrm flipH="1">
-              <a:off x="5961862" y="2084191"/>
-              <a:ext cx="540000" cy="540000"/>
-            </a:xfrm>
-            <a:prstGeom prst="ellipse">
-              <a:avLst/>
-            </a:prstGeom>
-          </p:spPr>
-          <p:style>
-            <a:lnRef idx="2">
-              <a:schemeClr val="accent2">
-                <a:shade val="50000"/>
-              </a:schemeClr>
-            </a:lnRef>
-            <a:fillRef idx="1">
-              <a:schemeClr val="accent2"/>
-            </a:fillRef>
-            <a:effectRef idx="0">
-              <a:schemeClr val="accent2"/>
-            </a:effectRef>
-            <a:fontRef idx="minor">
-              <a:schemeClr val="lt1"/>
-            </a:fontRef>
-          </p:style>
-          <p:txBody>
-            <a:bodyPr rtlCol="0" anchor="ctr"/>
-            <a:lstStyle/>
-            <a:p>
-              <a:pPr algn="ctr"/>
-              <a:r>
-                <a:rPr lang="en-US" altLang="zh-CN" dirty="0"/>
-                <a:t>2</a:t>
-              </a:r>
-              <a:endParaRPr lang="zh-CN" altLang="en-US" dirty="0"/>
-            </a:p>
-          </p:txBody>
-        </p:sp>
-        <p:sp>
-          <p:nvSpPr>
-            <p:cNvPr id="19" name="椭圆 18">
-              <a:extLst>
-                <a:ext uri="{FF2B5EF4-FFF2-40B4-BE49-F238E27FC236}">
-                  <a16:creationId xmlns:a16="http://schemas.microsoft.com/office/drawing/2014/main" id="{ABC9C2CC-BD8F-4392-9EF9-A5644001CD58}"/>
-                </a:ext>
-              </a:extLst>
-            </p:cNvPr>
-            <p:cNvSpPr/>
-            <p:nvPr/>
-          </p:nvSpPr>
-          <p:spPr>
-            <a:xfrm flipH="1">
-              <a:off x="6816736" y="2934681"/>
-              <a:ext cx="540000" cy="540000"/>
-            </a:xfrm>
-            <a:prstGeom prst="ellipse">
-              <a:avLst/>
-            </a:prstGeom>
-          </p:spPr>
-          <p:style>
-            <a:lnRef idx="2">
-              <a:schemeClr val="accent1">
-                <a:shade val="50000"/>
-              </a:schemeClr>
-            </a:lnRef>
-            <a:fillRef idx="1">
-              <a:schemeClr val="accent1"/>
-            </a:fillRef>
-            <a:effectRef idx="0">
-              <a:schemeClr val="accent1"/>
-            </a:effectRef>
-            <a:fontRef idx="minor">
-              <a:schemeClr val="lt1"/>
-            </a:fontRef>
-          </p:style>
-          <p:txBody>
-            <a:bodyPr rtlCol="0" anchor="ctr"/>
-            <a:lstStyle/>
-            <a:p>
-              <a:pPr algn="ctr"/>
-              <a:r>
-                <a:rPr lang="en-US" altLang="zh-CN" dirty="0"/>
-                <a:t>1</a:t>
-              </a:r>
-              <a:endParaRPr lang="zh-CN" altLang="en-US" dirty="0"/>
-            </a:p>
-          </p:txBody>
-        </p:sp>
-        <p:sp>
-          <p:nvSpPr>
-            <p:cNvPr id="22" name="椭圆 21">
-              <a:extLst>
-                <a:ext uri="{FF2B5EF4-FFF2-40B4-BE49-F238E27FC236}">
-                  <a16:creationId xmlns:a16="http://schemas.microsoft.com/office/drawing/2014/main" id="{80146CF3-5496-4E2B-A8CF-750EC7CE5F6F}"/>
-                </a:ext>
-              </a:extLst>
-            </p:cNvPr>
-            <p:cNvSpPr/>
-            <p:nvPr/>
-          </p:nvSpPr>
-          <p:spPr>
-            <a:xfrm flipH="1">
-              <a:off x="5151862" y="2934681"/>
-              <a:ext cx="540000" cy="540000"/>
-            </a:xfrm>
-            <a:prstGeom prst="ellipse">
-              <a:avLst/>
-            </a:prstGeom>
-          </p:spPr>
-          <p:style>
-            <a:lnRef idx="2">
-              <a:schemeClr val="accent6">
-                <a:shade val="50000"/>
-              </a:schemeClr>
-            </a:lnRef>
-            <a:fillRef idx="1">
-              <a:schemeClr val="accent6"/>
-            </a:fillRef>
-            <a:effectRef idx="0">
-              <a:schemeClr val="accent6"/>
-            </a:effectRef>
-            <a:fontRef idx="minor">
-              <a:schemeClr val="lt1"/>
-            </a:fontRef>
-          </p:style>
-          <p:txBody>
-            <a:bodyPr rtlCol="0" anchor="ctr"/>
-            <a:lstStyle/>
-            <a:p>
-              <a:pPr algn="ctr"/>
-              <a:r>
-                <a:rPr lang="en-US" altLang="zh-CN" dirty="0"/>
-                <a:t>5</a:t>
-              </a:r>
-              <a:endParaRPr lang="zh-CN" altLang="en-US" dirty="0"/>
-            </a:p>
-          </p:txBody>
-        </p:sp>
-        <p:sp>
-          <p:nvSpPr>
-            <p:cNvPr id="23" name="椭圆 22">
-              <a:extLst>
-                <a:ext uri="{FF2B5EF4-FFF2-40B4-BE49-F238E27FC236}">
-                  <a16:creationId xmlns:a16="http://schemas.microsoft.com/office/drawing/2014/main" id="{89351732-C500-4F08-8132-099831997F06}"/>
-                </a:ext>
-              </a:extLst>
-            </p:cNvPr>
-            <p:cNvSpPr/>
-            <p:nvPr/>
-          </p:nvSpPr>
-          <p:spPr>
-            <a:xfrm flipH="1">
-              <a:off x="4611862" y="3787631"/>
-              <a:ext cx="540000" cy="540000"/>
-            </a:xfrm>
-            <a:prstGeom prst="ellipse">
-              <a:avLst/>
-            </a:prstGeom>
-          </p:spPr>
-          <p:style>
-            <a:lnRef idx="2">
-              <a:schemeClr val="accent1">
-                <a:shade val="50000"/>
-              </a:schemeClr>
-            </a:lnRef>
-            <a:fillRef idx="1">
-              <a:schemeClr val="accent1"/>
-            </a:fillRef>
-            <a:effectRef idx="0">
-              <a:schemeClr val="accent1"/>
-            </a:effectRef>
-            <a:fontRef idx="minor">
-              <a:schemeClr val="lt1"/>
-            </a:fontRef>
-          </p:style>
-          <p:txBody>
-            <a:bodyPr rtlCol="0" anchor="ctr"/>
-            <a:lstStyle/>
-            <a:p>
-              <a:pPr algn="ctr"/>
-              <a:r>
-                <a:rPr lang="en-US" altLang="zh-CN" dirty="0"/>
-                <a:t>6</a:t>
-              </a:r>
-              <a:endParaRPr lang="zh-CN" altLang="en-US" dirty="0"/>
-            </a:p>
-          </p:txBody>
-        </p:sp>
-        <p:sp>
-          <p:nvSpPr>
-            <p:cNvPr id="25" name="椭圆 24">
-              <a:extLst>
-                <a:ext uri="{FF2B5EF4-FFF2-40B4-BE49-F238E27FC236}">
-                  <a16:creationId xmlns:a16="http://schemas.microsoft.com/office/drawing/2014/main" id="{3CAD7B98-7E5E-47B7-B1F6-D592D9F146A5}"/>
-                </a:ext>
-              </a:extLst>
-            </p:cNvPr>
-            <p:cNvSpPr/>
-            <p:nvPr/>
-          </p:nvSpPr>
-          <p:spPr>
-            <a:xfrm flipH="1">
-              <a:off x="5691862" y="3802378"/>
-              <a:ext cx="540000" cy="540000"/>
-            </a:xfrm>
-            <a:prstGeom prst="ellipse">
-              <a:avLst/>
-            </a:prstGeom>
-          </p:spPr>
-          <p:style>
-            <a:lnRef idx="2">
-              <a:schemeClr val="accent1">
-                <a:shade val="50000"/>
-              </a:schemeClr>
-            </a:lnRef>
-            <a:fillRef idx="1">
-              <a:schemeClr val="accent1"/>
-            </a:fillRef>
-            <a:effectRef idx="0">
-              <a:schemeClr val="accent1"/>
-            </a:effectRef>
-            <a:fontRef idx="minor">
-              <a:schemeClr val="lt1"/>
-            </a:fontRef>
-          </p:style>
-          <p:txBody>
-            <a:bodyPr rtlCol="0" anchor="ctr"/>
-            <a:lstStyle/>
-            <a:p>
-              <a:pPr algn="ctr"/>
-              <a:r>
-                <a:rPr lang="en-US" altLang="zh-CN" dirty="0"/>
-                <a:t>4</a:t>
-              </a:r>
-              <a:endParaRPr lang="zh-CN" altLang="en-US" dirty="0"/>
-            </a:p>
-          </p:txBody>
-        </p:sp>
-        <p:sp>
-          <p:nvSpPr>
-            <p:cNvPr id="26" name="椭圆 25">
-              <a:extLst>
-                <a:ext uri="{FF2B5EF4-FFF2-40B4-BE49-F238E27FC236}">
-                  <a16:creationId xmlns:a16="http://schemas.microsoft.com/office/drawing/2014/main" id="{91ECA260-7CFC-4FEB-9DD2-E6DCC5A41182}"/>
-                </a:ext>
-              </a:extLst>
-            </p:cNvPr>
-            <p:cNvSpPr/>
-            <p:nvPr/>
-          </p:nvSpPr>
-          <p:spPr>
-            <a:xfrm flipH="1">
-              <a:off x="6152781" y="4670075"/>
-              <a:ext cx="540000" cy="540000"/>
-            </a:xfrm>
-            <a:prstGeom prst="ellipse">
-              <a:avLst/>
-            </a:prstGeom>
-          </p:spPr>
-          <p:style>
-            <a:lnRef idx="2">
-              <a:schemeClr val="accent4">
-                <a:shade val="50000"/>
-              </a:schemeClr>
-            </a:lnRef>
-            <a:fillRef idx="1">
-              <a:schemeClr val="accent4"/>
-            </a:fillRef>
-            <a:effectRef idx="0">
-              <a:schemeClr val="accent4"/>
-            </a:effectRef>
-            <a:fontRef idx="minor">
-              <a:schemeClr val="lt1"/>
-            </a:fontRef>
-          </p:style>
-          <p:txBody>
-            <a:bodyPr rtlCol="0" anchor="ctr"/>
-            <a:lstStyle/>
-            <a:p>
-              <a:pPr algn="ctr"/>
-              <a:r>
-                <a:rPr lang="en-US" altLang="zh-CN" dirty="0"/>
-                <a:t>3</a:t>
-              </a:r>
-              <a:endParaRPr lang="zh-CN" altLang="en-US" dirty="0"/>
-            </a:p>
-          </p:txBody>
-        </p:sp>
-        <p:cxnSp>
-          <p:nvCxnSpPr>
-            <p:cNvPr id="27" name="直接连接符 26">
-              <a:extLst>
-                <a:ext uri="{FF2B5EF4-FFF2-40B4-BE49-F238E27FC236}">
-                  <a16:creationId xmlns:a16="http://schemas.microsoft.com/office/drawing/2014/main" id="{F8F26E3C-2148-4E47-8002-EB89FA27C4BA}"/>
-                </a:ext>
-              </a:extLst>
-            </p:cNvPr>
-            <p:cNvCxnSpPr>
-              <a:stCxn id="17" idx="3"/>
-              <a:endCxn id="19" idx="7"/>
-            </p:cNvCxnSpPr>
-            <p:nvPr/>
-          </p:nvCxnSpPr>
-          <p:spPr>
-            <a:xfrm>
-              <a:off x="6422781" y="2545110"/>
-              <a:ext cx="473036" cy="468652"/>
-            </a:xfrm>
-            <a:prstGeom prst="line">
-              <a:avLst/>
-            </a:prstGeom>
-          </p:spPr>
-          <p:style>
-            <a:lnRef idx="3">
-              <a:schemeClr val="accent1"/>
-            </a:lnRef>
-            <a:fillRef idx="0">
-              <a:schemeClr val="accent1"/>
-            </a:fillRef>
-            <a:effectRef idx="2">
-              <a:schemeClr val="accent1"/>
-            </a:effectRef>
-            <a:fontRef idx="minor">
-              <a:schemeClr val="tx1"/>
-            </a:fontRef>
-          </p:style>
-        </p:cxnSp>
-        <p:cxnSp>
-          <p:nvCxnSpPr>
-            <p:cNvPr id="29" name="直接连接符 28">
-              <a:extLst>
-                <a:ext uri="{FF2B5EF4-FFF2-40B4-BE49-F238E27FC236}">
-                  <a16:creationId xmlns:a16="http://schemas.microsoft.com/office/drawing/2014/main" id="{046F85F4-D263-42CF-8F9F-A7F1A61409E0}"/>
-                </a:ext>
-              </a:extLst>
-            </p:cNvPr>
-            <p:cNvCxnSpPr>
-              <a:cxnSpLocks/>
-              <a:stCxn id="17" idx="5"/>
-              <a:endCxn id="22" idx="1"/>
-            </p:cNvCxnSpPr>
-            <p:nvPr/>
-          </p:nvCxnSpPr>
-          <p:spPr>
-            <a:xfrm flipH="1">
-              <a:off x="5612781" y="2545110"/>
-              <a:ext cx="428162" cy="468652"/>
-            </a:xfrm>
-            <a:prstGeom prst="line">
-              <a:avLst/>
-            </a:prstGeom>
-          </p:spPr>
-          <p:style>
-            <a:lnRef idx="3">
-              <a:schemeClr val="accent1"/>
-            </a:lnRef>
-            <a:fillRef idx="0">
-              <a:schemeClr val="accent1"/>
-            </a:fillRef>
-            <a:effectRef idx="2">
-              <a:schemeClr val="accent1"/>
-            </a:effectRef>
-            <a:fontRef idx="minor">
-              <a:schemeClr val="tx1"/>
-            </a:fontRef>
-          </p:style>
-        </p:cxnSp>
-        <p:cxnSp>
-          <p:nvCxnSpPr>
-            <p:cNvPr id="30" name="直接连接符 29">
-              <a:extLst>
-                <a:ext uri="{FF2B5EF4-FFF2-40B4-BE49-F238E27FC236}">
-                  <a16:creationId xmlns:a16="http://schemas.microsoft.com/office/drawing/2014/main" id="{5A6E9196-63F6-4EE7-AAE7-4A7B2099DE5B}"/>
-                </a:ext>
-              </a:extLst>
-            </p:cNvPr>
-            <p:cNvCxnSpPr>
-              <a:cxnSpLocks/>
-              <a:stCxn id="22" idx="3"/>
-              <a:endCxn id="25" idx="0"/>
-            </p:cNvCxnSpPr>
-            <p:nvPr/>
-          </p:nvCxnSpPr>
-          <p:spPr>
-            <a:xfrm>
-              <a:off x="5612781" y="3395600"/>
-              <a:ext cx="349081" cy="406778"/>
-            </a:xfrm>
-            <a:prstGeom prst="line">
-              <a:avLst/>
-            </a:prstGeom>
-          </p:spPr>
-          <p:style>
-            <a:lnRef idx="3">
-              <a:schemeClr val="accent1"/>
-            </a:lnRef>
-            <a:fillRef idx="0">
-              <a:schemeClr val="accent1"/>
-            </a:fillRef>
-            <a:effectRef idx="2">
-              <a:schemeClr val="accent1"/>
-            </a:effectRef>
-            <a:fontRef idx="minor">
-              <a:schemeClr val="tx1"/>
-            </a:fontRef>
-          </p:style>
-        </p:cxnSp>
-        <p:cxnSp>
-          <p:nvCxnSpPr>
-            <p:cNvPr id="31" name="直接连接符 30">
-              <a:extLst>
-                <a:ext uri="{FF2B5EF4-FFF2-40B4-BE49-F238E27FC236}">
-                  <a16:creationId xmlns:a16="http://schemas.microsoft.com/office/drawing/2014/main" id="{DC6B1E24-C20A-4EFD-A57C-CAFDAF4C4510}"/>
-                </a:ext>
-              </a:extLst>
-            </p:cNvPr>
-            <p:cNvCxnSpPr>
-              <a:cxnSpLocks/>
-              <a:stCxn id="22" idx="5"/>
-              <a:endCxn id="23" idx="0"/>
-            </p:cNvCxnSpPr>
-            <p:nvPr/>
-          </p:nvCxnSpPr>
-          <p:spPr>
-            <a:xfrm flipH="1">
-              <a:off x="4881862" y="3395600"/>
-              <a:ext cx="349081" cy="392031"/>
-            </a:xfrm>
-            <a:prstGeom prst="line">
-              <a:avLst/>
-            </a:prstGeom>
-          </p:spPr>
-          <p:style>
-            <a:lnRef idx="3">
-              <a:schemeClr val="accent1"/>
-            </a:lnRef>
-            <a:fillRef idx="0">
-              <a:schemeClr val="accent1"/>
-            </a:fillRef>
-            <a:effectRef idx="2">
-              <a:schemeClr val="accent1"/>
-            </a:effectRef>
-            <a:fontRef idx="minor">
-              <a:schemeClr val="tx1"/>
-            </a:fontRef>
-          </p:style>
-        </p:cxnSp>
-        <p:cxnSp>
-          <p:nvCxnSpPr>
-            <p:cNvPr id="33" name="直接连接符 32">
-              <a:extLst>
-                <a:ext uri="{FF2B5EF4-FFF2-40B4-BE49-F238E27FC236}">
-                  <a16:creationId xmlns:a16="http://schemas.microsoft.com/office/drawing/2014/main" id="{643F09E9-6DF5-48B6-A635-0B6A0B028CFA}"/>
-                </a:ext>
-              </a:extLst>
-            </p:cNvPr>
-            <p:cNvCxnSpPr>
-              <a:cxnSpLocks/>
-              <a:stCxn id="25" idx="3"/>
-              <a:endCxn id="26" idx="0"/>
-            </p:cNvCxnSpPr>
-            <p:nvPr/>
-          </p:nvCxnSpPr>
-          <p:spPr>
-            <a:xfrm>
-              <a:off x="6152781" y="4263297"/>
-              <a:ext cx="270000" cy="406778"/>
-            </a:xfrm>
-            <a:prstGeom prst="line">
-              <a:avLst/>
-            </a:prstGeom>
-          </p:spPr>
-          <p:style>
-            <a:lnRef idx="3">
-              <a:schemeClr val="accent1"/>
-            </a:lnRef>
-            <a:fillRef idx="0">
-              <a:schemeClr val="accent1"/>
-            </a:fillRef>
-            <a:effectRef idx="2">
-              <a:schemeClr val="accent1"/>
-            </a:effectRef>
-            <a:fontRef idx="minor">
-              <a:schemeClr val="tx1"/>
-            </a:fontRef>
-          </p:style>
-        </p:cxnSp>
-      </p:grpSp>
-      <p:sp>
-        <p:nvSpPr>
-          <p:cNvPr id="41" name="文本框 40">
-            <a:extLst>
-              <a:ext uri="{FF2B5EF4-FFF2-40B4-BE49-F238E27FC236}">
-                <a16:creationId xmlns:a16="http://schemas.microsoft.com/office/drawing/2014/main" id="{3FB9B5D6-4148-4C6E-A96F-463E3BD49487}"/>
-              </a:ext>
-            </a:extLst>
-          </p:cNvPr>
-          <p:cNvSpPr txBox="1"/>
-          <p:nvPr/>
-        </p:nvSpPr>
-        <p:spPr>
-          <a:xfrm>
-            <a:off x="1027028" y="921021"/>
-            <a:ext cx="6682106" cy="923330"/>
-          </a:xfrm>
-          <a:prstGeom prst="rect">
-            <a:avLst/>
-          </a:prstGeom>
-          <a:noFill/>
-        </p:spPr>
-        <p:txBody>
-          <a:bodyPr wrap="square" rtlCol="0">
-            <a:spAutoFit/>
-          </a:bodyPr>
-          <a:lstStyle/>
-          <a:p>
-            <a:r>
-              <a:rPr lang="en-US" altLang="zh-CN" dirty="0">
-                <a:latin typeface="黑体" panose="02010609060101010101" pitchFamily="49" charset="-122"/>
-                <a:ea typeface="黑体" panose="02010609060101010101" pitchFamily="49" charset="-122"/>
-              </a:rPr>
-              <a:t>void </a:t>
-            </a:r>
-            <a:r>
-              <a:rPr lang="en-US" altLang="zh-CN" dirty="0" err="1">
-                <a:latin typeface="黑体" panose="02010609060101010101" pitchFamily="49" charset="-122"/>
-                <a:ea typeface="黑体" panose="02010609060101010101" pitchFamily="49" charset="-122"/>
-              </a:rPr>
-              <a:t>rightleftRotate</a:t>
-            </a:r>
-            <a:r>
-              <a:rPr lang="en-US" altLang="zh-CN" dirty="0">
-                <a:latin typeface="黑体" panose="02010609060101010101" pitchFamily="49" charset="-122"/>
-                <a:ea typeface="黑体" panose="02010609060101010101" pitchFamily="49" charset="-122"/>
-              </a:rPr>
-              <a:t>(Node* par, Node* son)</a:t>
-            </a:r>
-          </a:p>
-          <a:p>
-            <a:r>
-              <a:rPr lang="en-US" altLang="zh-CN" dirty="0">
-                <a:latin typeface="黑体" panose="02010609060101010101" pitchFamily="49" charset="-122"/>
-                <a:ea typeface="黑体" panose="02010609060101010101" pitchFamily="49" charset="-122"/>
-              </a:rPr>
-              <a:t>Use when par-&gt;right-&gt;height &gt; (par-&gt;left-&gt;height + 1) &amp;&amp;</a:t>
-            </a:r>
-          </a:p>
-          <a:p>
-            <a:r>
-              <a:rPr lang="en-US" altLang="zh-CN" dirty="0">
-                <a:latin typeface="黑体" panose="02010609060101010101" pitchFamily="49" charset="-122"/>
-                <a:ea typeface="黑体" panose="02010609060101010101" pitchFamily="49" charset="-122"/>
-              </a:rPr>
-              <a:t>         pre-&gt;right-&gt;height &lt; pre-&gt;left-&gt;height</a:t>
-            </a:r>
-            <a:endParaRPr lang="zh-CN" altLang="en-US" dirty="0">
-              <a:latin typeface="黑体" panose="02010609060101010101" pitchFamily="49" charset="-122"/>
-              <a:ea typeface="黑体" panose="02010609060101010101" pitchFamily="49" charset="-122"/>
-            </a:endParaRPr>
-          </a:p>
-        </p:txBody>
-      </p:sp>
-    </p:spTree>
-    <p:extLst>
-      <p:ext uri="{BB962C8B-B14F-4D97-AF65-F5344CB8AC3E}">
-        <p14:creationId xmlns:p14="http://schemas.microsoft.com/office/powerpoint/2010/main" val="1054916998"/>
-      </p:ext>
-    </p:extLst>
-  </p:cSld>
-  <p:clrMapOvr>
-    <a:masterClrMapping/>
-  </p:clrMapOvr>
-</p:sld>
-</file>
-
-<file path=ppt/slides/slide21.xml><?xml version="1.0" encoding="utf-8"?>
-<p:sld xmlns:a="http://schemas.openxmlformats.org/drawingml/2006/main" xmlns:r="http://schemas.openxmlformats.org/officeDocument/2006/relationships" xmlns:p="http://schemas.openxmlformats.org/presentationml/2006/main">
-  <p:cSld>
-    <p:spTree>
-      <p:nvGrpSpPr>
-        <p:cNvPr id="1" name=""/>
-        <p:cNvGrpSpPr/>
-        <p:nvPr/>
-      </p:nvGrpSpPr>
-      <p:grpSpPr>
-        <a:xfrm>
-          <a:off x="0" y="0"/>
-          <a:ext cx="0" cy="0"/>
-          <a:chOff x="0" y="0"/>
-          <a:chExt cx="0" cy="0"/>
-        </a:xfrm>
-      </p:grpSpPr>
-      <p:sp>
-        <p:nvSpPr>
-          <p:cNvPr id="2" name="文本框 1">
-            <a:extLst>
-              <a:ext uri="{FF2B5EF4-FFF2-40B4-BE49-F238E27FC236}">
-                <a16:creationId xmlns:a16="http://schemas.microsoft.com/office/drawing/2014/main" id="{3896F57B-136C-4494-9149-3AF08FDD4627}"/>
-              </a:ext>
-            </a:extLst>
-          </p:cNvPr>
-          <p:cNvSpPr txBox="1"/>
-          <p:nvPr/>
-        </p:nvSpPr>
-        <p:spPr>
-          <a:xfrm>
-            <a:off x="5178081" y="1988718"/>
             <a:ext cx="4774504" cy="369332"/>
           </a:xfrm>
           <a:prstGeom prst="rect">
@@ -13926,14 +13671,14 @@
                 <a:latin typeface="黑体" panose="02010609060101010101" pitchFamily="49" charset="-122"/>
                 <a:ea typeface="黑体" panose="02010609060101010101" pitchFamily="49" charset="-122"/>
               </a:rPr>
-              <a:t>rightRotate</a:t>
+              <a:t>leftRotate</a:t>
             </a:r>
             <a:r>
               <a:rPr lang="en-US" altLang="zh-CN" dirty="0">
                 <a:latin typeface="黑体" panose="02010609060101010101" pitchFamily="49" charset="-122"/>
                 <a:ea typeface="黑体" panose="02010609060101010101" pitchFamily="49" charset="-122"/>
               </a:rPr>
-              <a:t>(pre-&gt;left, pre);</a:t>
+              <a:t>(pre-&gt;parent, par);</a:t>
             </a:r>
           </a:p>
         </p:txBody>
@@ -13986,1241 +13731,6 @@
       </p:sp>
       <p:grpSp>
         <p:nvGrpSpPr>
-          <p:cNvPr id="15" name="组合 14">
-            <a:extLst>
-              <a:ext uri="{FF2B5EF4-FFF2-40B4-BE49-F238E27FC236}">
-                <a16:creationId xmlns:a16="http://schemas.microsoft.com/office/drawing/2014/main" id="{ECB557B7-AAA7-486D-B810-D498BA9C8EC4}"/>
-              </a:ext>
-            </a:extLst>
-          </p:cNvPr>
-          <p:cNvGrpSpPr/>
-          <p:nvPr/>
-        </p:nvGrpSpPr>
-        <p:grpSpPr>
-          <a:xfrm flipH="1">
-            <a:off x="6383198" y="3079409"/>
-            <a:ext cx="3216822" cy="3124444"/>
-            <a:chOff x="6218202" y="3078689"/>
-            <a:chExt cx="3216822" cy="3124444"/>
-          </a:xfrm>
-        </p:grpSpPr>
-        <p:sp>
-          <p:nvSpPr>
-            <p:cNvPr id="64" name="椭圆 63">
-              <a:extLst>
-                <a:ext uri="{FF2B5EF4-FFF2-40B4-BE49-F238E27FC236}">
-                  <a16:creationId xmlns:a16="http://schemas.microsoft.com/office/drawing/2014/main" id="{DFA926E2-F78A-4666-9556-21C99C093BC6}"/>
-                </a:ext>
-              </a:extLst>
-            </p:cNvPr>
-            <p:cNvSpPr/>
-            <p:nvPr/>
-          </p:nvSpPr>
-          <p:spPr>
-            <a:xfrm flipH="1">
-              <a:off x="8040150" y="3078689"/>
-              <a:ext cx="540000" cy="540000"/>
-            </a:xfrm>
-            <a:prstGeom prst="ellipse">
-              <a:avLst/>
-            </a:prstGeom>
-          </p:spPr>
-          <p:style>
-            <a:lnRef idx="2">
-              <a:schemeClr val="accent2">
-                <a:shade val="50000"/>
-              </a:schemeClr>
-            </a:lnRef>
-            <a:fillRef idx="1">
-              <a:schemeClr val="accent2"/>
-            </a:fillRef>
-            <a:effectRef idx="0">
-              <a:schemeClr val="accent2"/>
-            </a:effectRef>
-            <a:fontRef idx="minor">
-              <a:schemeClr val="lt1"/>
-            </a:fontRef>
-          </p:style>
-          <p:txBody>
-            <a:bodyPr rtlCol="0" anchor="ctr"/>
-            <a:lstStyle/>
-            <a:p>
-              <a:pPr algn="ctr"/>
-              <a:r>
-                <a:rPr lang="en-US" altLang="zh-CN" dirty="0"/>
-                <a:t>2</a:t>
-              </a:r>
-              <a:endParaRPr lang="zh-CN" altLang="en-US" dirty="0"/>
-            </a:p>
-          </p:txBody>
-        </p:sp>
-        <p:sp>
-          <p:nvSpPr>
-            <p:cNvPr id="65" name="椭圆 64">
-              <a:extLst>
-                <a:ext uri="{FF2B5EF4-FFF2-40B4-BE49-F238E27FC236}">
-                  <a16:creationId xmlns:a16="http://schemas.microsoft.com/office/drawing/2014/main" id="{80FE647D-E955-4871-90A9-42FC4918A40C}"/>
-                </a:ext>
-              </a:extLst>
-            </p:cNvPr>
-            <p:cNvSpPr/>
-            <p:nvPr/>
-          </p:nvSpPr>
-          <p:spPr>
-            <a:xfrm flipH="1">
-              <a:off x="8895024" y="3929179"/>
-              <a:ext cx="540000" cy="540000"/>
-            </a:xfrm>
-            <a:prstGeom prst="ellipse">
-              <a:avLst/>
-            </a:prstGeom>
-          </p:spPr>
-          <p:style>
-            <a:lnRef idx="2">
-              <a:schemeClr val="accent1">
-                <a:shade val="50000"/>
-              </a:schemeClr>
-            </a:lnRef>
-            <a:fillRef idx="1">
-              <a:schemeClr val="accent1"/>
-            </a:fillRef>
-            <a:effectRef idx="0">
-              <a:schemeClr val="accent1"/>
-            </a:effectRef>
-            <a:fontRef idx="minor">
-              <a:schemeClr val="lt1"/>
-            </a:fontRef>
-          </p:style>
-          <p:txBody>
-            <a:bodyPr rtlCol="0" anchor="ctr"/>
-            <a:lstStyle/>
-            <a:p>
-              <a:pPr algn="ctr"/>
-              <a:r>
-                <a:rPr lang="en-US" altLang="zh-CN" dirty="0"/>
-                <a:t>1</a:t>
-              </a:r>
-              <a:endParaRPr lang="zh-CN" altLang="en-US" dirty="0"/>
-            </a:p>
-          </p:txBody>
-        </p:sp>
-        <p:sp>
-          <p:nvSpPr>
-            <p:cNvPr id="66" name="椭圆 65">
-              <a:extLst>
-                <a:ext uri="{FF2B5EF4-FFF2-40B4-BE49-F238E27FC236}">
-                  <a16:creationId xmlns:a16="http://schemas.microsoft.com/office/drawing/2014/main" id="{AE91A97D-782F-48C4-BE1D-E3289ACEFE08}"/>
-                </a:ext>
-              </a:extLst>
-            </p:cNvPr>
-            <p:cNvSpPr/>
-            <p:nvPr/>
-          </p:nvSpPr>
-          <p:spPr>
-            <a:xfrm flipH="1">
-              <a:off x="6769231" y="4782089"/>
-              <a:ext cx="540000" cy="540000"/>
-            </a:xfrm>
-            <a:prstGeom prst="ellipse">
-              <a:avLst/>
-            </a:prstGeom>
-          </p:spPr>
-          <p:style>
-            <a:lnRef idx="2">
-              <a:schemeClr val="accent6">
-                <a:shade val="50000"/>
-              </a:schemeClr>
-            </a:lnRef>
-            <a:fillRef idx="1">
-              <a:schemeClr val="accent6"/>
-            </a:fillRef>
-            <a:effectRef idx="0">
-              <a:schemeClr val="accent6"/>
-            </a:effectRef>
-            <a:fontRef idx="minor">
-              <a:schemeClr val="lt1"/>
-            </a:fontRef>
-          </p:style>
-          <p:txBody>
-            <a:bodyPr rtlCol="0" anchor="ctr"/>
-            <a:lstStyle/>
-            <a:p>
-              <a:pPr algn="ctr"/>
-              <a:r>
-                <a:rPr lang="en-US" altLang="zh-CN" dirty="0"/>
-                <a:t>5</a:t>
-              </a:r>
-              <a:endParaRPr lang="zh-CN" altLang="en-US" dirty="0"/>
-            </a:p>
-          </p:txBody>
-        </p:sp>
-        <p:sp>
-          <p:nvSpPr>
-            <p:cNvPr id="67" name="椭圆 66">
-              <a:extLst>
-                <a:ext uri="{FF2B5EF4-FFF2-40B4-BE49-F238E27FC236}">
-                  <a16:creationId xmlns:a16="http://schemas.microsoft.com/office/drawing/2014/main" id="{AE11E1F7-275A-4D3C-9E57-2207CA2ACAC0}"/>
-                </a:ext>
-              </a:extLst>
-            </p:cNvPr>
-            <p:cNvSpPr/>
-            <p:nvPr/>
-          </p:nvSpPr>
-          <p:spPr>
-            <a:xfrm flipH="1">
-              <a:off x="6218202" y="5663133"/>
-              <a:ext cx="540000" cy="540000"/>
-            </a:xfrm>
-            <a:prstGeom prst="ellipse">
-              <a:avLst/>
-            </a:prstGeom>
-          </p:spPr>
-          <p:style>
-            <a:lnRef idx="2">
-              <a:schemeClr val="accent1">
-                <a:shade val="50000"/>
-              </a:schemeClr>
-            </a:lnRef>
-            <a:fillRef idx="1">
-              <a:schemeClr val="accent1"/>
-            </a:fillRef>
-            <a:effectRef idx="0">
-              <a:schemeClr val="accent1"/>
-            </a:effectRef>
-            <a:fontRef idx="minor">
-              <a:schemeClr val="lt1"/>
-            </a:fontRef>
-          </p:style>
-          <p:txBody>
-            <a:bodyPr rtlCol="0" anchor="ctr"/>
-            <a:lstStyle/>
-            <a:p>
-              <a:pPr algn="ctr"/>
-              <a:r>
-                <a:rPr lang="en-US" altLang="zh-CN" dirty="0"/>
-                <a:t>6</a:t>
-              </a:r>
-              <a:endParaRPr lang="zh-CN" altLang="en-US" dirty="0"/>
-            </a:p>
-          </p:txBody>
-        </p:sp>
-        <p:sp>
-          <p:nvSpPr>
-            <p:cNvPr id="68" name="椭圆 67">
-              <a:extLst>
-                <a:ext uri="{FF2B5EF4-FFF2-40B4-BE49-F238E27FC236}">
-                  <a16:creationId xmlns:a16="http://schemas.microsoft.com/office/drawing/2014/main" id="{CB0600C9-70F2-4EEE-AF97-C9DBE9D28207}"/>
-                </a:ext>
-              </a:extLst>
-            </p:cNvPr>
-            <p:cNvSpPr/>
-            <p:nvPr/>
-          </p:nvSpPr>
-          <p:spPr>
-            <a:xfrm flipH="1">
-              <a:off x="7309231" y="3927739"/>
-              <a:ext cx="540000" cy="540000"/>
-            </a:xfrm>
-            <a:prstGeom prst="ellipse">
-              <a:avLst/>
-            </a:prstGeom>
-          </p:spPr>
-          <p:style>
-            <a:lnRef idx="2">
-              <a:schemeClr val="accent1">
-                <a:shade val="50000"/>
-              </a:schemeClr>
-            </a:lnRef>
-            <a:fillRef idx="1">
-              <a:schemeClr val="accent1"/>
-            </a:fillRef>
-            <a:effectRef idx="0">
-              <a:schemeClr val="accent1"/>
-            </a:effectRef>
-            <a:fontRef idx="minor">
-              <a:schemeClr val="lt1"/>
-            </a:fontRef>
-          </p:style>
-          <p:txBody>
-            <a:bodyPr rtlCol="0" anchor="ctr"/>
-            <a:lstStyle/>
-            <a:p>
-              <a:pPr algn="ctr"/>
-              <a:r>
-                <a:rPr lang="en-US" altLang="zh-CN" dirty="0"/>
-                <a:t>4</a:t>
-              </a:r>
-              <a:endParaRPr lang="zh-CN" altLang="en-US" dirty="0"/>
-            </a:p>
-          </p:txBody>
-        </p:sp>
-        <p:sp>
-          <p:nvSpPr>
-            <p:cNvPr id="69" name="椭圆 68">
-              <a:extLst>
-                <a:ext uri="{FF2B5EF4-FFF2-40B4-BE49-F238E27FC236}">
-                  <a16:creationId xmlns:a16="http://schemas.microsoft.com/office/drawing/2014/main" id="{3C775C5C-8A41-4EF7-B528-B788570ABAD7}"/>
-                </a:ext>
-              </a:extLst>
-            </p:cNvPr>
-            <p:cNvSpPr/>
-            <p:nvPr/>
-          </p:nvSpPr>
-          <p:spPr>
-            <a:xfrm flipH="1">
-              <a:off x="7770150" y="4780689"/>
-              <a:ext cx="540000" cy="540000"/>
-            </a:xfrm>
-            <a:prstGeom prst="ellipse">
-              <a:avLst/>
-            </a:prstGeom>
-          </p:spPr>
-          <p:style>
-            <a:lnRef idx="2">
-              <a:schemeClr val="accent4">
-                <a:shade val="50000"/>
-              </a:schemeClr>
-            </a:lnRef>
-            <a:fillRef idx="1">
-              <a:schemeClr val="accent4"/>
-            </a:fillRef>
-            <a:effectRef idx="0">
-              <a:schemeClr val="accent4"/>
-            </a:effectRef>
-            <a:fontRef idx="minor">
-              <a:schemeClr val="lt1"/>
-            </a:fontRef>
-          </p:style>
-          <p:txBody>
-            <a:bodyPr rtlCol="0" anchor="ctr"/>
-            <a:lstStyle/>
-            <a:p>
-              <a:pPr algn="ctr"/>
-              <a:r>
-                <a:rPr lang="en-US" altLang="zh-CN" dirty="0"/>
-                <a:t>3</a:t>
-              </a:r>
-              <a:endParaRPr lang="zh-CN" altLang="en-US" dirty="0"/>
-            </a:p>
-          </p:txBody>
-        </p:sp>
-        <p:cxnSp>
-          <p:nvCxnSpPr>
-            <p:cNvPr id="70" name="直接连接符 69">
-              <a:extLst>
-                <a:ext uri="{FF2B5EF4-FFF2-40B4-BE49-F238E27FC236}">
-                  <a16:creationId xmlns:a16="http://schemas.microsoft.com/office/drawing/2014/main" id="{C09E1EBD-79BE-47D2-91CA-BEEB9263B5F5}"/>
-                </a:ext>
-              </a:extLst>
-            </p:cNvPr>
-            <p:cNvCxnSpPr>
-              <a:stCxn id="64" idx="3"/>
-              <a:endCxn id="65" idx="7"/>
-            </p:cNvCxnSpPr>
-            <p:nvPr/>
-          </p:nvCxnSpPr>
-          <p:spPr>
-            <a:xfrm>
-              <a:off x="8501069" y="3539608"/>
-              <a:ext cx="473036" cy="468652"/>
-            </a:xfrm>
-            <a:prstGeom prst="line">
-              <a:avLst/>
-            </a:prstGeom>
-          </p:spPr>
-          <p:style>
-            <a:lnRef idx="3">
-              <a:schemeClr val="accent1"/>
-            </a:lnRef>
-            <a:fillRef idx="0">
-              <a:schemeClr val="accent1"/>
-            </a:fillRef>
-            <a:effectRef idx="2">
-              <a:schemeClr val="accent1"/>
-            </a:effectRef>
-            <a:fontRef idx="minor">
-              <a:schemeClr val="tx1"/>
-            </a:fontRef>
-          </p:style>
-        </p:cxnSp>
-        <p:cxnSp>
-          <p:nvCxnSpPr>
-            <p:cNvPr id="71" name="直接连接符 70">
-              <a:extLst>
-                <a:ext uri="{FF2B5EF4-FFF2-40B4-BE49-F238E27FC236}">
-                  <a16:creationId xmlns:a16="http://schemas.microsoft.com/office/drawing/2014/main" id="{03AFF21E-F453-4621-8980-19529BD0597C}"/>
-                </a:ext>
-              </a:extLst>
-            </p:cNvPr>
-            <p:cNvCxnSpPr>
-              <a:cxnSpLocks/>
-              <a:stCxn id="64" idx="5"/>
-              <a:endCxn id="68" idx="0"/>
-            </p:cNvCxnSpPr>
-            <p:nvPr/>
-          </p:nvCxnSpPr>
-          <p:spPr>
-            <a:xfrm flipH="1">
-              <a:off x="7579231" y="3539608"/>
-              <a:ext cx="540000" cy="388131"/>
-            </a:xfrm>
-            <a:prstGeom prst="line">
-              <a:avLst/>
-            </a:prstGeom>
-          </p:spPr>
-          <p:style>
-            <a:lnRef idx="3">
-              <a:schemeClr val="accent1"/>
-            </a:lnRef>
-            <a:fillRef idx="0">
-              <a:schemeClr val="accent1"/>
-            </a:fillRef>
-            <a:effectRef idx="2">
-              <a:schemeClr val="accent1"/>
-            </a:effectRef>
-            <a:fontRef idx="minor">
-              <a:schemeClr val="tx1"/>
-            </a:fontRef>
-          </p:style>
-        </p:cxnSp>
-        <p:cxnSp>
-          <p:nvCxnSpPr>
-            <p:cNvPr id="72" name="直接连接符 71">
-              <a:extLst>
-                <a:ext uri="{FF2B5EF4-FFF2-40B4-BE49-F238E27FC236}">
-                  <a16:creationId xmlns:a16="http://schemas.microsoft.com/office/drawing/2014/main" id="{99F9E117-A32C-491A-A7EA-DDA2ABFB36A1}"/>
-                </a:ext>
-              </a:extLst>
-            </p:cNvPr>
-            <p:cNvCxnSpPr>
-              <a:cxnSpLocks/>
-              <a:stCxn id="66" idx="0"/>
-              <a:endCxn id="68" idx="0"/>
-            </p:cNvCxnSpPr>
-            <p:nvPr/>
-          </p:nvCxnSpPr>
-          <p:spPr>
-            <a:xfrm flipV="1">
-              <a:off x="7039231" y="3927739"/>
-              <a:ext cx="540000" cy="854350"/>
-            </a:xfrm>
-            <a:prstGeom prst="line">
-              <a:avLst/>
-            </a:prstGeom>
-          </p:spPr>
-          <p:style>
-            <a:lnRef idx="3">
-              <a:schemeClr val="accent1"/>
-            </a:lnRef>
-            <a:fillRef idx="0">
-              <a:schemeClr val="accent1"/>
-            </a:fillRef>
-            <a:effectRef idx="2">
-              <a:schemeClr val="accent1"/>
-            </a:effectRef>
-            <a:fontRef idx="minor">
-              <a:schemeClr val="tx1"/>
-            </a:fontRef>
-          </p:style>
-        </p:cxnSp>
-        <p:cxnSp>
-          <p:nvCxnSpPr>
-            <p:cNvPr id="73" name="直接连接符 72">
-              <a:extLst>
-                <a:ext uri="{FF2B5EF4-FFF2-40B4-BE49-F238E27FC236}">
-                  <a16:creationId xmlns:a16="http://schemas.microsoft.com/office/drawing/2014/main" id="{15E7EB2D-22F1-4402-90E5-3EF8B502D6A5}"/>
-                </a:ext>
-              </a:extLst>
-            </p:cNvPr>
-            <p:cNvCxnSpPr>
-              <a:cxnSpLocks/>
-              <a:stCxn id="66" idx="5"/>
-              <a:endCxn id="67" idx="0"/>
-            </p:cNvCxnSpPr>
-            <p:nvPr/>
-          </p:nvCxnSpPr>
-          <p:spPr>
-            <a:xfrm flipH="1">
-              <a:off x="6488202" y="5243008"/>
-              <a:ext cx="360110" cy="420125"/>
-            </a:xfrm>
-            <a:prstGeom prst="line">
-              <a:avLst/>
-            </a:prstGeom>
-          </p:spPr>
-          <p:style>
-            <a:lnRef idx="3">
-              <a:schemeClr val="accent1"/>
-            </a:lnRef>
-            <a:fillRef idx="0">
-              <a:schemeClr val="accent1"/>
-            </a:fillRef>
-            <a:effectRef idx="2">
-              <a:schemeClr val="accent1"/>
-            </a:effectRef>
-            <a:fontRef idx="minor">
-              <a:schemeClr val="tx1"/>
-            </a:fontRef>
-          </p:style>
-        </p:cxnSp>
-        <p:cxnSp>
-          <p:nvCxnSpPr>
-            <p:cNvPr id="74" name="直接连接符 73">
-              <a:extLst>
-                <a:ext uri="{FF2B5EF4-FFF2-40B4-BE49-F238E27FC236}">
-                  <a16:creationId xmlns:a16="http://schemas.microsoft.com/office/drawing/2014/main" id="{439922C0-4E12-40B4-BD9B-7B8990C96075}"/>
-                </a:ext>
-              </a:extLst>
-            </p:cNvPr>
-            <p:cNvCxnSpPr>
-              <a:cxnSpLocks/>
-              <a:stCxn id="68" idx="3"/>
-              <a:endCxn id="69" idx="0"/>
-            </p:cNvCxnSpPr>
-            <p:nvPr/>
-          </p:nvCxnSpPr>
-          <p:spPr>
-            <a:xfrm>
-              <a:off x="7770150" y="4388658"/>
-              <a:ext cx="270000" cy="392031"/>
-            </a:xfrm>
-            <a:prstGeom prst="line">
-              <a:avLst/>
-            </a:prstGeom>
-          </p:spPr>
-          <p:style>
-            <a:lnRef idx="3">
-              <a:schemeClr val="accent1"/>
-            </a:lnRef>
-            <a:fillRef idx="0">
-              <a:schemeClr val="accent1"/>
-            </a:fillRef>
-            <a:effectRef idx="2">
-              <a:schemeClr val="accent1"/>
-            </a:effectRef>
-            <a:fontRef idx="minor">
-              <a:schemeClr val="tx1"/>
-            </a:fontRef>
-          </p:style>
-        </p:cxnSp>
-      </p:grpSp>
-      <p:sp>
-        <p:nvSpPr>
-          <p:cNvPr id="29" name="文本框 28">
-            <a:extLst>
-              <a:ext uri="{FF2B5EF4-FFF2-40B4-BE49-F238E27FC236}">
-                <a16:creationId xmlns:a16="http://schemas.microsoft.com/office/drawing/2014/main" id="{1D6A488E-22E9-48DA-A989-02E8DA2DEC85}"/>
-              </a:ext>
-            </a:extLst>
-          </p:cNvPr>
-          <p:cNvSpPr txBox="1"/>
-          <p:nvPr/>
-        </p:nvSpPr>
-        <p:spPr>
-          <a:xfrm>
-            <a:off x="1027028" y="921021"/>
-            <a:ext cx="6682106" cy="923330"/>
-          </a:xfrm>
-          <a:prstGeom prst="rect">
-            <a:avLst/>
-          </a:prstGeom>
-          <a:noFill/>
-        </p:spPr>
-        <p:txBody>
-          <a:bodyPr wrap="square" rtlCol="0">
-            <a:spAutoFit/>
-          </a:bodyPr>
-          <a:lstStyle/>
-          <a:p>
-            <a:r>
-              <a:rPr lang="en-US" altLang="zh-CN" dirty="0">
-                <a:latin typeface="黑体" panose="02010609060101010101" pitchFamily="49" charset="-122"/>
-                <a:ea typeface="黑体" panose="02010609060101010101" pitchFamily="49" charset="-122"/>
-              </a:rPr>
-              <a:t>void </a:t>
-            </a:r>
-            <a:r>
-              <a:rPr lang="en-US" altLang="zh-CN" dirty="0" err="1">
-                <a:latin typeface="黑体" panose="02010609060101010101" pitchFamily="49" charset="-122"/>
-                <a:ea typeface="黑体" panose="02010609060101010101" pitchFamily="49" charset="-122"/>
-              </a:rPr>
-              <a:t>rightleftRotate</a:t>
-            </a:r>
-            <a:r>
-              <a:rPr lang="en-US" altLang="zh-CN" dirty="0">
-                <a:latin typeface="黑体" panose="02010609060101010101" pitchFamily="49" charset="-122"/>
-                <a:ea typeface="黑体" panose="02010609060101010101" pitchFamily="49" charset="-122"/>
-              </a:rPr>
-              <a:t>(Node* par, Node* son)</a:t>
-            </a:r>
-          </a:p>
-          <a:p>
-            <a:r>
-              <a:rPr lang="en-US" altLang="zh-CN" dirty="0">
-                <a:latin typeface="黑体" panose="02010609060101010101" pitchFamily="49" charset="-122"/>
-                <a:ea typeface="黑体" panose="02010609060101010101" pitchFamily="49" charset="-122"/>
-              </a:rPr>
-              <a:t>Use when par-&gt;right-&gt;height &gt; (par-&gt;left-&gt;height + 1) &amp;&amp;</a:t>
-            </a:r>
-          </a:p>
-          <a:p>
-            <a:r>
-              <a:rPr lang="en-US" altLang="zh-CN" dirty="0">
-                <a:latin typeface="黑体" panose="02010609060101010101" pitchFamily="49" charset="-122"/>
-                <a:ea typeface="黑体" panose="02010609060101010101" pitchFamily="49" charset="-122"/>
-              </a:rPr>
-              <a:t>         pre-&gt;right-&gt;height &lt; pre-&gt;left-&gt;height</a:t>
-            </a:r>
-            <a:endParaRPr lang="zh-CN" altLang="en-US" dirty="0">
-              <a:latin typeface="黑体" panose="02010609060101010101" pitchFamily="49" charset="-122"/>
-              <a:ea typeface="黑体" panose="02010609060101010101" pitchFamily="49" charset="-122"/>
-            </a:endParaRPr>
-          </a:p>
-        </p:txBody>
-      </p:sp>
-      <p:grpSp>
-        <p:nvGrpSpPr>
-          <p:cNvPr id="30" name="组合 29">
-            <a:extLst>
-              <a:ext uri="{FF2B5EF4-FFF2-40B4-BE49-F238E27FC236}">
-                <a16:creationId xmlns:a16="http://schemas.microsoft.com/office/drawing/2014/main" id="{EB86F69A-69AC-42A7-8265-7D76B33106CB}"/>
-              </a:ext>
-            </a:extLst>
-          </p:cNvPr>
-          <p:cNvGrpSpPr/>
-          <p:nvPr/>
-        </p:nvGrpSpPr>
-        <p:grpSpPr>
-          <a:xfrm flipH="1">
-            <a:off x="2297945" y="3217747"/>
-            <a:ext cx="2744874" cy="3125884"/>
-            <a:chOff x="4611862" y="2084191"/>
-            <a:chExt cx="2744874" cy="3125884"/>
-          </a:xfrm>
-        </p:grpSpPr>
-        <p:sp>
-          <p:nvSpPr>
-            <p:cNvPr id="31" name="椭圆 30">
-              <a:extLst>
-                <a:ext uri="{FF2B5EF4-FFF2-40B4-BE49-F238E27FC236}">
-                  <a16:creationId xmlns:a16="http://schemas.microsoft.com/office/drawing/2014/main" id="{3C5AAC61-19C3-4235-8154-D9A5F7830B12}"/>
-                </a:ext>
-              </a:extLst>
-            </p:cNvPr>
-            <p:cNvSpPr/>
-            <p:nvPr/>
-          </p:nvSpPr>
-          <p:spPr>
-            <a:xfrm flipH="1">
-              <a:off x="5961862" y="2084191"/>
-              <a:ext cx="540000" cy="540000"/>
-            </a:xfrm>
-            <a:prstGeom prst="ellipse">
-              <a:avLst/>
-            </a:prstGeom>
-          </p:spPr>
-          <p:style>
-            <a:lnRef idx="2">
-              <a:schemeClr val="accent2">
-                <a:shade val="50000"/>
-              </a:schemeClr>
-            </a:lnRef>
-            <a:fillRef idx="1">
-              <a:schemeClr val="accent2"/>
-            </a:fillRef>
-            <a:effectRef idx="0">
-              <a:schemeClr val="accent2"/>
-            </a:effectRef>
-            <a:fontRef idx="minor">
-              <a:schemeClr val="lt1"/>
-            </a:fontRef>
-          </p:style>
-          <p:txBody>
-            <a:bodyPr rtlCol="0" anchor="ctr"/>
-            <a:lstStyle/>
-            <a:p>
-              <a:pPr algn="ctr"/>
-              <a:r>
-                <a:rPr lang="en-US" altLang="zh-CN" dirty="0"/>
-                <a:t>2</a:t>
-              </a:r>
-              <a:endParaRPr lang="zh-CN" altLang="en-US" dirty="0"/>
-            </a:p>
-          </p:txBody>
-        </p:sp>
-        <p:sp>
-          <p:nvSpPr>
-            <p:cNvPr id="33" name="椭圆 32">
-              <a:extLst>
-                <a:ext uri="{FF2B5EF4-FFF2-40B4-BE49-F238E27FC236}">
-                  <a16:creationId xmlns:a16="http://schemas.microsoft.com/office/drawing/2014/main" id="{27573604-2924-46CB-B3A3-A5882DC84BB5}"/>
-                </a:ext>
-              </a:extLst>
-            </p:cNvPr>
-            <p:cNvSpPr/>
-            <p:nvPr/>
-          </p:nvSpPr>
-          <p:spPr>
-            <a:xfrm flipH="1">
-              <a:off x="6816736" y="2934681"/>
-              <a:ext cx="540000" cy="540000"/>
-            </a:xfrm>
-            <a:prstGeom prst="ellipse">
-              <a:avLst/>
-            </a:prstGeom>
-          </p:spPr>
-          <p:style>
-            <a:lnRef idx="2">
-              <a:schemeClr val="accent1">
-                <a:shade val="50000"/>
-              </a:schemeClr>
-            </a:lnRef>
-            <a:fillRef idx="1">
-              <a:schemeClr val="accent1"/>
-            </a:fillRef>
-            <a:effectRef idx="0">
-              <a:schemeClr val="accent1"/>
-            </a:effectRef>
-            <a:fontRef idx="minor">
-              <a:schemeClr val="lt1"/>
-            </a:fontRef>
-          </p:style>
-          <p:txBody>
-            <a:bodyPr rtlCol="0" anchor="ctr"/>
-            <a:lstStyle/>
-            <a:p>
-              <a:pPr algn="ctr"/>
-              <a:r>
-                <a:rPr lang="en-US" altLang="zh-CN" dirty="0"/>
-                <a:t>1</a:t>
-              </a:r>
-              <a:endParaRPr lang="zh-CN" altLang="en-US" dirty="0"/>
-            </a:p>
-          </p:txBody>
-        </p:sp>
-        <p:sp>
-          <p:nvSpPr>
-            <p:cNvPr id="34" name="椭圆 33">
-              <a:extLst>
-                <a:ext uri="{FF2B5EF4-FFF2-40B4-BE49-F238E27FC236}">
-                  <a16:creationId xmlns:a16="http://schemas.microsoft.com/office/drawing/2014/main" id="{9C409ED8-E318-4043-8206-1936AE1B22C1}"/>
-                </a:ext>
-              </a:extLst>
-            </p:cNvPr>
-            <p:cNvSpPr/>
-            <p:nvPr/>
-          </p:nvSpPr>
-          <p:spPr>
-            <a:xfrm flipH="1">
-              <a:off x="5151862" y="2934681"/>
-              <a:ext cx="540000" cy="540000"/>
-            </a:xfrm>
-            <a:prstGeom prst="ellipse">
-              <a:avLst/>
-            </a:prstGeom>
-          </p:spPr>
-          <p:style>
-            <a:lnRef idx="2">
-              <a:schemeClr val="accent6">
-                <a:shade val="50000"/>
-              </a:schemeClr>
-            </a:lnRef>
-            <a:fillRef idx="1">
-              <a:schemeClr val="accent6"/>
-            </a:fillRef>
-            <a:effectRef idx="0">
-              <a:schemeClr val="accent6"/>
-            </a:effectRef>
-            <a:fontRef idx="minor">
-              <a:schemeClr val="lt1"/>
-            </a:fontRef>
-          </p:style>
-          <p:txBody>
-            <a:bodyPr rtlCol="0" anchor="ctr"/>
-            <a:lstStyle/>
-            <a:p>
-              <a:pPr algn="ctr"/>
-              <a:r>
-                <a:rPr lang="en-US" altLang="zh-CN" dirty="0"/>
-                <a:t>5</a:t>
-              </a:r>
-              <a:endParaRPr lang="zh-CN" altLang="en-US" dirty="0"/>
-            </a:p>
-          </p:txBody>
-        </p:sp>
-        <p:sp>
-          <p:nvSpPr>
-            <p:cNvPr id="35" name="椭圆 34">
-              <a:extLst>
-                <a:ext uri="{FF2B5EF4-FFF2-40B4-BE49-F238E27FC236}">
-                  <a16:creationId xmlns:a16="http://schemas.microsoft.com/office/drawing/2014/main" id="{9C1E389C-0F4F-4EE2-B238-635906F77244}"/>
-                </a:ext>
-              </a:extLst>
-            </p:cNvPr>
-            <p:cNvSpPr/>
-            <p:nvPr/>
-          </p:nvSpPr>
-          <p:spPr>
-            <a:xfrm flipH="1">
-              <a:off x="4611862" y="3787631"/>
-              <a:ext cx="540000" cy="540000"/>
-            </a:xfrm>
-            <a:prstGeom prst="ellipse">
-              <a:avLst/>
-            </a:prstGeom>
-          </p:spPr>
-          <p:style>
-            <a:lnRef idx="2">
-              <a:schemeClr val="accent1">
-                <a:shade val="50000"/>
-              </a:schemeClr>
-            </a:lnRef>
-            <a:fillRef idx="1">
-              <a:schemeClr val="accent1"/>
-            </a:fillRef>
-            <a:effectRef idx="0">
-              <a:schemeClr val="accent1"/>
-            </a:effectRef>
-            <a:fontRef idx="minor">
-              <a:schemeClr val="lt1"/>
-            </a:fontRef>
-          </p:style>
-          <p:txBody>
-            <a:bodyPr rtlCol="0" anchor="ctr"/>
-            <a:lstStyle/>
-            <a:p>
-              <a:pPr algn="ctr"/>
-              <a:r>
-                <a:rPr lang="en-US" altLang="zh-CN" dirty="0"/>
-                <a:t>6</a:t>
-              </a:r>
-              <a:endParaRPr lang="zh-CN" altLang="en-US" dirty="0"/>
-            </a:p>
-          </p:txBody>
-        </p:sp>
-        <p:sp>
-          <p:nvSpPr>
-            <p:cNvPr id="36" name="椭圆 35">
-              <a:extLst>
-                <a:ext uri="{FF2B5EF4-FFF2-40B4-BE49-F238E27FC236}">
-                  <a16:creationId xmlns:a16="http://schemas.microsoft.com/office/drawing/2014/main" id="{0573788D-4AB6-48F2-BC76-BDCDA72891E8}"/>
-                </a:ext>
-              </a:extLst>
-            </p:cNvPr>
-            <p:cNvSpPr/>
-            <p:nvPr/>
-          </p:nvSpPr>
-          <p:spPr>
-            <a:xfrm flipH="1">
-              <a:off x="5691862" y="3802378"/>
-              <a:ext cx="540000" cy="540000"/>
-            </a:xfrm>
-            <a:prstGeom prst="ellipse">
-              <a:avLst/>
-            </a:prstGeom>
-          </p:spPr>
-          <p:style>
-            <a:lnRef idx="2">
-              <a:schemeClr val="accent1">
-                <a:shade val="50000"/>
-              </a:schemeClr>
-            </a:lnRef>
-            <a:fillRef idx="1">
-              <a:schemeClr val="accent1"/>
-            </a:fillRef>
-            <a:effectRef idx="0">
-              <a:schemeClr val="accent1"/>
-            </a:effectRef>
-            <a:fontRef idx="minor">
-              <a:schemeClr val="lt1"/>
-            </a:fontRef>
-          </p:style>
-          <p:txBody>
-            <a:bodyPr rtlCol="0" anchor="ctr"/>
-            <a:lstStyle/>
-            <a:p>
-              <a:pPr algn="ctr"/>
-              <a:r>
-                <a:rPr lang="en-US" altLang="zh-CN" dirty="0"/>
-                <a:t>4</a:t>
-              </a:r>
-              <a:endParaRPr lang="zh-CN" altLang="en-US" dirty="0"/>
-            </a:p>
-          </p:txBody>
-        </p:sp>
-        <p:sp>
-          <p:nvSpPr>
-            <p:cNvPr id="37" name="椭圆 36">
-              <a:extLst>
-                <a:ext uri="{FF2B5EF4-FFF2-40B4-BE49-F238E27FC236}">
-                  <a16:creationId xmlns:a16="http://schemas.microsoft.com/office/drawing/2014/main" id="{DE9B0006-433F-451E-88C7-D926B7A87A15}"/>
-                </a:ext>
-              </a:extLst>
-            </p:cNvPr>
-            <p:cNvSpPr/>
-            <p:nvPr/>
-          </p:nvSpPr>
-          <p:spPr>
-            <a:xfrm flipH="1">
-              <a:off x="6152781" y="4670075"/>
-              <a:ext cx="540000" cy="540000"/>
-            </a:xfrm>
-            <a:prstGeom prst="ellipse">
-              <a:avLst/>
-            </a:prstGeom>
-          </p:spPr>
-          <p:style>
-            <a:lnRef idx="2">
-              <a:schemeClr val="accent4">
-                <a:shade val="50000"/>
-              </a:schemeClr>
-            </a:lnRef>
-            <a:fillRef idx="1">
-              <a:schemeClr val="accent4"/>
-            </a:fillRef>
-            <a:effectRef idx="0">
-              <a:schemeClr val="accent4"/>
-            </a:effectRef>
-            <a:fontRef idx="minor">
-              <a:schemeClr val="lt1"/>
-            </a:fontRef>
-          </p:style>
-          <p:txBody>
-            <a:bodyPr rtlCol="0" anchor="ctr"/>
-            <a:lstStyle/>
-            <a:p>
-              <a:pPr algn="ctr"/>
-              <a:r>
-                <a:rPr lang="en-US" altLang="zh-CN" dirty="0"/>
-                <a:t>3</a:t>
-              </a:r>
-              <a:endParaRPr lang="zh-CN" altLang="en-US" dirty="0"/>
-            </a:p>
-          </p:txBody>
-        </p:sp>
-        <p:cxnSp>
-          <p:nvCxnSpPr>
-            <p:cNvPr id="38" name="直接连接符 37">
-              <a:extLst>
-                <a:ext uri="{FF2B5EF4-FFF2-40B4-BE49-F238E27FC236}">
-                  <a16:creationId xmlns:a16="http://schemas.microsoft.com/office/drawing/2014/main" id="{B5807E85-9727-4672-912E-745AEEE2CA62}"/>
-                </a:ext>
-              </a:extLst>
-            </p:cNvPr>
-            <p:cNvCxnSpPr>
-              <a:stCxn id="31" idx="3"/>
-              <a:endCxn id="33" idx="7"/>
-            </p:cNvCxnSpPr>
-            <p:nvPr/>
-          </p:nvCxnSpPr>
-          <p:spPr>
-            <a:xfrm>
-              <a:off x="6422781" y="2545110"/>
-              <a:ext cx="473036" cy="468652"/>
-            </a:xfrm>
-            <a:prstGeom prst="line">
-              <a:avLst/>
-            </a:prstGeom>
-          </p:spPr>
-          <p:style>
-            <a:lnRef idx="3">
-              <a:schemeClr val="accent1"/>
-            </a:lnRef>
-            <a:fillRef idx="0">
-              <a:schemeClr val="accent1"/>
-            </a:fillRef>
-            <a:effectRef idx="2">
-              <a:schemeClr val="accent1"/>
-            </a:effectRef>
-            <a:fontRef idx="minor">
-              <a:schemeClr val="tx1"/>
-            </a:fontRef>
-          </p:style>
-        </p:cxnSp>
-        <p:cxnSp>
-          <p:nvCxnSpPr>
-            <p:cNvPr id="39" name="直接连接符 38">
-              <a:extLst>
-                <a:ext uri="{FF2B5EF4-FFF2-40B4-BE49-F238E27FC236}">
-                  <a16:creationId xmlns:a16="http://schemas.microsoft.com/office/drawing/2014/main" id="{6297ED4A-BAF4-482A-8563-69C57E911A5B}"/>
-                </a:ext>
-              </a:extLst>
-            </p:cNvPr>
-            <p:cNvCxnSpPr>
-              <a:cxnSpLocks/>
-              <a:stCxn id="31" idx="5"/>
-              <a:endCxn id="34" idx="1"/>
-            </p:cNvCxnSpPr>
-            <p:nvPr/>
-          </p:nvCxnSpPr>
-          <p:spPr>
-            <a:xfrm flipH="1">
-              <a:off x="5612781" y="2545110"/>
-              <a:ext cx="428162" cy="468652"/>
-            </a:xfrm>
-            <a:prstGeom prst="line">
-              <a:avLst/>
-            </a:prstGeom>
-          </p:spPr>
-          <p:style>
-            <a:lnRef idx="3">
-              <a:schemeClr val="accent1"/>
-            </a:lnRef>
-            <a:fillRef idx="0">
-              <a:schemeClr val="accent1"/>
-            </a:fillRef>
-            <a:effectRef idx="2">
-              <a:schemeClr val="accent1"/>
-            </a:effectRef>
-            <a:fontRef idx="minor">
-              <a:schemeClr val="tx1"/>
-            </a:fontRef>
-          </p:style>
-        </p:cxnSp>
-        <p:cxnSp>
-          <p:nvCxnSpPr>
-            <p:cNvPr id="40" name="直接连接符 39">
-              <a:extLst>
-                <a:ext uri="{FF2B5EF4-FFF2-40B4-BE49-F238E27FC236}">
-                  <a16:creationId xmlns:a16="http://schemas.microsoft.com/office/drawing/2014/main" id="{22CE45E9-9594-47B2-BDCC-1752C7881025}"/>
-                </a:ext>
-              </a:extLst>
-            </p:cNvPr>
-            <p:cNvCxnSpPr>
-              <a:cxnSpLocks/>
-              <a:stCxn id="34" idx="3"/>
-              <a:endCxn id="36" idx="0"/>
-            </p:cNvCxnSpPr>
-            <p:nvPr/>
-          </p:nvCxnSpPr>
-          <p:spPr>
-            <a:xfrm>
-              <a:off x="5612781" y="3395600"/>
-              <a:ext cx="349081" cy="406778"/>
-            </a:xfrm>
-            <a:prstGeom prst="line">
-              <a:avLst/>
-            </a:prstGeom>
-          </p:spPr>
-          <p:style>
-            <a:lnRef idx="3">
-              <a:schemeClr val="accent1"/>
-            </a:lnRef>
-            <a:fillRef idx="0">
-              <a:schemeClr val="accent1"/>
-            </a:fillRef>
-            <a:effectRef idx="2">
-              <a:schemeClr val="accent1"/>
-            </a:effectRef>
-            <a:fontRef idx="minor">
-              <a:schemeClr val="tx1"/>
-            </a:fontRef>
-          </p:style>
-        </p:cxnSp>
-        <p:cxnSp>
-          <p:nvCxnSpPr>
-            <p:cNvPr id="42" name="直接连接符 41">
-              <a:extLst>
-                <a:ext uri="{FF2B5EF4-FFF2-40B4-BE49-F238E27FC236}">
-                  <a16:creationId xmlns:a16="http://schemas.microsoft.com/office/drawing/2014/main" id="{48BB7626-37C9-4E02-9DE7-B375750C16FB}"/>
-                </a:ext>
-              </a:extLst>
-            </p:cNvPr>
-            <p:cNvCxnSpPr>
-              <a:cxnSpLocks/>
-              <a:stCxn id="34" idx="5"/>
-              <a:endCxn id="35" idx="0"/>
-            </p:cNvCxnSpPr>
-            <p:nvPr/>
-          </p:nvCxnSpPr>
-          <p:spPr>
-            <a:xfrm flipH="1">
-              <a:off x="4881862" y="3395600"/>
-              <a:ext cx="349081" cy="392031"/>
-            </a:xfrm>
-            <a:prstGeom prst="line">
-              <a:avLst/>
-            </a:prstGeom>
-          </p:spPr>
-          <p:style>
-            <a:lnRef idx="3">
-              <a:schemeClr val="accent1"/>
-            </a:lnRef>
-            <a:fillRef idx="0">
-              <a:schemeClr val="accent1"/>
-            </a:fillRef>
-            <a:effectRef idx="2">
-              <a:schemeClr val="accent1"/>
-            </a:effectRef>
-            <a:fontRef idx="minor">
-              <a:schemeClr val="tx1"/>
-            </a:fontRef>
-          </p:style>
-        </p:cxnSp>
-        <p:cxnSp>
-          <p:nvCxnSpPr>
-            <p:cNvPr id="43" name="直接连接符 42">
-              <a:extLst>
-                <a:ext uri="{FF2B5EF4-FFF2-40B4-BE49-F238E27FC236}">
-                  <a16:creationId xmlns:a16="http://schemas.microsoft.com/office/drawing/2014/main" id="{3023B60D-BA66-44F2-B273-7503B2D58041}"/>
-                </a:ext>
-              </a:extLst>
-            </p:cNvPr>
-            <p:cNvCxnSpPr>
-              <a:cxnSpLocks/>
-              <a:stCxn id="36" idx="3"/>
-              <a:endCxn id="37" idx="0"/>
-            </p:cNvCxnSpPr>
-            <p:nvPr/>
-          </p:nvCxnSpPr>
-          <p:spPr>
-            <a:xfrm>
-              <a:off x="6152781" y="4263297"/>
-              <a:ext cx="270000" cy="406778"/>
-            </a:xfrm>
-            <a:prstGeom prst="line">
-              <a:avLst/>
-            </a:prstGeom>
-          </p:spPr>
-          <p:style>
-            <a:lnRef idx="3">
-              <a:schemeClr val="accent1"/>
-            </a:lnRef>
-            <a:fillRef idx="0">
-              <a:schemeClr val="accent1"/>
-            </a:fillRef>
-            <a:effectRef idx="2">
-              <a:schemeClr val="accent1"/>
-            </a:effectRef>
-            <a:fontRef idx="minor">
-              <a:schemeClr val="tx1"/>
-            </a:fontRef>
-          </p:style>
-        </p:cxnSp>
-      </p:grpSp>
-    </p:spTree>
-    <p:extLst>
-      <p:ext uri="{BB962C8B-B14F-4D97-AF65-F5344CB8AC3E}">
-        <p14:creationId xmlns:p14="http://schemas.microsoft.com/office/powerpoint/2010/main" val="2859701571"/>
-      </p:ext>
-    </p:extLst>
-  </p:cSld>
-  <p:clrMapOvr>
-    <a:masterClrMapping/>
-  </p:clrMapOvr>
-</p:sld>
-</file>
-
-<file path=ppt/slides/slide22.xml><?xml version="1.0" encoding="utf-8"?>
-<p:sld xmlns:a="http://schemas.openxmlformats.org/drawingml/2006/main" xmlns:r="http://schemas.openxmlformats.org/officeDocument/2006/relationships" xmlns:p="http://schemas.openxmlformats.org/presentationml/2006/main">
-  <p:cSld>
-    <p:spTree>
-      <p:nvGrpSpPr>
-        <p:cNvPr id="1" name=""/>
-        <p:cNvGrpSpPr/>
-        <p:nvPr/>
-      </p:nvGrpSpPr>
-      <p:grpSpPr>
-        <a:xfrm>
-          <a:off x="0" y="0"/>
-          <a:ext cx="0" cy="0"/>
-          <a:chOff x="0" y="0"/>
-          <a:chExt cx="0" cy="0"/>
-        </a:xfrm>
-      </p:grpSpPr>
-      <p:sp>
-        <p:nvSpPr>
-          <p:cNvPr id="2" name="文本框 1">
-            <a:extLst>
-              <a:ext uri="{FF2B5EF4-FFF2-40B4-BE49-F238E27FC236}">
-                <a16:creationId xmlns:a16="http://schemas.microsoft.com/office/drawing/2014/main" id="{3896F57B-136C-4494-9149-3AF08FDD4627}"/>
-              </a:ext>
-            </a:extLst>
-          </p:cNvPr>
-          <p:cNvSpPr txBox="1"/>
-          <p:nvPr/>
-        </p:nvSpPr>
-        <p:spPr>
-          <a:xfrm>
-            <a:off x="5178081" y="1988718"/>
-            <a:ext cx="4774504" cy="369332"/>
-          </a:xfrm>
-          <a:prstGeom prst="rect">
-            <a:avLst/>
-          </a:prstGeom>
-          <a:noFill/>
-        </p:spPr>
-        <p:txBody>
-          <a:bodyPr wrap="square" rtlCol="0">
-            <a:spAutoFit/>
-          </a:bodyPr>
-          <a:lstStyle/>
-          <a:p>
-            <a:r>
-              <a:rPr lang="en-US" altLang="zh-CN" dirty="0" err="1">
-                <a:latin typeface="黑体" panose="02010609060101010101" pitchFamily="49" charset="-122"/>
-                <a:ea typeface="黑体" panose="02010609060101010101" pitchFamily="49" charset="-122"/>
-              </a:rPr>
-              <a:t>leftRotate</a:t>
-            </a:r>
-            <a:r>
-              <a:rPr lang="en-US" altLang="zh-CN" dirty="0">
-                <a:latin typeface="黑体" panose="02010609060101010101" pitchFamily="49" charset="-122"/>
-                <a:ea typeface="黑体" panose="02010609060101010101" pitchFamily="49" charset="-122"/>
-              </a:rPr>
-              <a:t>(pre-&gt;parent, par);</a:t>
-            </a:r>
-          </a:p>
-        </p:txBody>
-      </p:sp>
-      <p:sp>
-        <p:nvSpPr>
-          <p:cNvPr id="41" name="箭头: 右 40">
-            <a:extLst>
-              <a:ext uri="{FF2B5EF4-FFF2-40B4-BE49-F238E27FC236}">
-                <a16:creationId xmlns:a16="http://schemas.microsoft.com/office/drawing/2014/main" id="{8A72C991-3C4C-4845-9FA6-D11C9E8CBB51}"/>
-              </a:ext>
-            </a:extLst>
-          </p:cNvPr>
-          <p:cNvSpPr/>
-          <p:nvPr/>
-        </p:nvSpPr>
-        <p:spPr>
-          <a:xfrm>
-            <a:off x="5162280" y="4234853"/>
-            <a:ext cx="872400" cy="406778"/>
-          </a:xfrm>
-          <a:prstGeom prst="rightArrow">
-            <a:avLst/>
-          </a:prstGeom>
-        </p:spPr>
-        <p:style>
-          <a:lnRef idx="2">
-            <a:schemeClr val="accent1">
-              <a:shade val="50000"/>
-            </a:schemeClr>
-          </a:lnRef>
-          <a:fillRef idx="1">
-            <a:schemeClr val="accent1"/>
-          </a:fillRef>
-          <a:effectRef idx="0">
-            <a:schemeClr val="accent1"/>
-          </a:effectRef>
-          <a:fontRef idx="minor">
-            <a:schemeClr val="lt1"/>
-          </a:fontRef>
-        </p:style>
-        <p:txBody>
-          <a:bodyPr rtlCol="0" anchor="ctr"/>
-          <a:lstStyle/>
-          <a:p>
-            <a:pPr algn="ctr"/>
-            <a:endParaRPr lang="zh-CN" altLang="en-US"/>
-          </a:p>
-        </p:txBody>
-      </p:sp>
-      <p:grpSp>
-        <p:nvGrpSpPr>
           <p:cNvPr id="3" name="组合 2">
             <a:extLst>
               <a:ext uri="{FF2B5EF4-FFF2-40B4-BE49-F238E27FC236}">
@@ -16307,7 +14817,7 @@
                 <a:latin typeface="黑体" panose="02010609060101010101" pitchFamily="49" charset="-122"/>
                 <a:ea typeface="黑体" panose="02010609060101010101" pitchFamily="49" charset="-122"/>
               </a:rPr>
-              <a:t>(Node* par, Node* son)</a:t>
+              <a:t>(Node* par, Node* pre)</a:t>
             </a:r>
           </a:p>
           <a:p>
@@ -16338,6 +14848,36 @@
     <p:extLst>
       <p:ext uri="{BB962C8B-B14F-4D97-AF65-F5344CB8AC3E}">
         <p14:creationId xmlns:p14="http://schemas.microsoft.com/office/powerpoint/2010/main" val="315017323"/>
+      </p:ext>
+    </p:extLst>
+  </p:cSld>
+  <p:clrMapOvr>
+    <a:masterClrMapping/>
+  </p:clrMapOvr>
+</p:sld>
+</file>
+
+<file path=ppt/slides/slide21.xml><?xml version="1.0" encoding="utf-8"?>
+<p:sld xmlns:a="http://schemas.openxmlformats.org/drawingml/2006/main" xmlns:r="http://schemas.openxmlformats.org/officeDocument/2006/relationships" xmlns:p="http://schemas.openxmlformats.org/presentationml/2006/main">
+  <p:cSld>
+    <p:spTree>
+      <p:nvGrpSpPr>
+        <p:cNvPr id="1" name=""/>
+        <p:cNvGrpSpPr/>
+        <p:nvPr/>
+      </p:nvGrpSpPr>
+      <p:grpSpPr>
+        <a:xfrm>
+          <a:off x="0" y="0"/>
+          <a:ext cx="0" cy="0"/>
+          <a:chOff x="0" y="0"/>
+          <a:chExt cx="0" cy="0"/>
+        </a:xfrm>
+      </p:grpSpPr>
+    </p:spTree>
+    <p:extLst>
+      <p:ext uri="{BB962C8B-B14F-4D97-AF65-F5344CB8AC3E}">
+        <p14:creationId xmlns:p14="http://schemas.microsoft.com/office/powerpoint/2010/main" val="3427382176"/>
       </p:ext>
     </p:extLst>
   </p:cSld>
@@ -16404,14 +14944,14 @@
                 <a:latin typeface="黑体" panose="02010609060101010101" pitchFamily="49" charset="-122"/>
                 <a:ea typeface="黑体" panose="02010609060101010101" pitchFamily="49" charset="-122"/>
               </a:rPr>
-              <a:t>leftEotate</a:t>
+              <a:t>leftRotate</a:t>
             </a:r>
             <a:r>
               <a:rPr lang="en-US" altLang="zh-CN" dirty="0">
                 <a:latin typeface="黑体" panose="02010609060101010101" pitchFamily="49" charset="-122"/>
                 <a:ea typeface="黑体" panose="02010609060101010101" pitchFamily="49" charset="-122"/>
               </a:rPr>
-              <a:t>(Node* par, Node* son)</a:t>
+              <a:t>(Node* par, Node* pre)</a:t>
             </a:r>
           </a:p>
           <a:p>
@@ -17195,14 +15735,14 @@
                 <a:latin typeface="黑体" panose="02010609060101010101" pitchFamily="49" charset="-122"/>
                 <a:ea typeface="黑体" panose="02010609060101010101" pitchFamily="49" charset="-122"/>
               </a:rPr>
-              <a:t>leftEotate</a:t>
+              <a:t>leftRotate</a:t>
             </a:r>
             <a:r>
               <a:rPr lang="en-US" altLang="zh-CN" dirty="0">
                 <a:latin typeface="黑体" panose="02010609060101010101" pitchFamily="49" charset="-122"/>
                 <a:ea typeface="黑体" panose="02010609060101010101" pitchFamily="49" charset="-122"/>
               </a:rPr>
-              <a:t>(Node* par, Node* son)</a:t>
+              <a:t>(Node* par, Node* pre)</a:t>
             </a:r>
           </a:p>
           <a:p>
@@ -18437,14 +16977,14 @@
                 <a:latin typeface="黑体" panose="02010609060101010101" pitchFamily="49" charset="-122"/>
                 <a:ea typeface="黑体" panose="02010609060101010101" pitchFamily="49" charset="-122"/>
               </a:rPr>
-              <a:t>leftEotate</a:t>
+              <a:t>leftRotate</a:t>
             </a:r>
             <a:r>
               <a:rPr lang="en-US" altLang="zh-CN" dirty="0">
                 <a:latin typeface="黑体" panose="02010609060101010101" pitchFamily="49" charset="-122"/>
                 <a:ea typeface="黑体" panose="02010609060101010101" pitchFamily="49" charset="-122"/>
               </a:rPr>
-              <a:t>(Node* par, Node* son)</a:t>
+              <a:t>(Node* par, Node* pre)</a:t>
             </a:r>
           </a:p>
           <a:p>
@@ -19675,14 +18215,14 @@
                 <a:latin typeface="黑体" panose="02010609060101010101" pitchFamily="49" charset="-122"/>
                 <a:ea typeface="黑体" panose="02010609060101010101" pitchFamily="49" charset="-122"/>
               </a:rPr>
-              <a:t>leftEotate</a:t>
+              <a:t>leftRotate</a:t>
             </a:r>
             <a:r>
               <a:rPr lang="en-US" altLang="zh-CN" dirty="0">
                 <a:latin typeface="黑体" panose="02010609060101010101" pitchFamily="49" charset="-122"/>
                 <a:ea typeface="黑体" panose="02010609060101010101" pitchFamily="49" charset="-122"/>
               </a:rPr>
-              <a:t>(Node* par, Node* son)</a:t>
+              <a:t>(Node* par, Node* pre)</a:t>
             </a:r>
           </a:p>
           <a:p>
@@ -19723,8 +18263,8 @@
         </p:nvSpPr>
         <p:spPr>
           <a:xfrm>
-            <a:off x="6239965" y="1969553"/>
-            <a:ext cx="4774504" cy="4524315"/>
+            <a:off x="6237390" y="1770843"/>
+            <a:ext cx="4774504" cy="5078313"/>
           </a:xfrm>
           <a:prstGeom prst="rect">
             <a:avLst/>
@@ -19750,6 +18290,52 @@
                 <a:ea typeface="黑体" panose="02010609060101010101" pitchFamily="49" charset="-122"/>
               </a:rPr>
               <a:t>:</a:t>
+            </a:r>
+          </a:p>
+          <a:p>
+            <a:r>
+              <a:rPr lang="en-US" altLang="zh-CN" dirty="0">
+                <a:latin typeface="黑体" panose="02010609060101010101" pitchFamily="49" charset="-122"/>
+                <a:ea typeface="黑体" panose="02010609060101010101" pitchFamily="49" charset="-122"/>
+              </a:rPr>
+              <a:t>this-&gt;</a:t>
+            </a:r>
+            <a:r>
+              <a:rPr lang="en-US" altLang="zh-CN" dirty="0" err="1">
+                <a:latin typeface="黑体" panose="02010609060101010101" pitchFamily="49" charset="-122"/>
+                <a:ea typeface="黑体" panose="02010609060101010101" pitchFamily="49" charset="-122"/>
+              </a:rPr>
+              <a:t>updateHeight</a:t>
+            </a:r>
+            <a:r>
+              <a:rPr lang="en-US" altLang="zh-CN" dirty="0">
+                <a:latin typeface="黑体" panose="02010609060101010101" pitchFamily="49" charset="-122"/>
+                <a:ea typeface="黑体" panose="02010609060101010101" pitchFamily="49" charset="-122"/>
+              </a:rPr>
+              <a:t>(par);</a:t>
+            </a:r>
+          </a:p>
+          <a:p>
+            <a:r>
+              <a:rPr lang="en-US" altLang="zh-CN" dirty="0">
+                <a:latin typeface="黑体" panose="02010609060101010101" pitchFamily="49" charset="-122"/>
+                <a:ea typeface="黑体" panose="02010609060101010101" pitchFamily="49" charset="-122"/>
+              </a:rPr>
+              <a:t>this-&gt;</a:t>
+            </a:r>
+            <a:r>
+              <a:rPr lang="en-US" altLang="zh-CN" dirty="0" err="1">
+                <a:latin typeface="黑体" panose="02010609060101010101" pitchFamily="49" charset="-122"/>
+                <a:ea typeface="黑体" panose="02010609060101010101" pitchFamily="49" charset="-122"/>
+              </a:rPr>
+              <a:t>updateHeight</a:t>
+            </a:r>
+            <a:r>
+              <a:rPr lang="en-US" altLang="zh-CN" dirty="0">
+                <a:latin typeface="黑体" panose="02010609060101010101" pitchFamily="49" charset="-122"/>
+                <a:ea typeface="黑体" panose="02010609060101010101" pitchFamily="49" charset="-122"/>
+              </a:rPr>
+              <a:t>(pre);</a:t>
             </a:r>
           </a:p>
           <a:p>
@@ -20615,7 +19201,7 @@
                 <a:latin typeface="黑体" panose="02010609060101010101" pitchFamily="49" charset="-122"/>
                 <a:ea typeface="黑体" panose="02010609060101010101" pitchFamily="49" charset="-122"/>
               </a:rPr>
-              <a:t>(Node* par, Node* son)</a:t>
+              <a:t>(Node* par, Node* pre)</a:t>
             </a:r>
           </a:p>
           <a:p>
@@ -21792,7 +20378,7 @@
                 <a:latin typeface="黑体" panose="02010609060101010101" pitchFamily="49" charset="-122"/>
                 <a:ea typeface="黑体" panose="02010609060101010101" pitchFamily="49" charset="-122"/>
               </a:rPr>
-              <a:t>(Node* par, Node* son)</a:t>
+              <a:t>(Node* par, Node* pre)</a:t>
             </a:r>
           </a:p>
           <a:p>

--- a/other/CppAlgs/AVLtree.pptx
+++ b/other/CppAlgs/AVLtree.pptx
@@ -279,7 +279,7 @@
           <a:p>
             <a:fld id="{CEFF4E0F-5F24-4417-B126-DBD9D85095C2}" type="datetimeFigureOut">
               <a:rPr lang="zh-CN" altLang="en-US" smtClean="0"/>
-              <a:t>2019/11/7</a:t>
+              <a:t>2019/11/9</a:t>
             </a:fld>
             <a:endParaRPr lang="zh-CN" altLang="en-US"/>
           </a:p>
@@ -477,7 +477,7 @@
           <a:p>
             <a:fld id="{CEFF4E0F-5F24-4417-B126-DBD9D85095C2}" type="datetimeFigureOut">
               <a:rPr lang="zh-CN" altLang="en-US" smtClean="0"/>
-              <a:t>2019/11/7</a:t>
+              <a:t>2019/11/9</a:t>
             </a:fld>
             <a:endParaRPr lang="zh-CN" altLang="en-US"/>
           </a:p>
@@ -685,7 +685,7 @@
           <a:p>
             <a:fld id="{CEFF4E0F-5F24-4417-B126-DBD9D85095C2}" type="datetimeFigureOut">
               <a:rPr lang="zh-CN" altLang="en-US" smtClean="0"/>
-              <a:t>2019/11/7</a:t>
+              <a:t>2019/11/9</a:t>
             </a:fld>
             <a:endParaRPr lang="zh-CN" altLang="en-US"/>
           </a:p>
@@ -883,7 +883,7 @@
           <a:p>
             <a:fld id="{CEFF4E0F-5F24-4417-B126-DBD9D85095C2}" type="datetimeFigureOut">
               <a:rPr lang="zh-CN" altLang="en-US" smtClean="0"/>
-              <a:t>2019/11/7</a:t>
+              <a:t>2019/11/9</a:t>
             </a:fld>
             <a:endParaRPr lang="zh-CN" altLang="en-US"/>
           </a:p>
@@ -1158,7 +1158,7 @@
           <a:p>
             <a:fld id="{CEFF4E0F-5F24-4417-B126-DBD9D85095C2}" type="datetimeFigureOut">
               <a:rPr lang="zh-CN" altLang="en-US" smtClean="0"/>
-              <a:t>2019/11/7</a:t>
+              <a:t>2019/11/9</a:t>
             </a:fld>
             <a:endParaRPr lang="zh-CN" altLang="en-US"/>
           </a:p>
@@ -1423,7 +1423,7 @@
           <a:p>
             <a:fld id="{CEFF4E0F-5F24-4417-B126-DBD9D85095C2}" type="datetimeFigureOut">
               <a:rPr lang="zh-CN" altLang="en-US" smtClean="0"/>
-              <a:t>2019/11/7</a:t>
+              <a:t>2019/11/9</a:t>
             </a:fld>
             <a:endParaRPr lang="zh-CN" altLang="en-US"/>
           </a:p>
@@ -1835,7 +1835,7 @@
           <a:p>
             <a:fld id="{CEFF4E0F-5F24-4417-B126-DBD9D85095C2}" type="datetimeFigureOut">
               <a:rPr lang="zh-CN" altLang="en-US" smtClean="0"/>
-              <a:t>2019/11/7</a:t>
+              <a:t>2019/11/9</a:t>
             </a:fld>
             <a:endParaRPr lang="zh-CN" altLang="en-US"/>
           </a:p>
@@ -1976,7 +1976,7 @@
           <a:p>
             <a:fld id="{CEFF4E0F-5F24-4417-B126-DBD9D85095C2}" type="datetimeFigureOut">
               <a:rPr lang="zh-CN" altLang="en-US" smtClean="0"/>
-              <a:t>2019/11/7</a:t>
+              <a:t>2019/11/9</a:t>
             </a:fld>
             <a:endParaRPr lang="zh-CN" altLang="en-US"/>
           </a:p>
@@ -2089,7 +2089,7 @@
           <a:p>
             <a:fld id="{CEFF4E0F-5F24-4417-B126-DBD9D85095C2}" type="datetimeFigureOut">
               <a:rPr lang="zh-CN" altLang="en-US" smtClean="0"/>
-              <a:t>2019/11/7</a:t>
+              <a:t>2019/11/9</a:t>
             </a:fld>
             <a:endParaRPr lang="zh-CN" altLang="en-US"/>
           </a:p>
@@ -2400,7 +2400,7 @@
           <a:p>
             <a:fld id="{CEFF4E0F-5F24-4417-B126-DBD9D85095C2}" type="datetimeFigureOut">
               <a:rPr lang="zh-CN" altLang="en-US" smtClean="0"/>
-              <a:t>2019/11/7</a:t>
+              <a:t>2019/11/9</a:t>
             </a:fld>
             <a:endParaRPr lang="zh-CN" altLang="en-US"/>
           </a:p>
@@ -2688,7 +2688,7 @@
           <a:p>
             <a:fld id="{CEFF4E0F-5F24-4417-B126-DBD9D85095C2}" type="datetimeFigureOut">
               <a:rPr lang="zh-CN" altLang="en-US" smtClean="0"/>
-              <a:t>2019/11/7</a:t>
+              <a:t>2019/11/9</a:t>
             </a:fld>
             <a:endParaRPr lang="zh-CN" altLang="en-US"/>
           </a:p>
@@ -2929,7 +2929,7 @@
           <a:p>
             <a:fld id="{CEFF4E0F-5F24-4417-B126-DBD9D85095C2}" type="datetimeFigureOut">
               <a:rPr lang="zh-CN" altLang="en-US" smtClean="0"/>
-              <a:t>2019/11/7</a:t>
+              <a:t>2019/11/9</a:t>
             </a:fld>
             <a:endParaRPr lang="zh-CN" altLang="en-US"/>
           </a:p>
@@ -3460,7 +3460,7 @@
                 <a:latin typeface="黑体" panose="02010609060101010101" pitchFamily="49" charset="-122"/>
                 <a:ea typeface="黑体" panose="02010609060101010101" pitchFamily="49" charset="-122"/>
               </a:rPr>
-              <a:t>pre-&gt;right-&gt;parent = par;</a:t>
+              <a:t>if (pre-&gt;right) pre-&gt;right-&gt;parent = par;</a:t>
             </a:r>
           </a:p>
         </p:txBody>
@@ -4697,8 +4697,19 @@
                 <a:latin typeface="黑体" panose="02010609060101010101" pitchFamily="49" charset="-122"/>
                 <a:ea typeface="黑体" panose="02010609060101010101" pitchFamily="49" charset="-122"/>
               </a:rPr>
-              <a:t>par-&gt;parent = pre-&gt;right;</a:t>
-            </a:r>
+              <a:t>par-&gt;parent </a:t>
+            </a:r>
+            <a:r>
+              <a:rPr lang="en-US" altLang="zh-CN">
+                <a:latin typeface="黑体" panose="02010609060101010101" pitchFamily="49" charset="-122"/>
+                <a:ea typeface="黑体" panose="02010609060101010101" pitchFamily="49" charset="-122"/>
+              </a:rPr>
+              <a:t>= pre;</a:t>
+            </a:r>
+            <a:endParaRPr lang="en-US" altLang="zh-CN" dirty="0">
+              <a:latin typeface="黑体" panose="02010609060101010101" pitchFamily="49" charset="-122"/>
+              <a:ea typeface="黑体" panose="02010609060101010101" pitchFamily="49" charset="-122"/>
+            </a:endParaRPr>
           </a:p>
         </p:txBody>
       </p:sp>
@@ -6937,7 +6948,7 @@
                 <a:latin typeface="黑体" panose="02010609060101010101" pitchFamily="49" charset="-122"/>
                 <a:ea typeface="黑体" panose="02010609060101010101" pitchFamily="49" charset="-122"/>
               </a:rPr>
-              <a:t>         pre-&gt;left-&gt;height &lt; pre-&gt;right-&gt;height</a:t>
+              <a:t>         pre-&gt;left-&gt;height &lt;= pre-&gt;right-&gt;height</a:t>
             </a:r>
             <a:endParaRPr lang="zh-CN" altLang="en-US" dirty="0">
               <a:latin typeface="黑体" panose="02010609060101010101" pitchFamily="49" charset="-122"/>
@@ -7922,7 +7933,7 @@
                 <a:latin typeface="黑体" panose="02010609060101010101" pitchFamily="49" charset="-122"/>
                 <a:ea typeface="黑体" panose="02010609060101010101" pitchFamily="49" charset="-122"/>
               </a:rPr>
-              <a:t>(pre-&gt;right, pre);</a:t>
+              <a:t>(pre, pre-&gt;right);</a:t>
             </a:r>
           </a:p>
         </p:txBody>
@@ -9157,7 +9168,7 @@
                 <a:latin typeface="黑体" panose="02010609060101010101" pitchFamily="49" charset="-122"/>
                 <a:ea typeface="黑体" panose="02010609060101010101" pitchFamily="49" charset="-122"/>
               </a:rPr>
-              <a:t>(pre-&gt;parent, par);</a:t>
+              <a:t>(par, pre-&gt;parent);</a:t>
             </a:r>
           </a:p>
         </p:txBody>
@@ -11433,7 +11444,7 @@
                 <a:latin typeface="黑体" panose="02010609060101010101" pitchFamily="49" charset="-122"/>
                 <a:ea typeface="黑体" panose="02010609060101010101" pitchFamily="49" charset="-122"/>
               </a:rPr>
-              <a:t>(pre-&gt;left, pre);</a:t>
+              <a:t>(pre, pre-&gt;left);</a:t>
             </a:r>
           </a:p>
         </p:txBody>
@@ -13608,6 +13619,273 @@
           </a:p>
         </p:txBody>
       </p:sp>
+      <p:sp>
+        <p:nvSpPr>
+          <p:cNvPr id="2" name="等腰三角形 1">
+            <a:extLst>
+              <a:ext uri="{FF2B5EF4-FFF2-40B4-BE49-F238E27FC236}">
+                <a16:creationId xmlns:a16="http://schemas.microsoft.com/office/drawing/2014/main" id="{651330FA-6935-4360-9438-93405D42F714}"/>
+              </a:ext>
+            </a:extLst>
+          </p:cNvPr>
+          <p:cNvSpPr/>
+          <p:nvPr/>
+        </p:nvSpPr>
+        <p:spPr>
+          <a:xfrm>
+            <a:off x="6152671" y="3473659"/>
+            <a:ext cx="1868129" cy="1903701"/>
+          </a:xfrm>
+          <a:prstGeom prst="triangle">
+            <a:avLst/>
+          </a:prstGeom>
+          <a:noFill/>
+          <a:ln w="38100">
+            <a:solidFill>
+              <a:srgbClr val="FF0000"/>
+            </a:solidFill>
+          </a:ln>
+        </p:spPr>
+        <p:style>
+          <a:lnRef idx="2">
+            <a:schemeClr val="accent1">
+              <a:shade val="50000"/>
+            </a:schemeClr>
+          </a:lnRef>
+          <a:fillRef idx="1">
+            <a:schemeClr val="accent1"/>
+          </a:fillRef>
+          <a:effectRef idx="0">
+            <a:schemeClr val="accent1"/>
+          </a:effectRef>
+          <a:fontRef idx="minor">
+            <a:schemeClr val="lt1"/>
+          </a:fontRef>
+        </p:style>
+        <p:txBody>
+          <a:bodyPr rtlCol="0" anchor="ctr"/>
+          <a:lstStyle/>
+          <a:p>
+            <a:pPr algn="ctr"/>
+            <a:endParaRPr lang="zh-CN" altLang="en-US"/>
+          </a:p>
+        </p:txBody>
+      </p:sp>
+      <p:sp>
+        <p:nvSpPr>
+          <p:cNvPr id="25" name="等腰三角形 24">
+            <a:extLst>
+              <a:ext uri="{FF2B5EF4-FFF2-40B4-BE49-F238E27FC236}">
+                <a16:creationId xmlns:a16="http://schemas.microsoft.com/office/drawing/2014/main" id="{BD9C7E83-8FEC-4250-BC76-6CF4A5F4A87F}"/>
+              </a:ext>
+            </a:extLst>
+          </p:cNvPr>
+          <p:cNvSpPr/>
+          <p:nvPr/>
+        </p:nvSpPr>
+        <p:spPr>
+          <a:xfrm>
+            <a:off x="5545817" y="3254962"/>
+            <a:ext cx="941318" cy="1218579"/>
+          </a:xfrm>
+          <a:prstGeom prst="triangle">
+            <a:avLst/>
+          </a:prstGeom>
+          <a:noFill/>
+          <a:ln w="38100">
+            <a:solidFill>
+              <a:srgbClr val="FF0000"/>
+            </a:solidFill>
+          </a:ln>
+        </p:spPr>
+        <p:style>
+          <a:lnRef idx="2">
+            <a:schemeClr val="accent1">
+              <a:shade val="50000"/>
+            </a:schemeClr>
+          </a:lnRef>
+          <a:fillRef idx="1">
+            <a:schemeClr val="accent1"/>
+          </a:fillRef>
+          <a:effectRef idx="0">
+            <a:schemeClr val="accent1"/>
+          </a:effectRef>
+          <a:fontRef idx="minor">
+            <a:schemeClr val="lt1"/>
+          </a:fontRef>
+        </p:style>
+        <p:txBody>
+          <a:bodyPr rtlCol="0" anchor="ctr"/>
+          <a:lstStyle/>
+          <a:p>
+            <a:pPr algn="ctr"/>
+            <a:endParaRPr lang="zh-CN" altLang="en-US"/>
+          </a:p>
+        </p:txBody>
+      </p:sp>
+      <p:sp>
+        <p:nvSpPr>
+          <p:cNvPr id="26" name="等腰三角形 25">
+            <a:extLst>
+              <a:ext uri="{FF2B5EF4-FFF2-40B4-BE49-F238E27FC236}">
+                <a16:creationId xmlns:a16="http://schemas.microsoft.com/office/drawing/2014/main" id="{786A08E8-7899-48FC-8DBC-1F1D8B9625F1}"/>
+              </a:ext>
+            </a:extLst>
+          </p:cNvPr>
+          <p:cNvSpPr/>
+          <p:nvPr/>
+        </p:nvSpPr>
+        <p:spPr>
+          <a:xfrm>
+            <a:off x="4411203" y="2464241"/>
+            <a:ext cx="941318" cy="1218579"/>
+          </a:xfrm>
+          <a:prstGeom prst="triangle">
+            <a:avLst/>
+          </a:prstGeom>
+          <a:noFill/>
+          <a:ln w="38100">
+            <a:solidFill>
+              <a:srgbClr val="FF0000"/>
+            </a:solidFill>
+          </a:ln>
+        </p:spPr>
+        <p:style>
+          <a:lnRef idx="2">
+            <a:schemeClr val="accent1">
+              <a:shade val="50000"/>
+            </a:schemeClr>
+          </a:lnRef>
+          <a:fillRef idx="1">
+            <a:schemeClr val="accent1"/>
+          </a:fillRef>
+          <a:effectRef idx="0">
+            <a:schemeClr val="accent1"/>
+          </a:effectRef>
+          <a:fontRef idx="minor">
+            <a:schemeClr val="lt1"/>
+          </a:fontRef>
+        </p:style>
+        <p:txBody>
+          <a:bodyPr rtlCol="0" anchor="ctr"/>
+          <a:lstStyle/>
+          <a:p>
+            <a:pPr algn="ctr"/>
+            <a:endParaRPr lang="zh-CN" altLang="en-US"/>
+          </a:p>
+        </p:txBody>
+      </p:sp>
+      <p:sp>
+        <p:nvSpPr>
+          <p:cNvPr id="10" name="文本框 9">
+            <a:extLst>
+              <a:ext uri="{FF2B5EF4-FFF2-40B4-BE49-F238E27FC236}">
+                <a16:creationId xmlns:a16="http://schemas.microsoft.com/office/drawing/2014/main" id="{78F08109-67A6-465E-BBF1-4A43B77DB2F6}"/>
+              </a:ext>
+            </a:extLst>
+          </p:cNvPr>
+          <p:cNvSpPr txBox="1"/>
+          <p:nvPr/>
+        </p:nvSpPr>
+        <p:spPr>
+          <a:xfrm>
+            <a:off x="8445910" y="1917290"/>
+            <a:ext cx="2438400" cy="1200329"/>
+          </a:xfrm>
+          <a:prstGeom prst="rect">
+            <a:avLst/>
+          </a:prstGeom>
+          <a:noFill/>
+        </p:spPr>
+        <p:txBody>
+          <a:bodyPr wrap="square" rtlCol="0">
+            <a:spAutoFit/>
+          </a:bodyPr>
+          <a:lstStyle/>
+          <a:p>
+            <a:r>
+              <a:rPr lang="en-US" altLang="zh-CN" dirty="0">
+                <a:latin typeface="黑体" panose="02010609060101010101" pitchFamily="49" charset="-122"/>
+                <a:ea typeface="黑体" panose="02010609060101010101" pitchFamily="49" charset="-122"/>
+              </a:rPr>
+              <a:t>1</a:t>
+            </a:r>
+            <a:r>
+              <a:rPr lang="zh-CN" altLang="en-US" dirty="0">
+                <a:latin typeface="黑体" panose="02010609060101010101" pitchFamily="49" charset="-122"/>
+                <a:ea typeface="黑体" panose="02010609060101010101" pitchFamily="49" charset="-122"/>
+              </a:rPr>
+              <a:t>和</a:t>
+            </a:r>
+            <a:r>
+              <a:rPr lang="en-US" altLang="zh-CN" dirty="0">
+                <a:latin typeface="黑体" panose="02010609060101010101" pitchFamily="49" charset="-122"/>
+                <a:ea typeface="黑体" panose="02010609060101010101" pitchFamily="49" charset="-122"/>
+              </a:rPr>
+              <a:t>3</a:t>
+            </a:r>
+            <a:r>
+              <a:rPr lang="zh-CN" altLang="en-US" dirty="0">
+                <a:latin typeface="黑体" panose="02010609060101010101" pitchFamily="49" charset="-122"/>
+                <a:ea typeface="黑体" panose="02010609060101010101" pitchFamily="49" charset="-122"/>
+              </a:rPr>
+              <a:t>都为高度为</a:t>
+            </a:r>
+            <a:r>
+              <a:rPr lang="en-US" altLang="zh-CN" dirty="0">
+                <a:latin typeface="黑体" panose="02010609060101010101" pitchFamily="49" charset="-122"/>
+                <a:ea typeface="黑体" panose="02010609060101010101" pitchFamily="49" charset="-122"/>
+              </a:rPr>
+              <a:t>n</a:t>
+            </a:r>
+            <a:r>
+              <a:rPr lang="zh-CN" altLang="en-US" dirty="0">
+                <a:latin typeface="黑体" panose="02010609060101010101" pitchFamily="49" charset="-122"/>
+                <a:ea typeface="黑体" panose="02010609060101010101" pitchFamily="49" charset="-122"/>
+              </a:rPr>
+              <a:t>的树根节点</a:t>
+            </a:r>
+            <a:endParaRPr lang="en-US" altLang="zh-CN" dirty="0">
+              <a:latin typeface="黑体" panose="02010609060101010101" pitchFamily="49" charset="-122"/>
+              <a:ea typeface="黑体" panose="02010609060101010101" pitchFamily="49" charset="-122"/>
+            </a:endParaRPr>
+          </a:p>
+          <a:p>
+            <a:r>
+              <a:rPr lang="en-US" altLang="zh-CN" dirty="0">
+                <a:latin typeface="黑体" panose="02010609060101010101" pitchFamily="49" charset="-122"/>
+                <a:ea typeface="黑体" panose="02010609060101010101" pitchFamily="49" charset="-122"/>
+              </a:rPr>
+              <a:t>6</a:t>
+            </a:r>
+            <a:r>
+              <a:rPr lang="zh-CN" altLang="en-US" dirty="0">
+                <a:latin typeface="黑体" panose="02010609060101010101" pitchFamily="49" charset="-122"/>
+                <a:ea typeface="黑体" panose="02010609060101010101" pitchFamily="49" charset="-122"/>
+              </a:rPr>
+              <a:t>为高度为</a:t>
+            </a:r>
+            <a:r>
+              <a:rPr lang="en-US" altLang="zh-CN" dirty="0">
+                <a:latin typeface="黑体" panose="02010609060101010101" pitchFamily="49" charset="-122"/>
+                <a:ea typeface="黑体" panose="02010609060101010101" pitchFamily="49" charset="-122"/>
+              </a:rPr>
+              <a:t>n+1</a:t>
+            </a:r>
+            <a:r>
+              <a:rPr lang="zh-CN" altLang="en-US" dirty="0">
+                <a:latin typeface="黑体" panose="02010609060101010101" pitchFamily="49" charset="-122"/>
+                <a:ea typeface="黑体" panose="02010609060101010101" pitchFamily="49" charset="-122"/>
+              </a:rPr>
+              <a:t>的树根节点</a:t>
+            </a:r>
+            <a:endParaRPr lang="en-US" altLang="zh-CN" dirty="0">
+              <a:latin typeface="黑体" panose="02010609060101010101" pitchFamily="49" charset="-122"/>
+              <a:ea typeface="黑体" panose="02010609060101010101" pitchFamily="49" charset="-122"/>
+            </a:endParaRPr>
+          </a:p>
+        </p:txBody>
+      </p:sp>
     </p:spTree>
     <p:extLst>
       <p:ext uri="{BB962C8B-B14F-4D97-AF65-F5344CB8AC3E}">
@@ -13678,7 +13956,7 @@
                 <a:latin typeface="黑体" panose="02010609060101010101" pitchFamily="49" charset="-122"/>
                 <a:ea typeface="黑体" panose="02010609060101010101" pitchFamily="49" charset="-122"/>
               </a:rPr>
-              <a:t>(pre-&gt;parent, par);</a:t>
+              <a:t>(par, pre-&gt;parent);</a:t>
             </a:r>
           </a:p>
         </p:txBody>
@@ -14835,7 +15113,7 @@
                 <a:latin typeface="黑体" panose="02010609060101010101" pitchFamily="49" charset="-122"/>
                 <a:ea typeface="黑体" panose="02010609060101010101" pitchFamily="49" charset="-122"/>
               </a:rPr>
-              <a:t>         pre-&gt;right-&gt;height &lt; pre-&gt;left-&gt;height</a:t>
+              <a:t>         pre-&gt;right-&gt;height &lt;= pre-&gt;left-&gt;height</a:t>
             </a:r>
             <a:endParaRPr lang="zh-CN" altLang="en-US" dirty="0">
               <a:latin typeface="黑体" panose="02010609060101010101" pitchFamily="49" charset="-122"/>
@@ -15649,7 +15927,7 @@
                 <a:latin typeface="黑体" panose="02010609060101010101" pitchFamily="49" charset="-122"/>
                 <a:ea typeface="黑体" panose="02010609060101010101" pitchFamily="49" charset="-122"/>
               </a:rPr>
-              <a:t>gre</a:t>
+              <a:t>gra</a:t>
             </a:r>
             <a:r>
               <a:rPr lang="en-US" altLang="zh-CN" dirty="0">
@@ -16336,7 +16614,7 @@
                 <a:latin typeface="黑体" panose="02010609060101010101" pitchFamily="49" charset="-122"/>
                 <a:ea typeface="黑体" panose="02010609060101010101" pitchFamily="49" charset="-122"/>
               </a:rPr>
-              <a:t>pre-&gt;left-&gt;parent = par;</a:t>
+              <a:t>if (pre-&gt;left) pre-&gt;left-&gt;parent = par;</a:t>
             </a:r>
           </a:p>
         </p:txBody>
@@ -17053,7 +17331,7 @@
                 <a:latin typeface="黑体" panose="02010609060101010101" pitchFamily="49" charset="-122"/>
                 <a:ea typeface="黑体" panose="02010609060101010101" pitchFamily="49" charset="-122"/>
               </a:rPr>
-              <a:t>par-&gt;parent = pre-&gt;left;</a:t>
+              <a:t>par-&gt;parent = pre;</a:t>
             </a:r>
           </a:p>
         </p:txBody>
@@ -20315,7 +20593,7 @@
                 <a:latin typeface="黑体" panose="02010609060101010101" pitchFamily="49" charset="-122"/>
                 <a:ea typeface="黑体" panose="02010609060101010101" pitchFamily="49" charset="-122"/>
               </a:rPr>
-              <a:t>gre</a:t>
+              <a:t>gra</a:t>
             </a:r>
             <a:r>
               <a:rPr lang="en-US" altLang="zh-CN" dirty="0">

--- a/other/CppAlgs/AVLtree.pptx
+++ b/other/CppAlgs/AVLtree.pptx
@@ -4616,7 +4616,7 @@
                 <a:latin typeface="黑体" panose="02010609060101010101" pitchFamily="49" charset="-122"/>
                 <a:ea typeface="黑体" panose="02010609060101010101" pitchFamily="49" charset="-122"/>
               </a:rPr>
-              <a:t>         pre-&gt;left-&gt;height &gt; pre-&gt;right-&gt;height</a:t>
+              <a:t>         pre-&gt;left-&gt;height &gt;= pre-&gt;right-&gt;height</a:t>
             </a:r>
             <a:endParaRPr lang="zh-CN" altLang="en-US" dirty="0">
               <a:latin typeface="黑体" panose="02010609060101010101" pitchFamily="49" charset="-122"/>
@@ -5345,7 +5345,7 @@
                 <a:latin typeface="黑体" panose="02010609060101010101" pitchFamily="49" charset="-122"/>
                 <a:ea typeface="黑体" panose="02010609060101010101" pitchFamily="49" charset="-122"/>
               </a:rPr>
-              <a:t>         pre-&gt;left-&gt;height &gt; pre-&gt;right-&gt;height</a:t>
+              <a:t>         pre-&gt;left-&gt;height &gt;= pre-&gt;right-&gt;height</a:t>
             </a:r>
             <a:endParaRPr lang="zh-CN" altLang="en-US" dirty="0">
               <a:latin typeface="黑体" panose="02010609060101010101" pitchFamily="49" charset="-122"/>
@@ -6490,7 +6490,7 @@
                 <a:latin typeface="黑体" panose="02010609060101010101" pitchFamily="49" charset="-122"/>
                 <a:ea typeface="黑体" panose="02010609060101010101" pitchFamily="49" charset="-122"/>
               </a:rPr>
-              <a:t>         pre-&gt;left-&gt;height &gt; pre-&gt;right-&gt;height</a:t>
+              <a:t>         pre-&gt;left-&gt;height &gt;= pre-&gt;right-&gt;height</a:t>
             </a:r>
             <a:endParaRPr lang="zh-CN" altLang="en-US" dirty="0">
               <a:latin typeface="黑体" panose="02010609060101010101" pitchFamily="49" charset="-122"/>
@@ -12704,7 +12704,7 @@
                 <a:latin typeface="黑体" panose="02010609060101010101" pitchFamily="49" charset="-122"/>
                 <a:ea typeface="黑体" panose="02010609060101010101" pitchFamily="49" charset="-122"/>
               </a:rPr>
-              <a:t>         pre-&gt;right-&gt;height &gt; pre-&gt;left-&gt;height</a:t>
+              <a:t>         pre-&gt;right-&gt;height &gt;= pre-&gt;left-&gt;height</a:t>
             </a:r>
             <a:endParaRPr lang="zh-CN" altLang="en-US" dirty="0">
               <a:latin typeface="黑体" panose="02010609060101010101" pitchFamily="49" charset="-122"/>
@@ -13871,6 +13871,20 @@
                 <a:ea typeface="黑体" panose="02010609060101010101" pitchFamily="49" charset="-122"/>
               </a:rPr>
               <a:t>n+1</a:t>
+            </a:r>
+            <a:r>
+              <a:rPr lang="zh-CN" altLang="en-US" dirty="0">
+                <a:latin typeface="黑体" panose="02010609060101010101" pitchFamily="49" charset="-122"/>
+                <a:ea typeface="黑体" panose="02010609060101010101" pitchFamily="49" charset="-122"/>
+              </a:rPr>
+              <a:t>或</a:t>
+            </a:r>
+            <a:r>
+              <a:rPr lang="en-US" altLang="zh-CN" dirty="0">
+                <a:latin typeface="黑体" panose="02010609060101010101" pitchFamily="49" charset="-122"/>
+                <a:ea typeface="黑体" panose="02010609060101010101" pitchFamily="49" charset="-122"/>
+              </a:rPr>
+              <a:t>n</a:t>
             </a:r>
             <a:r>
               <a:rPr lang="zh-CN" altLang="en-US" dirty="0">
@@ -15247,7 +15261,7 @@
                 <a:latin typeface="黑体" panose="02010609060101010101" pitchFamily="49" charset="-122"/>
                 <a:ea typeface="黑体" panose="02010609060101010101" pitchFamily="49" charset="-122"/>
               </a:rPr>
-              <a:t>         pre-&gt;right-&gt;height &gt; pre-&gt;left-&gt;height</a:t>
+              <a:t>         pre-&gt;right-&gt;height &gt;= pre-&gt;left-&gt;height</a:t>
             </a:r>
             <a:endParaRPr lang="zh-CN" altLang="en-US" dirty="0">
               <a:latin typeface="黑体" panose="02010609060101010101" pitchFamily="49" charset="-122"/>
@@ -16038,7 +16052,7 @@
                 <a:latin typeface="黑体" panose="02010609060101010101" pitchFamily="49" charset="-122"/>
                 <a:ea typeface="黑体" panose="02010609060101010101" pitchFamily="49" charset="-122"/>
               </a:rPr>
-              <a:t>         pre-&gt;right-&gt;height &gt; pre-&gt;left-&gt;height</a:t>
+              <a:t>         pre-&gt;right-&gt;height &gt;= pre-&gt;left-&gt;height</a:t>
             </a:r>
             <a:endParaRPr lang="zh-CN" altLang="en-US" dirty="0">
               <a:latin typeface="黑体" panose="02010609060101010101" pitchFamily="49" charset="-122"/>
@@ -17280,7 +17294,7 @@
                 <a:latin typeface="黑体" panose="02010609060101010101" pitchFamily="49" charset="-122"/>
                 <a:ea typeface="黑体" panose="02010609060101010101" pitchFamily="49" charset="-122"/>
               </a:rPr>
-              <a:t>         pre-&gt;right-&gt;height &gt; pre-&gt;left-&gt;height</a:t>
+              <a:t>         pre-&gt;right-&gt;height &gt;= pre-&gt;left-&gt;height</a:t>
             </a:r>
             <a:endParaRPr lang="zh-CN" altLang="en-US" dirty="0">
               <a:latin typeface="黑体" panose="02010609060101010101" pitchFamily="49" charset="-122"/>
@@ -18518,7 +18532,7 @@
                 <a:latin typeface="黑体" panose="02010609060101010101" pitchFamily="49" charset="-122"/>
                 <a:ea typeface="黑体" panose="02010609060101010101" pitchFamily="49" charset="-122"/>
               </a:rPr>
-              <a:t>         pre-&gt;right-&gt;height &gt; pre-&gt;left-&gt;height</a:t>
+              <a:t>         pre-&gt;right-&gt;height &gt;= pre-&gt;left-&gt;height</a:t>
             </a:r>
             <a:endParaRPr lang="zh-CN" altLang="en-US" dirty="0">
               <a:latin typeface="黑体" panose="02010609060101010101" pitchFamily="49" charset="-122"/>
@@ -20674,7 +20688,7 @@
                 <a:latin typeface="黑体" panose="02010609060101010101" pitchFamily="49" charset="-122"/>
                 <a:ea typeface="黑体" panose="02010609060101010101" pitchFamily="49" charset="-122"/>
               </a:rPr>
-              <a:t>         pre-&gt;left-&gt;height &gt; pre-&gt;right-&gt;height</a:t>
+              <a:t>         pre-&gt;left-&gt;height &gt;= pre-&gt;right-&gt;height</a:t>
             </a:r>
             <a:endParaRPr lang="zh-CN" altLang="en-US" dirty="0">
               <a:latin typeface="黑体" panose="02010609060101010101" pitchFamily="49" charset="-122"/>
